--- a/monolith_analysis/slides.pptx
+++ b/monolith_analysis/slides.pptx
@@ -4,17 +4,9 @@
   <p:sldMasterIdLst>
     <p:sldMasterId id="2147483648" r:id="rId1"/>
   </p:sldMasterIdLst>
-  <p:notesMasterIdLst>
-    <p:NotesMasterId r:id="rId9"/>
-  </p:notesMasterIdLst>
   <p:sldIdLst>
     <p:sldId id="256" r:id="rId2"/>
     <p:sldId id="257" r:id="rId3"/>
-    <p:sldId id="258" r:id="rId4"/>
-    <p:sldId id="259" r:id="rId5"/>
-    <p:sldId id="260" r:id="rId6"/>
-    <p:sldId id="261" r:id="rId7"/>
-    <p:sldId id="262" r:id="rId8"/>
   </p:sldIdLst>
   <p:sldSz cx="9144000" cy="6858000" type="screen4x3"/>
   <p:notesSz cx="6858000" cy="9144000"/>
@@ -130,708 +122,6 @@
     </p:ext>
   </p:extLst>
 </p:presentation>
-</file>
-
-<file path=ppt/notesMasters/notesMaster1.xml><?xml version="1.0" encoding="utf-8"?>
-<p:notesMaster xmlns:a="http://schemas.openxmlformats.org/drawingml/2006/main" xmlns:r="http://schemas.openxmlformats.org/officeDocument/2006/relationships" xmlns:p="http://schemas.openxmlformats.org/presentationml/2006/main">
-  <p:cSld>
-    <p:bg>
-      <p:bgRef idx="1001">
-        <a:schemeClr val="bg1"/>
-      </p:bgRef>
-    </p:bg>
-    <p:spTree>
-      <p:nvGrpSpPr>
-        <p:cNvPr id="1" name=""/>
-        <p:cNvGrpSpPr/>
-        <p:nvPr/>
-      </p:nvGrpSpPr>
-      <p:grpSpPr>
-        <a:xfrm>
-          <a:off x="0" y="0"/>
-          <a:ext cx="0" cy="0"/>
-          <a:chOff x="0" y="0"/>
-          <a:chExt cx="0" cy="0"/>
-        </a:xfrm>
-      </p:grpSpPr>
-      <p:sp>
-        <p:nvSpPr>
-          <p:cNvPr id="2" name="Header Placeholder 1"/>
-          <p:cNvSpPr>
-            <a:spLocks noGrp="1"/>
-          </p:cNvSpPr>
-          <p:nvPr>
-            <p:ph type="hdr" sz="quarter"/>
-          </p:nvPr>
-        </p:nvSpPr>
-        <p:spPr>
-          <a:xfrm>
-            <a:off x="0" y="0"/>
-            <a:ext cx="2971800" cy="458788"/>
-          </a:xfrm>
-          <a:prstGeom prst="rect">
-            <a:avLst/>
-          </a:prstGeom>
-        </p:spPr>
-        <p:txBody>
-          <a:bodyPr vert="horz" lIns="91440" tIns="45720" rIns="91440" bIns="45720" rtlCol="0"/>
-          <a:lstStyle>
-            <a:lvl1pPr algn="l">
-              <a:defRPr sz="1200"/>
-            </a:lvl1pPr>
-          </a:lstStyle>
-          <a:p>
-            <a:endParaRPr lang="en-US"/>
-          </a:p>
-        </p:txBody>
-      </p:sp>
-      <p:sp>
-        <p:nvSpPr>
-          <p:cNvPr id="3" name="Date Placeholder 2"/>
-          <p:cNvSpPr>
-            <a:spLocks noGrp="1"/>
-          </p:cNvSpPr>
-          <p:nvPr>
-            <p:ph type="dt" idx="1"/>
-          </p:nvPr>
-        </p:nvSpPr>
-        <p:spPr>
-          <a:xfrm>
-            <a:off x="3884613" y="0"/>
-            <a:ext cx="2971800" cy="458788"/>
-          </a:xfrm>
-          <a:prstGeom prst="rect">
-            <a:avLst/>
-          </a:prstGeom>
-        </p:spPr>
-        <p:txBody>
-          <a:bodyPr vert="horz" lIns="91440" tIns="45720" rIns="91440" bIns="45720" rtlCol="0"/>
-          <a:lstStyle>
-            <a:lvl1pPr algn="r">
-              <a:defRPr sz="1200"/>
-            </a:lvl1pPr>
-          </a:lstStyle>
-          <a:p>
-            <a:fld id="{0F9C1CCF-B725-44A7-AA57-5E433BD85C9F}" type="datetimeFigureOut">
-              <a:rPr lang="en-US" smtClean="0"/>
-              <a:t>4/5/2019</a:t>
-            </a:fld>
-            <a:endParaRPr lang="en-US"/>
-          </a:p>
-        </p:txBody>
-      </p:sp>
-      <p:sp>
-        <p:nvSpPr>
-          <p:cNvPr id="4" name="Slide Image Placeholder 3"/>
-          <p:cNvSpPr>
-            <a:spLocks noGrp="1" noRot="1" noChangeAspect="1"/>
-          </p:cNvSpPr>
-          <p:nvPr>
-            <p:ph type="sldImg" idx="2"/>
-          </p:nvPr>
-        </p:nvSpPr>
-        <p:spPr>
-          <a:xfrm>
-            <a:off x="1371600" y="1143000"/>
-            <a:ext cx="4114800" cy="3086100"/>
-          </a:xfrm>
-          <a:prstGeom prst="rect">
-            <a:avLst/>
-          </a:prstGeom>
-          <a:noFill/>
-          <a:ln w="12700">
-            <a:solidFill>
-              <a:prstClr val="black"/>
-            </a:solidFill>
-          </a:ln>
-        </p:spPr>
-        <p:txBody>
-          <a:bodyPr vert="horz" lIns="91440" tIns="45720" rIns="91440" bIns="45720" rtlCol="0" anchor="ctr"/>
-          <a:lstStyle/>
-          <a:p>
-            <a:endParaRPr lang="en-US"/>
-          </a:p>
-        </p:txBody>
-      </p:sp>
-      <p:sp>
-        <p:nvSpPr>
-          <p:cNvPr id="5" name="Notes Placeholder 4"/>
-          <p:cNvSpPr>
-            <a:spLocks noGrp="1"/>
-          </p:cNvSpPr>
-          <p:nvPr>
-            <p:ph type="body" sz="quarter" idx="3"/>
-          </p:nvPr>
-        </p:nvSpPr>
-        <p:spPr>
-          <a:xfrm>
-            <a:off x="685800" y="4400550"/>
-            <a:ext cx="5486400" cy="3600450"/>
-          </a:xfrm>
-          <a:prstGeom prst="rect">
-            <a:avLst/>
-          </a:prstGeom>
-        </p:spPr>
-        <p:txBody>
-          <a:bodyPr vert="horz" lIns="91440" tIns="45720" rIns="91440" bIns="45720" rtlCol="0"/>
-          <a:lstStyle/>
-          <a:p>
-            <a:pPr lvl="0"/>
-            <a:r>
-              <a:rPr lang="en-US" smtClean="0"/>
-              <a:t>Click to edit Master text styles</a:t>
-            </a:r>
-          </a:p>
-          <a:p>
-            <a:pPr lvl="1"/>
-            <a:r>
-              <a:rPr lang="en-US" smtClean="0"/>
-              <a:t>Second level</a:t>
-            </a:r>
-          </a:p>
-          <a:p>
-            <a:pPr lvl="2"/>
-            <a:r>
-              <a:rPr lang="en-US" smtClean="0"/>
-              <a:t>Third level</a:t>
-            </a:r>
-          </a:p>
-          <a:p>
-            <a:pPr lvl="3"/>
-            <a:r>
-              <a:rPr lang="en-US" smtClean="0"/>
-              <a:t>Fourth level</a:t>
-            </a:r>
-          </a:p>
-          <a:p>
-            <a:pPr lvl="4"/>
-            <a:r>
-              <a:rPr lang="en-US" smtClean="0"/>
-              <a:t>Fifth level</a:t>
-            </a:r>
-            <a:endParaRPr lang="en-US"/>
-          </a:p>
-        </p:txBody>
-      </p:sp>
-      <p:sp>
-        <p:nvSpPr>
-          <p:cNvPr id="6" name="Footer Placeholder 5"/>
-          <p:cNvSpPr>
-            <a:spLocks noGrp="1"/>
-          </p:cNvSpPr>
-          <p:nvPr>
-            <p:ph type="ftr" sz="quarter" idx="4"/>
-          </p:nvPr>
-        </p:nvSpPr>
-        <p:spPr>
-          <a:xfrm>
-            <a:off x="0" y="8685213"/>
-            <a:ext cx="2971800" cy="458787"/>
-          </a:xfrm>
-          <a:prstGeom prst="rect">
-            <a:avLst/>
-          </a:prstGeom>
-        </p:spPr>
-        <p:txBody>
-          <a:bodyPr vert="horz" lIns="91440" tIns="45720" rIns="91440" bIns="45720" rtlCol="0" anchor="b"/>
-          <a:lstStyle>
-            <a:lvl1pPr algn="l">
-              <a:defRPr sz="1200"/>
-            </a:lvl1pPr>
-          </a:lstStyle>
-          <a:p>
-            <a:endParaRPr lang="en-US"/>
-          </a:p>
-        </p:txBody>
-      </p:sp>
-      <p:sp>
-        <p:nvSpPr>
-          <p:cNvPr id="7" name="Slide Number Placeholder 6"/>
-          <p:cNvSpPr>
-            <a:spLocks noGrp="1"/>
-          </p:cNvSpPr>
-          <p:nvPr>
-            <p:ph type="sldNum" sz="quarter" idx="5"/>
-          </p:nvPr>
-        </p:nvSpPr>
-        <p:spPr>
-          <a:xfrm>
-            <a:off x="3884613" y="8685213"/>
-            <a:ext cx="2971800" cy="458787"/>
-          </a:xfrm>
-          <a:prstGeom prst="rect">
-            <a:avLst/>
-          </a:prstGeom>
-        </p:spPr>
-        <p:txBody>
-          <a:bodyPr vert="horz" lIns="91440" tIns="45720" rIns="91440" bIns="45720" rtlCol="0" anchor="b"/>
-          <a:lstStyle>
-            <a:lvl1pPr algn="r">
-              <a:defRPr sz="1200"/>
-            </a:lvl1pPr>
-          </a:lstStyle>
-          <a:p>
-            <a:fld id="{18BDFEC3-8487-43E8-A154-7C12CBC1FFF2}" type="slidenum">
-              <a:rPr lang="en-US" smtClean="0"/>
-              <a:t>‹#›</a:t>
-            </a:fld>
-            <a:endParaRPr lang="en-US"/>
-          </a:p>
-        </p:txBody>
-      </p:sp>
-    </p:spTree>
-    <p:extLst>
-      <p:ext uri="{BB962C8B-B14F-4D97-AF65-F5344CB8AC3E}">
-        <p14:creationId xmlns:p14="http://schemas.microsoft.com/office/powerpoint/2010/main" val="3782709779"/>
-      </p:ext>
-    </p:extLst>
-  </p:cSld>
-  <p:clrMap bg1="lt1" tx1="dk1" bg2="lt2" tx2="dk2" accent1="accent1" accent2="accent2" accent3="accent3" accent4="accent4" accent5="accent5" accent6="accent6" hlink="hlink" folHlink="folHlink"/>
-  <p:notesStyle>
-    <a:lvl1pPr marL="0" algn="l" defTabSz="914400" rtl="0" eaLnBrk="1" latinLnBrk="0" hangingPunct="1">
-      <a:defRPr sz="1200" kern="1200">
-        <a:solidFill>
-          <a:schemeClr val="tx1"/>
-        </a:solidFill>
-        <a:latin typeface="+mn-lt"/>
-        <a:ea typeface="+mn-ea"/>
-        <a:cs typeface="+mn-cs"/>
-      </a:defRPr>
-    </a:lvl1pPr>
-    <a:lvl2pPr marL="457200" algn="l" defTabSz="914400" rtl="0" eaLnBrk="1" latinLnBrk="0" hangingPunct="1">
-      <a:defRPr sz="1200" kern="1200">
-        <a:solidFill>
-          <a:schemeClr val="tx1"/>
-        </a:solidFill>
-        <a:latin typeface="+mn-lt"/>
-        <a:ea typeface="+mn-ea"/>
-        <a:cs typeface="+mn-cs"/>
-      </a:defRPr>
-    </a:lvl2pPr>
-    <a:lvl3pPr marL="914400" algn="l" defTabSz="914400" rtl="0" eaLnBrk="1" latinLnBrk="0" hangingPunct="1">
-      <a:defRPr sz="1200" kern="1200">
-        <a:solidFill>
-          <a:schemeClr val="tx1"/>
-        </a:solidFill>
-        <a:latin typeface="+mn-lt"/>
-        <a:ea typeface="+mn-ea"/>
-        <a:cs typeface="+mn-cs"/>
-      </a:defRPr>
-    </a:lvl3pPr>
-    <a:lvl4pPr marL="1371600" algn="l" defTabSz="914400" rtl="0" eaLnBrk="1" latinLnBrk="0" hangingPunct="1">
-      <a:defRPr sz="1200" kern="1200">
-        <a:solidFill>
-          <a:schemeClr val="tx1"/>
-        </a:solidFill>
-        <a:latin typeface="+mn-lt"/>
-        <a:ea typeface="+mn-ea"/>
-        <a:cs typeface="+mn-cs"/>
-      </a:defRPr>
-    </a:lvl4pPr>
-    <a:lvl5pPr marL="1828800" algn="l" defTabSz="914400" rtl="0" eaLnBrk="1" latinLnBrk="0" hangingPunct="1">
-      <a:defRPr sz="1200" kern="1200">
-        <a:solidFill>
-          <a:schemeClr val="tx1"/>
-        </a:solidFill>
-        <a:latin typeface="+mn-lt"/>
-        <a:ea typeface="+mn-ea"/>
-        <a:cs typeface="+mn-cs"/>
-      </a:defRPr>
-    </a:lvl5pPr>
-    <a:lvl6pPr marL="2286000" algn="l" defTabSz="914400" rtl="0" eaLnBrk="1" latinLnBrk="0" hangingPunct="1">
-      <a:defRPr sz="1200" kern="1200">
-        <a:solidFill>
-          <a:schemeClr val="tx1"/>
-        </a:solidFill>
-        <a:latin typeface="+mn-lt"/>
-        <a:ea typeface="+mn-ea"/>
-        <a:cs typeface="+mn-cs"/>
-      </a:defRPr>
-    </a:lvl6pPr>
-    <a:lvl7pPr marL="2743200" algn="l" defTabSz="914400" rtl="0" eaLnBrk="1" latinLnBrk="0" hangingPunct="1">
-      <a:defRPr sz="1200" kern="1200">
-        <a:solidFill>
-          <a:schemeClr val="tx1"/>
-        </a:solidFill>
-        <a:latin typeface="+mn-lt"/>
-        <a:ea typeface="+mn-ea"/>
-        <a:cs typeface="+mn-cs"/>
-      </a:defRPr>
-    </a:lvl7pPr>
-    <a:lvl8pPr marL="3200400" algn="l" defTabSz="914400" rtl="0" eaLnBrk="1" latinLnBrk="0" hangingPunct="1">
-      <a:defRPr sz="1200" kern="1200">
-        <a:solidFill>
-          <a:schemeClr val="tx1"/>
-        </a:solidFill>
-        <a:latin typeface="+mn-lt"/>
-        <a:ea typeface="+mn-ea"/>
-        <a:cs typeface="+mn-cs"/>
-      </a:defRPr>
-    </a:lvl8pPr>
-    <a:lvl9pPr marL="3657600" algn="l" defTabSz="914400" rtl="0" eaLnBrk="1" latinLnBrk="0" hangingPunct="1">
-      <a:defRPr sz="1200" kern="1200">
-        <a:solidFill>
-          <a:schemeClr val="tx1"/>
-        </a:solidFill>
-        <a:latin typeface="+mn-lt"/>
-        <a:ea typeface="+mn-ea"/>
-        <a:cs typeface="+mn-cs"/>
-      </a:defRPr>
-    </a:lvl9pPr>
-  </p:notesStyle>
-</p:notesMaster>
-</file>
-
-<file path=ppt/notesSlides/notesSlide1.xml><?xml version="1.0" encoding="utf-8"?>
-<p:notes xmlns:a="http://schemas.openxmlformats.org/drawingml/2006/main" xmlns:r="http://schemas.openxmlformats.org/officeDocument/2006/relationships" xmlns:p="http://schemas.openxmlformats.org/presentationml/2006/main">
-  <p:cSld>
-    <p:spTree>
-      <p:nvGrpSpPr>
-        <p:cNvPr id="1" name=""/>
-        <p:cNvGrpSpPr/>
-        <p:nvPr/>
-      </p:nvGrpSpPr>
-      <p:grpSpPr>
-        <a:xfrm>
-          <a:off x="0" y="0"/>
-          <a:ext cx="0" cy="0"/>
-          <a:chOff x="0" y="0"/>
-          <a:chExt cx="0" cy="0"/>
-        </a:xfrm>
-      </p:grpSpPr>
-      <p:sp>
-        <p:nvSpPr>
-          <p:cNvPr id="2" name="Slide Image Placeholder 1"/>
-          <p:cNvSpPr>
-            <a:spLocks noGrp="1" noRot="1" noChangeAspect="1"/>
-          </p:cNvSpPr>
-          <p:nvPr>
-            <p:ph type="sldImg"/>
-          </p:nvPr>
-        </p:nvSpPr>
-        <p:spPr/>
-      </p:sp>
-      <p:sp>
-        <p:nvSpPr>
-          <p:cNvPr id="3" name="Notes Placeholder 2"/>
-          <p:cNvSpPr>
-            <a:spLocks noGrp="1"/>
-          </p:cNvSpPr>
-          <p:nvPr>
-            <p:ph type="body" idx="1"/>
-          </p:nvPr>
-        </p:nvSpPr>
-        <p:spPr/>
-        <p:txBody>
-          <a:bodyPr/>
-          <a:lstStyle/>
-          <a:p>
-            <a:pPr lvl="0" marL="0" indent="0">
-              <a:buNone/>
-            </a:pPr>
-            <a:r>
-              <a:rPr/>
-              <a:t>This</a:t>
-            </a:r>
-            <a:r>
-              <a:rPr/>
-              <a:t> </a:t>
-            </a:r>
-            <a:r>
-              <a:rPr/>
-              <a:t>is</a:t>
-            </a:r>
-            <a:r>
-              <a:rPr/>
-              <a:t> </a:t>
-            </a:r>
-            <a:r>
-              <a:rPr/>
-              <a:t>a</a:t>
-            </a:r>
-            <a:r>
-              <a:rPr/>
-              <a:t> </a:t>
-            </a:r>
-            <a:r>
-              <a:rPr/>
-              <a:t>speaker</a:t>
-            </a:r>
-            <a:r>
-              <a:rPr/>
-              <a:t> </a:t>
-            </a:r>
-            <a:r>
-              <a:rPr/>
-              <a:t>note.</a:t>
-            </a:r>
-          </a:p>
-          <a:p>
-            <a:pPr lvl="0" marL="0" indent="0">
-              <a:buNone/>
-            </a:pPr>
-          </a:p>
-          <a:p>
-            <a:pPr lvl="1"/>
-            <a:r>
-              <a:rPr/>
-              <a:t>Use</a:t>
-            </a:r>
-            <a:r>
-              <a:rPr/>
-              <a:t> </a:t>
-            </a:r>
-            <a:r>
-              <a:rPr/>
-              <a:t>basic</a:t>
-            </a:r>
-            <a:r>
-              <a:rPr/>
-              <a:t> </a:t>
-            </a:r>
-            <a:r>
-              <a:rPr/>
-              <a:t>Markdown</a:t>
-            </a:r>
-          </a:p>
-          <a:p>
-            <a:pPr lvl="0" marL="0" indent="0">
-              <a:buNone/>
-            </a:pPr>
-          </a:p>
-          <a:p>
-            <a:pPr lvl="1"/>
-            <a:r>
-              <a:rPr/>
-              <a:t>like</a:t>
-            </a:r>
-            <a:r>
-              <a:rPr/>
-              <a:t> </a:t>
-            </a:r>
-            <a:r>
-              <a:rPr/>
-              <a:t>this</a:t>
-            </a:r>
-            <a:r>
-              <a:rPr/>
-              <a:t> </a:t>
-            </a:r>
-            <a:r>
-              <a:rPr/>
-              <a:t>list</a:t>
-            </a:r>
-          </a:p>
-          <a:p>
-            <a:pPr lvl="0" marL="0" indent="0">
-              <a:buNone/>
-            </a:pPr>
-          </a:p>
-          <a:p>
-            <a:pPr lvl="1"/>
-            <a:r>
-              <a:rPr i="1"/>
-              <a:t>and</a:t>
-            </a:r>
-            <a:r>
-              <a:rPr i="1"/>
-              <a:t> </a:t>
-            </a:r>
-            <a:r>
-              <a:rPr i="1"/>
-              <a:t>inline</a:t>
-            </a:r>
-            <a:r>
-              <a:rPr i="1"/>
-              <a:t> </a:t>
-            </a:r>
-            <a:r>
-              <a:rPr i="1"/>
-              <a:t>formatting</a:t>
-            </a:r>
-          </a:p>
-        </p:txBody>
-      </p:sp>
-      <p:sp>
-        <p:nvSpPr>
-          <p:cNvPr id="4" name="Slide Number Placeholder 3"/>
-          <p:cNvSpPr>
-            <a:spLocks noGrp="1"/>
-          </p:cNvSpPr>
-          <p:nvPr>
-            <p:ph type="sldNum" sz="quarter" idx="10"/>
-          </p:nvPr>
-        </p:nvSpPr>
-        <p:spPr/>
-        <p:txBody>
-          <a:bodyPr/>
-          <a:lstStyle/>
-          <a:p>
-            <a:fld id="{18BDFEC3-8487-43E8-A154-7C12CBC1FFF2}" type="slidenum">
-              <a:rPr lang="en-US"/>
-              <a:t>5</a:t>
-            </a:fld>
-            <a:endParaRPr lang="en-US"/>
-          </a:p>
-        </p:txBody>
-      </p:sp>
-    </p:spTree>
-  </p:cSld>
-</p:notes>
-</file>
-
-<file path=ppt/notesSlides/notesSlide2.xml><?xml version="1.0" encoding="utf-8"?>
-<p:notes xmlns:a="http://schemas.openxmlformats.org/drawingml/2006/main" xmlns:r="http://schemas.openxmlformats.org/officeDocument/2006/relationships" xmlns:p="http://schemas.openxmlformats.org/presentationml/2006/main">
-  <p:cSld>
-    <p:spTree>
-      <p:nvGrpSpPr>
-        <p:cNvPr id="1" name=""/>
-        <p:cNvGrpSpPr/>
-        <p:nvPr/>
-      </p:nvGrpSpPr>
-      <p:grpSpPr>
-        <a:xfrm>
-          <a:off x="0" y="0"/>
-          <a:ext cx="0" cy="0"/>
-          <a:chOff x="0" y="0"/>
-          <a:chExt cx="0" cy="0"/>
-        </a:xfrm>
-      </p:grpSpPr>
-      <p:sp>
-        <p:nvSpPr>
-          <p:cNvPr id="2" name="Slide Image Placeholder 1"/>
-          <p:cNvSpPr>
-            <a:spLocks noGrp="1" noRot="1" noChangeAspect="1"/>
-          </p:cNvSpPr>
-          <p:nvPr>
-            <p:ph type="sldImg"/>
-          </p:nvPr>
-        </p:nvSpPr>
-        <p:spPr/>
-      </p:sp>
-      <p:sp>
-        <p:nvSpPr>
-          <p:cNvPr id="3" name="Notes Placeholder 2"/>
-          <p:cNvSpPr>
-            <a:spLocks noGrp="1"/>
-          </p:cNvSpPr>
-          <p:nvPr>
-            <p:ph type="body" idx="1"/>
-          </p:nvPr>
-        </p:nvSpPr>
-        <p:spPr/>
-        <p:txBody>
-          <a:bodyPr/>
-          <a:lstStyle/>
-          <a:p>
-            <a:pPr lvl="0" marL="0" indent="0">
-              <a:buNone/>
-            </a:pPr>
-            <a:r>
-              <a:rPr/>
-              <a:t>I</a:t>
-            </a:r>
-            <a:r>
-              <a:rPr/>
-              <a:t> </a:t>
-            </a:r>
-            <a:r>
-              <a:rPr/>
-              <a:t>am</a:t>
-            </a:r>
-            <a:r>
-              <a:rPr/>
-              <a:t> </a:t>
-            </a:r>
-            <a:r>
-              <a:rPr/>
-              <a:t>thinking</a:t>
-            </a:r>
-            <a:r>
-              <a:rPr/>
-              <a:t> </a:t>
-            </a:r>
-            <a:r>
-              <a:rPr/>
-              <a:t>that</a:t>
-            </a:r>
-            <a:r>
-              <a:rPr/>
-              <a:t> </a:t>
-            </a:r>
-            <a:r>
-              <a:rPr/>
-              <a:t>this</a:t>
-            </a:r>
-            <a:r>
-              <a:rPr/>
-              <a:t> </a:t>
-            </a:r>
-            <a:r>
-              <a:rPr/>
-              <a:t>will</a:t>
-            </a:r>
-            <a:r>
-              <a:rPr/>
-              <a:t> </a:t>
-            </a:r>
-            <a:r>
-              <a:rPr/>
-              <a:t>be</a:t>
-            </a:r>
-            <a:r>
-              <a:rPr/>
-              <a:t> </a:t>
-            </a:r>
-            <a:r>
-              <a:rPr/>
-              <a:t>in</a:t>
-            </a:r>
-            <a:r>
-              <a:rPr/>
-              <a:t> </a:t>
-            </a:r>
-            <a:r>
-              <a:rPr/>
-              <a:t>javascript</a:t>
-            </a:r>
-            <a:r>
-              <a:rPr/>
-              <a:t> </a:t>
-            </a:r>
-            <a:r>
-              <a:rPr/>
-              <a:t>format</a:t>
-            </a:r>
-          </a:p>
-        </p:txBody>
-      </p:sp>
-      <p:sp>
-        <p:nvSpPr>
-          <p:cNvPr id="4" name="Slide Number Placeholder 3"/>
-          <p:cNvSpPr>
-            <a:spLocks noGrp="1"/>
-          </p:cNvSpPr>
-          <p:nvPr>
-            <p:ph type="sldNum" sz="quarter" idx="10"/>
-          </p:nvPr>
-        </p:nvSpPr>
-        <p:spPr/>
-        <p:txBody>
-          <a:bodyPr/>
-          <a:lstStyle/>
-          <a:p>
-            <a:fld id="{18BDFEC3-8487-43E8-A154-7C12CBC1FFF2}" type="slidenum">
-              <a:rPr lang="en-US"/>
-              <a:t>6</a:t>
-            </a:fld>
-            <a:endParaRPr lang="en-US"/>
-          </a:p>
-        </p:txBody>
-      </p:sp>
-    </p:spTree>
-  </p:cSld>
-</p:notes>
 </file>
 
 <file path=ppt/slideLayouts/slideLayout1.xml><?xml version="1.0" encoding="utf-8"?>
@@ -3847,7 +3137,7 @@
             </a:pPr>
             <a:r>
               <a:rPr/>
-              <a:t>Title</a:t>
+              <a:t>Monolith</a:t>
             </a:r>
             <a:r>
               <a:rPr/>
@@ -3855,23 +3145,7 @@
             </a:r>
             <a:r>
               <a:rPr/>
-              <a:t>slide</a:t>
-            </a:r>
-            <a:r>
-              <a:rPr/>
-              <a:t> </a:t>
-            </a:r>
-            <a:r>
-              <a:rPr/>
-              <a:t>(Slide</a:t>
-            </a:r>
-            <a:r>
-              <a:rPr/>
-              <a:t> </a:t>
-            </a:r>
-            <a:r>
-              <a:rPr/>
-              <a:t>1)</a:t>
+              <a:t>(analysis)</a:t>
             </a:r>
           </a:p>
         </p:txBody>
@@ -3936,12 +3210,7 @@
             <p:ph type="title"/>
           </p:nvPr>
         </p:nvSpPr>
-        <p:spPr>
-          <a:xfrm>
-            <a:off x="722313" y="4406900"/>
-            <a:ext cx="7772400" cy="1362075"/>
-          </a:xfrm>
-        </p:spPr>
+        <p:spPr/>
         <p:txBody>
           <a:bodyPr/>
           <a:lstStyle/>
@@ -3951,596 +3220,44 @@
             </a:pPr>
             <a:r>
               <a:rPr/>
-              <a:t>Section</a:t>
-            </a:r>
+              <a:t>Agenda</a:t>
+            </a:r>
+          </a:p>
+        </p:txBody>
+      </p:sp>
+      <p:sp>
+        <p:nvSpPr>
+          <p:cNvPr id="3" name="Content Placeholder 2"/>
+          <p:cNvSpPr>
+            <a:spLocks noGrp="1"/>
+          </p:cNvSpPr>
+          <p:nvPr>
+            <p:ph idx="1"/>
+          </p:nvPr>
+        </p:nvSpPr>
+        <p:spPr/>
+        <p:txBody>
+          <a:bodyPr/>
+          <a:lstStyle/>
+          <a:p>
+            <a:pPr lvl="1"/>
             <a:r>
               <a:rPr/>
-              <a:t> </a:t>
-            </a:r>
+              <a:t>Introduce the Challenge/Activity</a:t>
+            </a:r>
+          </a:p>
+          <a:p>
+            <a:pPr lvl="1"/>
             <a:r>
               <a:rPr/>
-              <a:t>header</a:t>
-            </a:r>
+              <a:t>Theory to support learning outcomes and the Activity</a:t>
+            </a:r>
+          </a:p>
+          <a:p>
+            <a:pPr lvl="1"/>
             <a:r>
               <a:rPr/>
-              <a:t> </a:t>
-            </a:r>
-            <a:r>
-              <a:rPr/>
-              <a:t>(Slide</a:t>
-            </a:r>
-            <a:r>
-              <a:rPr/>
-              <a:t> </a:t>
-            </a:r>
-            <a:r>
-              <a:rPr/>
-              <a:t>2)</a:t>
-            </a:r>
-          </a:p>
-        </p:txBody>
-      </p:sp>
-    </p:spTree>
-  </p:cSld>
-</p:sld>
-</file>
-
-<file path=ppt/slides/slide3.xml><?xml version="1.0" encoding="utf-8"?>
-<p:sld xmlns:a="http://schemas.openxmlformats.org/drawingml/2006/main" xmlns:r="http://schemas.openxmlformats.org/officeDocument/2006/relationships" xmlns:p="http://schemas.openxmlformats.org/presentationml/2006/main">
-  <p:cSld>
-    <p:spTree>
-      <p:nvGrpSpPr>
-        <p:cNvPr id="1" name=""/>
-        <p:cNvGrpSpPr/>
-        <p:nvPr/>
-      </p:nvGrpSpPr>
-      <p:grpSpPr>
-        <a:xfrm>
-          <a:off x="0" y="0"/>
-          <a:ext cx="0" cy="0"/>
-          <a:chOff x="0" y="0"/>
-          <a:chExt cx="0" cy="0"/>
-        </a:xfrm>
-      </p:grpSpPr>
-      <p:sp>
-        <p:nvSpPr>
-          <p:cNvPr id="2" name="Title 1"/>
-          <p:cNvSpPr>
-            <a:spLocks noGrp="1"/>
-          </p:cNvSpPr>
-          <p:nvPr>
-            <p:ph type="title"/>
-          </p:nvPr>
-        </p:nvSpPr>
-        <p:spPr>
-          <a:xfrm>
-            <a:off x="722313" y="4406900"/>
-            <a:ext cx="7772400" cy="1362075"/>
-          </a:xfrm>
-        </p:spPr>
-        <p:txBody>
-          <a:bodyPr/>
-          <a:lstStyle/>
-          <a:p>
-            <a:pPr lvl="0" marL="0" indent="0">
-              <a:buNone/>
-            </a:pPr>
-            <a:r>
-              <a:rPr/>
-              <a:t>Section</a:t>
-            </a:r>
-            <a:r>
-              <a:rPr/>
-              <a:t> </a:t>
-            </a:r>
-            <a:r>
-              <a:rPr/>
-              <a:t>header</a:t>
-            </a:r>
-            <a:r>
-              <a:rPr/>
-              <a:t> </a:t>
-            </a:r>
-            <a:r>
-              <a:rPr/>
-              <a:t>(Slide</a:t>
-            </a:r>
-            <a:r>
-              <a:rPr/>
-              <a:t> </a:t>
-            </a:r>
-            <a:r>
-              <a:rPr/>
-              <a:t>3)</a:t>
-            </a:r>
-          </a:p>
-        </p:txBody>
-      </p:sp>
-    </p:spTree>
-  </p:cSld>
-</p:sld>
-</file>
-
-<file path=ppt/slides/slide4.xml><?xml version="1.0" encoding="utf-8"?>
-<p:sld xmlns:a="http://schemas.openxmlformats.org/drawingml/2006/main" xmlns:r="http://schemas.openxmlformats.org/officeDocument/2006/relationships" xmlns:p="http://schemas.openxmlformats.org/presentationml/2006/main">
-  <p:cSld>
-    <p:spTree>
-      <p:nvGrpSpPr>
-        <p:cNvPr id="1" name=""/>
-        <p:cNvGrpSpPr/>
-        <p:nvPr/>
-      </p:nvGrpSpPr>
-      <p:grpSpPr>
-        <a:xfrm>
-          <a:off x="0" y="0"/>
-          <a:ext cx="0" cy="0"/>
-          <a:chOff x="0" y="0"/>
-          <a:chExt cx="0" cy="0"/>
-        </a:xfrm>
-      </p:grpSpPr>
-      <p:sp>
-        <p:nvSpPr>
-          <p:cNvPr id="2" name="Title 1"/>
-          <p:cNvSpPr>
-            <a:spLocks noGrp="1"/>
-          </p:cNvSpPr>
-          <p:nvPr>
-            <p:ph type="title"/>
-          </p:nvPr>
-        </p:nvSpPr>
-        <p:spPr/>
-        <p:txBody>
-          <a:bodyPr/>
-          <a:lstStyle/>
-          <a:p>
-            <a:pPr lvl="0" marL="0" indent="0">
-              <a:buNone/>
-            </a:pPr>
-            <a:r>
-              <a:rPr/>
-              <a:t>Slide</a:t>
-            </a:r>
-            <a:r>
-              <a:rPr/>
-              <a:t> </a:t>
-            </a:r>
-            <a:r>
-              <a:rPr/>
-              <a:t>Title</a:t>
-            </a:r>
-            <a:r>
-              <a:rPr/>
-              <a:t> </a:t>
-            </a:r>
-            <a:r>
-              <a:rPr/>
-              <a:t>(Slide</a:t>
-            </a:r>
-            <a:r>
-              <a:rPr/>
-              <a:t> </a:t>
-            </a:r>
-            <a:r>
-              <a:rPr/>
-              <a:t>4)</a:t>
-            </a:r>
-          </a:p>
-        </p:txBody>
-      </p:sp>
-      <p:sp>
-        <p:nvSpPr>
-          <p:cNvPr id="3" name="Content Placeholder 2"/>
-          <p:cNvSpPr>
-            <a:spLocks noGrp="1"/>
-          </p:cNvSpPr>
-          <p:nvPr>
-            <p:ph idx="1"/>
-          </p:nvPr>
-        </p:nvSpPr>
-        <p:spPr/>
-        <p:txBody>
-          <a:bodyPr/>
-          <a:lstStyle/>
-          <a:p>
-            <a:pPr lvl="0" marL="0" indent="0">
-              <a:buNone/>
-            </a:pPr>
-            <a:r>
-              <a:rPr/>
-              <a:t>Slide Content (by default this content sets the slide level to three)</a:t>
-            </a:r>
-          </a:p>
-          <a:p>
-            <a:pPr lvl="0" marL="0" indent="0">
-              <a:spcBef>
-                <a:spcPts val="3000"/>
-              </a:spcBef>
-              <a:buNone/>
-            </a:pPr>
-            <a:r>
-              <a:rPr b="1"/>
-              <a:t>Slide content header (Slide 4)</a:t>
-            </a:r>
-          </a:p>
-          <a:p>
-            <a:pPr lvl="0" marL="0" indent="0">
-              <a:spcBef>
-                <a:spcPts val="3000"/>
-              </a:spcBef>
-              <a:buNone/>
-            </a:pPr>
-            <a:r>
-              <a:rPr b="1"/>
-              <a:t>Slide content header (Slide 4)</a:t>
-            </a:r>
-          </a:p>
-        </p:txBody>
-      </p:sp>
-    </p:spTree>
-  </p:cSld>
-</p:sld>
-</file>
-
-<file path=ppt/slides/slide5.xml><?xml version="1.0" encoding="utf-8"?>
-<p:sld xmlns:a="http://schemas.openxmlformats.org/drawingml/2006/main" xmlns:r="http://schemas.openxmlformats.org/officeDocument/2006/relationships" xmlns:p="http://schemas.openxmlformats.org/presentationml/2006/main">
-  <p:cSld>
-    <p:spTree>
-      <p:nvGrpSpPr>
-        <p:cNvPr id="1" name=""/>
-        <p:cNvGrpSpPr/>
-        <p:nvPr/>
-      </p:nvGrpSpPr>
-      <p:grpSpPr>
-        <a:xfrm>
-          <a:off x="0" y="0"/>
-          <a:ext cx="0" cy="0"/>
-          <a:chOff x="0" y="0"/>
-          <a:chExt cx="0" cy="0"/>
-        </a:xfrm>
-      </p:grpSpPr>
-      <p:sp>
-        <p:nvSpPr>
-          <p:cNvPr id="2" name="Title 1"/>
-          <p:cNvSpPr>
-            <a:spLocks noGrp="1"/>
-          </p:cNvSpPr>
-          <p:nvPr>
-            <p:ph type="title"/>
-          </p:nvPr>
-        </p:nvSpPr>
-        <p:spPr/>
-        <p:txBody>
-          <a:bodyPr/>
-          <a:lstStyle/>
-          <a:p>
-            <a:pPr lvl="0" marL="0" indent="0">
-              <a:buNone/>
-            </a:pPr>
-            <a:r>
-              <a:rPr/>
-              <a:t>Slide</a:t>
-            </a:r>
-            <a:r>
-              <a:rPr/>
-              <a:t> </a:t>
-            </a:r>
-            <a:r>
-              <a:rPr/>
-              <a:t>Title</a:t>
-            </a:r>
-            <a:r>
-              <a:rPr/>
-              <a:t> </a:t>
-            </a:r>
-            <a:r>
-              <a:rPr/>
-              <a:t>(Slide</a:t>
-            </a:r>
-            <a:r>
-              <a:rPr/>
-              <a:t> </a:t>
-            </a:r>
-            <a:r>
-              <a:rPr/>
-              <a:t>5)</a:t>
-            </a:r>
-          </a:p>
-        </p:txBody>
-      </p:sp>
-      <p:sp>
-        <p:nvSpPr>
-          <p:cNvPr id="3" name="Content Placeholder 2"/>
-          <p:cNvSpPr>
-            <a:spLocks noGrp="1"/>
-          </p:cNvSpPr>
-          <p:nvPr>
-            <p:ph idx="1"/>
-          </p:nvPr>
-        </p:nvSpPr>
-        <p:spPr/>
-        <p:txBody>
-          <a:bodyPr/>
-          <a:lstStyle/>
-          <a:p>
-            <a:pPr lvl="1"/>
-            <a:r>
-              <a:rPr/>
-              <a:t>list item 1</a:t>
-            </a:r>
-          </a:p>
-          <a:p>
-            <a:pPr lvl="1"/>
-            <a:r>
-              <a:rPr/>
-              <a:t>list item 2</a:t>
-            </a:r>
-          </a:p>
-          <a:p>
-            <a:pPr lvl="0" marL="0" indent="0">
-              <a:spcBef>
-                <a:spcPts val="3000"/>
-              </a:spcBef>
-              <a:buNone/>
-            </a:pPr>
-            <a:r>
-              <a:rPr b="1"/>
-              <a:t>List 2</a:t>
-            </a:r>
-          </a:p>
-          <a:p>
-            <a:pPr lvl="1"/>
-            <a:r>
-              <a:rPr/>
-              <a:t>list item 1</a:t>
-            </a:r>
-          </a:p>
-          <a:p>
-            <a:pPr lvl="1"/>
-            <a:r>
-              <a:rPr/>
-              <a:t>list item 2</a:t>
-            </a:r>
-          </a:p>
-        </p:txBody>
-      </p:sp>
-    </p:spTree>
-  </p:cSld>
-</p:sld>
-</file>
-
-<file path=ppt/slides/slide6.xml><?xml version="1.0" encoding="utf-8"?>
-<p:sld xmlns:a="http://schemas.openxmlformats.org/drawingml/2006/main" xmlns:r="http://schemas.openxmlformats.org/officeDocument/2006/relationships" xmlns:p="http://schemas.openxmlformats.org/presentationml/2006/main">
-  <p:cSld>
-    <p:spTree>
-      <p:nvGrpSpPr>
-        <p:cNvPr id="1" name=""/>
-        <p:cNvGrpSpPr/>
-        <p:nvPr/>
-      </p:nvGrpSpPr>
-      <p:grpSpPr>
-        <a:xfrm>
-          <a:off x="0" y="0"/>
-          <a:ext cx="0" cy="0"/>
-          <a:chOff x="0" y="0"/>
-          <a:chExt cx="0" cy="0"/>
-        </a:xfrm>
-      </p:grpSpPr>
-      <p:sp>
-        <p:nvSpPr>
-          <p:cNvPr id="2" name="Title 1"/>
-          <p:cNvSpPr>
-            <a:spLocks noGrp="1"/>
-          </p:cNvSpPr>
-          <p:nvPr>
-            <p:ph type="title"/>
-          </p:nvPr>
-        </p:nvSpPr>
-        <p:spPr/>
-        <p:txBody>
-          <a:bodyPr/>
-          <a:lstStyle/>
-          <a:p>
-            <a:pPr lvl="0" marL="0" indent="0">
-              <a:buNone/>
-            </a:pPr>
-            <a:r>
-              <a:rPr/>
-              <a:t>Code</a:t>
-            </a:r>
-            <a:r>
-              <a:rPr/>
-              <a:t> </a:t>
-            </a:r>
-            <a:r>
-              <a:rPr/>
-              <a:t>here</a:t>
-            </a:r>
-          </a:p>
-        </p:txBody>
-      </p:sp>
-      <p:sp>
-        <p:nvSpPr>
-          <p:cNvPr id="3" name="Content Placeholder 2"/>
-          <p:cNvSpPr>
-            <a:spLocks noGrp="1"/>
-          </p:cNvSpPr>
-          <p:nvPr>
-            <p:ph idx="1"/>
-          </p:nvPr>
-        </p:nvSpPr>
-        <p:spPr/>
-        <p:txBody>
-          <a:bodyPr/>
-          <a:lstStyle/>
-          <a:p>
-            <a:pPr lvl="0" indent="0">
-              <a:buNone/>
-            </a:pPr>
-            <a:br/>
-            <a:r>
-              <a:rPr i="1">
-                <a:solidFill>
-                  <a:srgbClr val="60A0B0"/>
-                </a:solidFill>
-                <a:latin typeface="Courier"/>
-              </a:rPr>
-              <a:t>// This is javascript code</a:t>
-            </a:r>
-            <a:br/>
-            <a:br/>
-            <a:r>
-              <a:rPr>
-                <a:latin typeface="Courier"/>
-              </a:rPr>
-              <a:t>console</a:t>
-            </a:r>
-            <a:r>
-              <a:rPr>
-                <a:solidFill>
-                  <a:srgbClr val="666666"/>
-                </a:solidFill>
-                <a:latin typeface="Courier"/>
-              </a:rPr>
-              <a:t>.</a:t>
-            </a:r>
-            <a:r>
-              <a:rPr>
-                <a:solidFill>
-                  <a:srgbClr val="06287E"/>
-                </a:solidFill>
-                <a:latin typeface="Courier"/>
-              </a:rPr>
-              <a:t>log</a:t>
-            </a:r>
-            <a:r>
-              <a:rPr>
-                <a:latin typeface="Courier"/>
-              </a:rPr>
-              <a:t>(</a:t>
-            </a:r>
-            <a:r>
-              <a:rPr>
-                <a:solidFill>
-                  <a:srgbClr val="4070A0"/>
-                </a:solidFill>
-                <a:latin typeface="Courier"/>
-              </a:rPr>
-              <a:t>`${</a:t>
-            </a:r>
-            <a:r>
-              <a:rPr>
-                <a:latin typeface="Courier"/>
-              </a:rPr>
-              <a:t>name</a:t>
-            </a:r>
-            <a:r>
-              <a:rPr>
-                <a:solidFill>
-                  <a:srgbClr val="4070A0"/>
-                </a:solidFill>
-                <a:latin typeface="Courier"/>
-              </a:rPr>
-              <a:t>} was here`</a:t>
-            </a:r>
-            <a:r>
-              <a:rPr>
-                <a:latin typeface="Courier"/>
-              </a:rPr>
-              <a:t>)</a:t>
-            </a:r>
-            <a:r>
-              <a:rPr>
-                <a:solidFill>
-                  <a:srgbClr val="666666"/>
-                </a:solidFill>
-                <a:latin typeface="Courier"/>
-              </a:rPr>
-              <a:t>;</a:t>
-            </a:r>
-          </a:p>
-        </p:txBody>
-      </p:sp>
-    </p:spTree>
-  </p:cSld>
-</p:sld>
-</file>
-
-<file path=ppt/slides/slide7.xml><?xml version="1.0" encoding="utf-8"?>
-<p:sld xmlns:a="http://schemas.openxmlformats.org/drawingml/2006/main" xmlns:r="http://schemas.openxmlformats.org/officeDocument/2006/relationships" xmlns:p="http://schemas.openxmlformats.org/presentationml/2006/main">
-  <p:cSld>
-    <p:spTree>
-      <p:nvGrpSpPr>
-        <p:cNvPr id="1" name=""/>
-        <p:cNvGrpSpPr/>
-        <p:nvPr/>
-      </p:nvGrpSpPr>
-      <p:grpSpPr>
-        <a:xfrm>
-          <a:off x="0" y="0"/>
-          <a:ext cx="0" cy="0"/>
-          <a:chOff x="0" y="0"/>
-          <a:chExt cx="0" cy="0"/>
-        </a:xfrm>
-      </p:grpSpPr>
-      <p:sp>
-        <p:nvSpPr>
-          <p:cNvPr id="2" name="Title 1"/>
-          <p:cNvSpPr>
-            <a:spLocks noGrp="1"/>
-          </p:cNvSpPr>
-          <p:nvPr>
-            <p:ph type="title"/>
-          </p:nvPr>
-        </p:nvSpPr>
-        <p:spPr/>
-        <p:txBody>
-          <a:bodyPr/>
-          <a:lstStyle/>
-          <a:p>
-            <a:pPr lvl="0" marL="0" indent="0">
-              <a:buNone/>
-            </a:pPr>
-            <a:r>
-              <a:rPr/>
-              <a:t>Another</a:t>
-            </a:r>
-            <a:r>
-              <a:rPr/>
-              <a:t> </a:t>
-            </a:r>
-            <a:r>
-              <a:rPr/>
-              <a:t>Slide</a:t>
-            </a:r>
-          </a:p>
-        </p:txBody>
-      </p:sp>
-      <p:sp>
-        <p:nvSpPr>
-          <p:cNvPr id="3" name="Content Placeholder 2"/>
-          <p:cNvSpPr>
-            <a:spLocks noGrp="1"/>
-          </p:cNvSpPr>
-          <p:nvPr>
-            <p:ph idx="1"/>
-          </p:nvPr>
-        </p:nvSpPr>
-        <p:spPr/>
-        <p:txBody>
-          <a:bodyPr/>
-          <a:lstStyle/>
-          <a:p>
-            <a:pPr lvl="1"/>
-            <a:r>
-              <a:rPr/>
-              <a:t>I don’t think this should work???</a:t>
-            </a:r>
-          </a:p>
-          <a:p>
-            <a:pPr lvl="1"/>
-            <a:r>
-              <a:rPr/>
-              <a:t>lets see</a:t>
+              <a:t>Initial demo of activity</a:t>
             </a:r>
           </a:p>
         </p:txBody>
@@ -4868,265 +3585,4 @@
   </a:objectDefaults>
   <a:extraClrSchemeLst/>
 </a:theme>
-</file>
-
-<file path=ppt/theme/theme2.xml><?xml version="1.0" encoding="utf-8"?>
-<a:theme xmlns:a="http://schemas.openxmlformats.org/drawingml/2006/main" name="Office Theme">
-  <a:themeElements>
-    <a:clrScheme name="Office">
-      <a:dk1>
-        <a:sysClr val="windowText" lastClr="000000"/>
-      </a:dk1>
-      <a:lt1>
-        <a:sysClr val="window" lastClr="FFFFFF"/>
-      </a:lt1>
-      <a:dk2>
-        <a:srgbClr val="44546A"/>
-      </a:dk2>
-      <a:lt2>
-        <a:srgbClr val="E7E6E6"/>
-      </a:lt2>
-      <a:accent1>
-        <a:srgbClr val="5B9BD5"/>
-      </a:accent1>
-      <a:accent2>
-        <a:srgbClr val="ED7D31"/>
-      </a:accent2>
-      <a:accent3>
-        <a:srgbClr val="A5A5A5"/>
-      </a:accent3>
-      <a:accent4>
-        <a:srgbClr val="FFC000"/>
-      </a:accent4>
-      <a:accent5>
-        <a:srgbClr val="4472C4"/>
-      </a:accent5>
-      <a:accent6>
-        <a:srgbClr val="70AD47"/>
-      </a:accent6>
-      <a:hlink>
-        <a:srgbClr val="0563C1"/>
-      </a:hlink>
-      <a:folHlink>
-        <a:srgbClr val="954F72"/>
-      </a:folHlink>
-    </a:clrScheme>
-    <a:fontScheme name="Office">
-      <a:majorFont>
-        <a:latin typeface="Calibri Light" panose="020F0302020204030204"/>
-        <a:ea typeface=""/>
-        <a:cs typeface=""/>
-        <a:font script="Jpan" typeface="ＭＳ Ｐゴシック"/>
-        <a:font script="Hang" typeface="맑은 고딕"/>
-        <a:font script="Hans" typeface="宋体"/>
-        <a:font script="Hant" typeface="新細明體"/>
-        <a:font script="Arab" typeface="Times New Roman"/>
-        <a:font script="Hebr" typeface="Times New Roman"/>
-        <a:font script="Thai" typeface="Angsana New"/>
-        <a:font script="Ethi" typeface="Nyala"/>
-        <a:font script="Beng" typeface="Vrinda"/>
-        <a:font script="Gujr" typeface="Shruti"/>
-        <a:font script="Khmr" typeface="MoolBoran"/>
-        <a:font script="Knda" typeface="Tunga"/>
-        <a:font script="Guru" typeface="Raavi"/>
-        <a:font script="Cans" typeface="Euphemia"/>
-        <a:font script="Cher" typeface="Plantagenet Cherokee"/>
-        <a:font script="Yiii" typeface="Microsoft Yi Baiti"/>
-        <a:font script="Tibt" typeface="Microsoft Himalaya"/>
-        <a:font script="Thaa" typeface="MV Boli"/>
-        <a:font script="Deva" typeface="Mangal"/>
-        <a:font script="Telu" typeface="Gautami"/>
-        <a:font script="Taml" typeface="Latha"/>
-        <a:font script="Syrc" typeface="Estrangelo Edessa"/>
-        <a:font script="Orya" typeface="Kalinga"/>
-        <a:font script="Mlym" typeface="Kartika"/>
-        <a:font script="Laoo" typeface="DokChampa"/>
-        <a:font script="Sinh" typeface="Iskoola Pota"/>
-        <a:font script="Mong" typeface="Mongolian Baiti"/>
-        <a:font script="Viet" typeface="Times New Roman"/>
-        <a:font script="Uigh" typeface="Microsoft Uighur"/>
-        <a:font script="Geor" typeface="Sylfaen"/>
-      </a:majorFont>
-      <a:minorFont>
-        <a:latin typeface="Calibri" panose="020F0502020204030204"/>
-        <a:ea typeface=""/>
-        <a:cs typeface=""/>
-        <a:font script="Jpan" typeface="ＭＳ Ｐゴシック"/>
-        <a:font script="Hang" typeface="맑은 고딕"/>
-        <a:font script="Hans" typeface="宋体"/>
-        <a:font script="Hant" typeface="新細明體"/>
-        <a:font script="Arab" typeface="Arial"/>
-        <a:font script="Hebr" typeface="Arial"/>
-        <a:font script="Thai" typeface="Cordia New"/>
-        <a:font script="Ethi" typeface="Nyala"/>
-        <a:font script="Beng" typeface="Vrinda"/>
-        <a:font script="Gujr" typeface="Shruti"/>
-        <a:font script="Khmr" typeface="DaunPenh"/>
-        <a:font script="Knda" typeface="Tunga"/>
-        <a:font script="Guru" typeface="Raavi"/>
-        <a:font script="Cans" typeface="Euphemia"/>
-        <a:font script="Cher" typeface="Plantagenet Cherokee"/>
-        <a:font script="Yiii" typeface="Microsoft Yi Baiti"/>
-        <a:font script="Tibt" typeface="Microsoft Himalaya"/>
-        <a:font script="Thaa" typeface="MV Boli"/>
-        <a:font script="Deva" typeface="Mangal"/>
-        <a:font script="Telu" typeface="Gautami"/>
-        <a:font script="Taml" typeface="Latha"/>
-        <a:font script="Syrc" typeface="Estrangelo Edessa"/>
-        <a:font script="Orya" typeface="Kalinga"/>
-        <a:font script="Mlym" typeface="Kartika"/>
-        <a:font script="Laoo" typeface="DokChampa"/>
-        <a:font script="Sinh" typeface="Iskoola Pota"/>
-        <a:font script="Mong" typeface="Mongolian Baiti"/>
-        <a:font script="Viet" typeface="Arial"/>
-        <a:font script="Uigh" typeface="Microsoft Uighur"/>
-        <a:font script="Geor" typeface="Sylfaen"/>
-      </a:minorFont>
-    </a:fontScheme>
-    <a:fmtScheme name="Office">
-      <a:fillStyleLst>
-        <a:solidFill>
-          <a:schemeClr val="phClr"/>
-        </a:solidFill>
-        <a:gradFill rotWithShape="1">
-          <a:gsLst>
-            <a:gs pos="0">
-              <a:schemeClr val="phClr">
-                <a:lumMod val="110000"/>
-                <a:satMod val="105000"/>
-                <a:tint val="67000"/>
-              </a:schemeClr>
-            </a:gs>
-            <a:gs pos="50000">
-              <a:schemeClr val="phClr">
-                <a:lumMod val="105000"/>
-                <a:satMod val="103000"/>
-                <a:tint val="73000"/>
-              </a:schemeClr>
-            </a:gs>
-            <a:gs pos="100000">
-              <a:schemeClr val="phClr">
-                <a:lumMod val="105000"/>
-                <a:satMod val="109000"/>
-                <a:tint val="81000"/>
-              </a:schemeClr>
-            </a:gs>
-          </a:gsLst>
-          <a:lin ang="5400000" scaled="0"/>
-        </a:gradFill>
-        <a:gradFill rotWithShape="1">
-          <a:gsLst>
-            <a:gs pos="0">
-              <a:schemeClr val="phClr">
-                <a:satMod val="103000"/>
-                <a:lumMod val="102000"/>
-                <a:tint val="94000"/>
-              </a:schemeClr>
-            </a:gs>
-            <a:gs pos="50000">
-              <a:schemeClr val="phClr">
-                <a:satMod val="110000"/>
-                <a:lumMod val="100000"/>
-                <a:shade val="100000"/>
-              </a:schemeClr>
-            </a:gs>
-            <a:gs pos="100000">
-              <a:schemeClr val="phClr">
-                <a:lumMod val="99000"/>
-                <a:satMod val="120000"/>
-                <a:shade val="78000"/>
-              </a:schemeClr>
-            </a:gs>
-          </a:gsLst>
-          <a:lin ang="5400000" scaled="0"/>
-        </a:gradFill>
-      </a:fillStyleLst>
-      <a:lnStyleLst>
-        <a:ln w="6350" cap="flat" cmpd="sng" algn="ctr">
-          <a:solidFill>
-            <a:schemeClr val="phClr"/>
-          </a:solidFill>
-          <a:prstDash val="solid"/>
-          <a:miter lim="800000"/>
-        </a:ln>
-        <a:ln w="12700" cap="flat" cmpd="sng" algn="ctr">
-          <a:solidFill>
-            <a:schemeClr val="phClr"/>
-          </a:solidFill>
-          <a:prstDash val="solid"/>
-          <a:miter lim="800000"/>
-        </a:ln>
-        <a:ln w="19050" cap="flat" cmpd="sng" algn="ctr">
-          <a:solidFill>
-            <a:schemeClr val="phClr"/>
-          </a:solidFill>
-          <a:prstDash val="solid"/>
-          <a:miter lim="800000"/>
-        </a:ln>
-      </a:lnStyleLst>
-      <a:effectStyleLst>
-        <a:effectStyle>
-          <a:effectLst/>
-        </a:effectStyle>
-        <a:effectStyle>
-          <a:effectLst/>
-        </a:effectStyle>
-        <a:effectStyle>
-          <a:effectLst>
-            <a:outerShdw blurRad="57150" dist="19050" dir="5400000" algn="ctr" rotWithShape="0">
-              <a:srgbClr val="000000">
-                <a:alpha val="63000"/>
-              </a:srgbClr>
-            </a:outerShdw>
-          </a:effectLst>
-        </a:effectStyle>
-      </a:effectStyleLst>
-      <a:bgFillStyleLst>
-        <a:solidFill>
-          <a:schemeClr val="phClr"/>
-        </a:solidFill>
-        <a:solidFill>
-          <a:schemeClr val="phClr">
-            <a:tint val="95000"/>
-            <a:satMod val="170000"/>
-          </a:schemeClr>
-        </a:solidFill>
-        <a:gradFill rotWithShape="1">
-          <a:gsLst>
-            <a:gs pos="0">
-              <a:schemeClr val="phClr">
-                <a:tint val="93000"/>
-                <a:satMod val="150000"/>
-                <a:shade val="98000"/>
-                <a:lumMod val="102000"/>
-              </a:schemeClr>
-            </a:gs>
-            <a:gs pos="50000">
-              <a:schemeClr val="phClr">
-                <a:tint val="98000"/>
-                <a:satMod val="130000"/>
-                <a:shade val="90000"/>
-                <a:lumMod val="103000"/>
-              </a:schemeClr>
-            </a:gs>
-            <a:gs pos="100000">
-              <a:schemeClr val="phClr">
-                <a:shade val="63000"/>
-                <a:satMod val="120000"/>
-              </a:schemeClr>
-            </a:gs>
-          </a:gsLst>
-          <a:lin ang="5400000" scaled="0"/>
-        </a:gradFill>
-      </a:bgFillStyleLst>
-    </a:fmtScheme>
-  </a:themeElements>
-  <a:objectDefaults/>
-  <a:extraClrSchemeLst/>
-  <a:extLst>
-    <a:ext uri="{05A4C25C-085E-4340-85A3-A5531E510DB2}">
-      <thm15:themeFamily xmlns:thm15="http://schemas.microsoft.com/office/thememl/2012/main" name="Office Theme" id="{62F939B6-93AF-4DB8-9C6B-D6C7DFDC589F}" vid="{4A3C46E8-61CC-4603-A589-7422A47A8E4A}"/>
-    </a:ext>
-  </a:extLst>
-</a:theme>
 </file>
--- a/monolith_analysis/slides.pptx
+++ b/monolith_analysis/slides.pptx
@@ -7,6 +7,9 @@
   <p:sldIdLst>
     <p:sldId id="256" r:id="rId2"/>
     <p:sldId id="257" r:id="rId3"/>
+    <p:sldId id="258" r:id="rId4"/>
+    <p:sldId id="259" r:id="rId5"/>
+    <p:sldId id="260" r:id="rId6"/>
   </p:sldIdLst>
   <p:sldSz cx="9144000" cy="6858000" type="screen4x3"/>
   <p:notesSz cx="6858000" cy="9144000"/>
@@ -3243,6 +3246,13 @@
             <a:pPr lvl="1"/>
             <a:r>
               <a:rPr/>
+              <a:t>Review database lab</a:t>
+            </a:r>
+          </a:p>
+          <a:p>
+            <a:pPr lvl="1"/>
+            <a:r>
+              <a:rPr/>
               <a:t>Introduce the Challenge/Activity</a:t>
             </a:r>
           </a:p>
@@ -3258,6 +3268,746 @@
             <a:r>
               <a:rPr/>
               <a:t>Initial demo of activity</a:t>
+            </a:r>
+          </a:p>
+          <a:p>
+            <a:pPr lvl="0" marL="0" indent="0">
+              <a:buNone/>
+            </a:pPr>
+            <a:r>
+              <a:rPr/>
+              <a:t>Chapter 3 and 5 in the book</a:t>
+            </a:r>
+          </a:p>
+        </p:txBody>
+      </p:sp>
+    </p:spTree>
+  </p:cSld>
+</p:sld>
+</file>
+
+<file path=ppt/slides/slide3.xml><?xml version="1.0" encoding="utf-8"?>
+<p:sld xmlns:a="http://schemas.openxmlformats.org/drawingml/2006/main" xmlns:r="http://schemas.openxmlformats.org/officeDocument/2006/relationships" xmlns:p="http://schemas.openxmlformats.org/presentationml/2006/main">
+  <p:cSld>
+    <p:spTree>
+      <p:nvGrpSpPr>
+        <p:cNvPr id="1" name=""/>
+        <p:cNvGrpSpPr/>
+        <p:nvPr/>
+      </p:nvGrpSpPr>
+      <p:grpSpPr>
+        <a:xfrm>
+          <a:off x="0" y="0"/>
+          <a:ext cx="0" cy="0"/>
+          <a:chOff x="0" y="0"/>
+          <a:chExt cx="0" cy="0"/>
+        </a:xfrm>
+      </p:grpSpPr>
+      <p:sp>
+        <p:nvSpPr>
+          <p:cNvPr id="2" name="Title 1"/>
+          <p:cNvSpPr>
+            <a:spLocks noGrp="1"/>
+          </p:cNvSpPr>
+          <p:nvPr>
+            <p:ph type="title"/>
+          </p:nvPr>
+        </p:nvSpPr>
+        <p:spPr/>
+        <p:txBody>
+          <a:bodyPr/>
+          <a:lstStyle/>
+          <a:p>
+            <a:pPr lvl="0" marL="0" indent="0">
+              <a:buNone/>
+            </a:pPr>
+            <a:r>
+              <a:rPr/>
+              <a:t>Otel</a:t>
+            </a:r>
+            <a:r>
+              <a:rPr/>
+              <a:t> </a:t>
+            </a:r>
+            <a:r>
+              <a:rPr/>
+              <a:t>Collector</a:t>
+            </a:r>
+            <a:r>
+              <a:rPr/>
+              <a:t> </a:t>
+            </a:r>
+            <a:r>
+              <a:rPr/>
+              <a:t>for</a:t>
+            </a:r>
+            <a:r>
+              <a:rPr/>
+              <a:t> </a:t>
+            </a:r>
+            <a:r>
+              <a:rPr/>
+              <a:t>Database</a:t>
+            </a:r>
+          </a:p>
+        </p:txBody>
+      </p:sp>
+      <p:sp>
+        <p:nvSpPr>
+          <p:cNvPr id="3" name="Content Placeholder 2"/>
+          <p:cNvSpPr>
+            <a:spLocks noGrp="1"/>
+          </p:cNvSpPr>
+          <p:nvPr>
+            <p:ph idx="1"/>
+          </p:nvPr>
+        </p:nvSpPr>
+        <p:spPr/>
+        <p:txBody>
+          <a:bodyPr/>
+          <a:lstStyle/>
+          <a:p>
+            <a:pPr lvl="0" indent="0">
+              <a:buNone/>
+            </a:pPr>
+            <a:r>
+              <a:rPr>
+                <a:solidFill>
+                  <a:srgbClr val="7D9029"/>
+                </a:solidFill>
+                <a:latin typeface="Courier"/>
+              </a:rPr>
+              <a:t>    </a:t>
+            </a:r>
+            <a:r>
+              <a:rPr>
+                <a:solidFill>
+                  <a:srgbClr val="06287E"/>
+                </a:solidFill>
+                <a:latin typeface="Courier"/>
+              </a:rPr>
+              <a:t>queries</a:t>
+            </a:r>
+            <a:r>
+              <a:rPr b="1">
+                <a:solidFill>
+                  <a:srgbClr val="007020"/>
+                </a:solidFill>
+                <a:latin typeface="Courier"/>
+              </a:rPr>
+              <a:t>:</a:t>
+            </a:r>
+            <a:br/>
+            <a:r>
+              <a:rPr>
+                <a:solidFill>
+                  <a:srgbClr val="7D9029"/>
+                </a:solidFill>
+                <a:latin typeface="Courier"/>
+              </a:rPr>
+              <a:t>      </a:t>
+            </a:r>
+            <a:r>
+              <a:rPr b="1">
+                <a:solidFill>
+                  <a:srgbClr val="007020"/>
+                </a:solidFill>
+                <a:latin typeface="Courier"/>
+              </a:rPr>
+              <a:t>-</a:t>
+            </a:r>
+            <a:r>
+              <a:rPr>
+                <a:solidFill>
+                  <a:srgbClr val="7D9029"/>
+                </a:solidFill>
+                <a:latin typeface="Courier"/>
+              </a:rPr>
+              <a:t> </a:t>
+            </a:r>
+            <a:r>
+              <a:rPr>
+                <a:solidFill>
+                  <a:srgbClr val="06287E"/>
+                </a:solidFill>
+                <a:latin typeface="Courier"/>
+              </a:rPr>
+              <a:t>sql</a:t>
+            </a:r>
+            <a:r>
+              <a:rPr b="1">
+                <a:solidFill>
+                  <a:srgbClr val="007020"/>
+                </a:solidFill>
+                <a:latin typeface="Courier"/>
+              </a:rPr>
+              <a:t>:</a:t>
+            </a:r>
+            <a:r>
+              <a:rPr>
+                <a:solidFill>
+                  <a:srgbClr val="7D9029"/>
+                </a:solidFill>
+                <a:latin typeface="Courier"/>
+              </a:rPr>
+              <a:t> </a:t>
+            </a:r>
+            <a:r>
+              <a:rPr>
+                <a:solidFill>
+                  <a:srgbClr val="4070A0"/>
+                </a:solidFill>
+                <a:latin typeface="Courier"/>
+              </a:rPr>
+              <a:t>"SELECT sum(xact_commit+xact_rollback) as count_test FROM pg_stat_database; "</a:t>
+            </a:r>
+            <a:br/>
+            <a:r>
+              <a:rPr>
+                <a:solidFill>
+                  <a:srgbClr val="7D9029"/>
+                </a:solidFill>
+                <a:latin typeface="Courier"/>
+              </a:rPr>
+              <a:t>        </a:t>
+            </a:r>
+            <a:r>
+              <a:rPr>
+                <a:solidFill>
+                  <a:srgbClr val="06287E"/>
+                </a:solidFill>
+                <a:latin typeface="Courier"/>
+              </a:rPr>
+              <a:t>metrics</a:t>
+            </a:r>
+            <a:r>
+              <a:rPr b="1">
+                <a:solidFill>
+                  <a:srgbClr val="007020"/>
+                </a:solidFill>
+                <a:latin typeface="Courier"/>
+              </a:rPr>
+              <a:t>:</a:t>
+            </a:r>
+            <a:br/>
+            <a:r>
+              <a:rPr>
+                <a:solidFill>
+                  <a:srgbClr val="7D9029"/>
+                </a:solidFill>
+                <a:latin typeface="Courier"/>
+              </a:rPr>
+              <a:t>          </a:t>
+            </a:r>
+            <a:r>
+              <a:rPr b="1">
+                <a:solidFill>
+                  <a:srgbClr val="007020"/>
+                </a:solidFill>
+                <a:latin typeface="Courier"/>
+              </a:rPr>
+              <a:t>-</a:t>
+            </a:r>
+            <a:r>
+              <a:rPr>
+                <a:solidFill>
+                  <a:srgbClr val="7D9029"/>
+                </a:solidFill>
+                <a:latin typeface="Courier"/>
+              </a:rPr>
+              <a:t> </a:t>
+            </a:r>
+            <a:r>
+              <a:rPr>
+                <a:solidFill>
+                  <a:srgbClr val="06287E"/>
+                </a:solidFill>
+                <a:latin typeface="Courier"/>
+              </a:rPr>
+              <a:t>metric_name</a:t>
+            </a:r>
+            <a:r>
+              <a:rPr b="1">
+                <a:solidFill>
+                  <a:srgbClr val="007020"/>
+                </a:solidFill>
+                <a:latin typeface="Courier"/>
+              </a:rPr>
+              <a:t>:</a:t>
+            </a:r>
+            <a:r>
+              <a:rPr>
+                <a:solidFill>
+                  <a:srgbClr val="7D9029"/>
+                </a:solidFill>
+                <a:latin typeface="Courier"/>
+              </a:rPr>
+              <a:t> query_requests</a:t>
+            </a:r>
+            <a:r>
+              <a:rPr i="1">
+                <a:solidFill>
+                  <a:srgbClr val="60A0B0"/>
+                </a:solidFill>
+                <a:latin typeface="Courier"/>
+              </a:rPr>
+              <a:t> # R from REDS</a:t>
+            </a:r>
+            <a:br/>
+            <a:r>
+              <a:rPr>
+                <a:solidFill>
+                  <a:srgbClr val="7D9029"/>
+                </a:solidFill>
+                <a:latin typeface="Courier"/>
+              </a:rPr>
+              <a:t>            </a:t>
+            </a:r>
+            <a:r>
+              <a:rPr>
+                <a:solidFill>
+                  <a:srgbClr val="06287E"/>
+                </a:solidFill>
+                <a:latin typeface="Courier"/>
+              </a:rPr>
+              <a:t>value_column</a:t>
+            </a:r>
+            <a:r>
+              <a:rPr b="1">
+                <a:solidFill>
+                  <a:srgbClr val="007020"/>
+                </a:solidFill>
+                <a:latin typeface="Courier"/>
+              </a:rPr>
+              <a:t>:</a:t>
+            </a:r>
+            <a:r>
+              <a:rPr>
+                <a:solidFill>
+                  <a:srgbClr val="7D9029"/>
+                </a:solidFill>
+                <a:latin typeface="Courier"/>
+              </a:rPr>
+              <a:t> count_test</a:t>
+            </a:r>
+            <a:br/>
+            <a:r>
+              <a:rPr>
+                <a:solidFill>
+                  <a:srgbClr val="7D9029"/>
+                </a:solidFill>
+                <a:latin typeface="Courier"/>
+              </a:rPr>
+              <a:t>      </a:t>
+            </a:r>
+            <a:r>
+              <a:rPr b="1">
+                <a:solidFill>
+                  <a:srgbClr val="007020"/>
+                </a:solidFill>
+                <a:latin typeface="Courier"/>
+              </a:rPr>
+              <a:t>-</a:t>
+            </a:r>
+            <a:r>
+              <a:rPr>
+                <a:solidFill>
+                  <a:srgbClr val="7D9029"/>
+                </a:solidFill>
+                <a:latin typeface="Courier"/>
+              </a:rPr>
+              <a:t> </a:t>
+            </a:r>
+            <a:r>
+              <a:rPr>
+                <a:solidFill>
+                  <a:srgbClr val="06287E"/>
+                </a:solidFill>
+                <a:latin typeface="Courier"/>
+              </a:rPr>
+              <a:t>sql</a:t>
+            </a:r>
+            <a:r>
+              <a:rPr b="1">
+                <a:solidFill>
+                  <a:srgbClr val="007020"/>
+                </a:solidFill>
+                <a:latin typeface="Courier"/>
+              </a:rPr>
+              <a:t>:</a:t>
+            </a:r>
+            <a:r>
+              <a:rPr>
+                <a:solidFill>
+                  <a:srgbClr val="7D9029"/>
+                </a:solidFill>
+                <a:latin typeface="Courier"/>
+              </a:rPr>
+              <a:t> </a:t>
+            </a:r>
+            <a:r>
+              <a:rPr>
+                <a:solidFill>
+                  <a:srgbClr val="4070A0"/>
+                </a:solidFill>
+                <a:latin typeface="Courier"/>
+              </a:rPr>
+              <a:t>"SELECT sum(xact_rollback) as count_test FROM pg_stat_database; "</a:t>
+            </a:r>
+            <a:br/>
+            <a:r>
+              <a:rPr>
+                <a:solidFill>
+                  <a:srgbClr val="7D9029"/>
+                </a:solidFill>
+                <a:latin typeface="Courier"/>
+              </a:rPr>
+              <a:t>        </a:t>
+            </a:r>
+            <a:r>
+              <a:rPr>
+                <a:solidFill>
+                  <a:srgbClr val="06287E"/>
+                </a:solidFill>
+                <a:latin typeface="Courier"/>
+              </a:rPr>
+              <a:t>metrics</a:t>
+            </a:r>
+            <a:r>
+              <a:rPr b="1">
+                <a:solidFill>
+                  <a:srgbClr val="007020"/>
+                </a:solidFill>
+                <a:latin typeface="Courier"/>
+              </a:rPr>
+              <a:t>:</a:t>
+            </a:r>
+            <a:br/>
+            <a:r>
+              <a:rPr>
+                <a:solidFill>
+                  <a:srgbClr val="7D9029"/>
+                </a:solidFill>
+                <a:latin typeface="Courier"/>
+              </a:rPr>
+              <a:t>          </a:t>
+            </a:r>
+            <a:r>
+              <a:rPr b="1">
+                <a:solidFill>
+                  <a:srgbClr val="007020"/>
+                </a:solidFill>
+                <a:latin typeface="Courier"/>
+              </a:rPr>
+              <a:t>-</a:t>
+            </a:r>
+            <a:r>
+              <a:rPr>
+                <a:solidFill>
+                  <a:srgbClr val="7D9029"/>
+                </a:solidFill>
+                <a:latin typeface="Courier"/>
+              </a:rPr>
+              <a:t> </a:t>
+            </a:r>
+            <a:r>
+              <a:rPr>
+                <a:solidFill>
+                  <a:srgbClr val="06287E"/>
+                </a:solidFill>
+                <a:latin typeface="Courier"/>
+              </a:rPr>
+              <a:t>metric_name</a:t>
+            </a:r>
+            <a:r>
+              <a:rPr b="1">
+                <a:solidFill>
+                  <a:srgbClr val="007020"/>
+                </a:solidFill>
+                <a:latin typeface="Courier"/>
+              </a:rPr>
+              <a:t>:</a:t>
+            </a:r>
+            <a:r>
+              <a:rPr>
+                <a:solidFill>
+                  <a:srgbClr val="7D9029"/>
+                </a:solidFill>
+                <a:latin typeface="Courier"/>
+              </a:rPr>
+              <a:t> query_errors</a:t>
+            </a:r>
+            <a:r>
+              <a:rPr i="1">
+                <a:solidFill>
+                  <a:srgbClr val="60A0B0"/>
+                </a:solidFill>
+                <a:latin typeface="Courier"/>
+              </a:rPr>
+              <a:t> # E from REDS</a:t>
+            </a:r>
+            <a:br/>
+            <a:r>
+              <a:rPr>
+                <a:solidFill>
+                  <a:srgbClr val="7D9029"/>
+                </a:solidFill>
+                <a:latin typeface="Courier"/>
+              </a:rPr>
+              <a:t>            </a:t>
+            </a:r>
+            <a:r>
+              <a:rPr>
+                <a:solidFill>
+                  <a:srgbClr val="06287E"/>
+                </a:solidFill>
+                <a:latin typeface="Courier"/>
+              </a:rPr>
+              <a:t>value_column</a:t>
+            </a:r>
+            <a:r>
+              <a:rPr b="1">
+                <a:solidFill>
+                  <a:srgbClr val="007020"/>
+                </a:solidFill>
+                <a:latin typeface="Courier"/>
+              </a:rPr>
+              <a:t>:</a:t>
+            </a:r>
+            <a:r>
+              <a:rPr>
+                <a:solidFill>
+                  <a:srgbClr val="7D9029"/>
+                </a:solidFill>
+                <a:latin typeface="Courier"/>
+              </a:rPr>
+              <a:t> count_test</a:t>
+            </a:r>
+          </a:p>
+        </p:txBody>
+      </p:sp>
+    </p:spTree>
+  </p:cSld>
+</p:sld>
+</file>
+
+<file path=ppt/slides/slide4.xml><?xml version="1.0" encoding="utf-8"?>
+<p:sld xmlns:a="http://schemas.openxmlformats.org/drawingml/2006/main" xmlns:r="http://schemas.openxmlformats.org/officeDocument/2006/relationships" xmlns:p="http://schemas.openxmlformats.org/presentationml/2006/main">
+  <p:cSld>
+    <p:spTree>
+      <p:nvGrpSpPr>
+        <p:cNvPr id="1" name=""/>
+        <p:cNvGrpSpPr/>
+        <p:nvPr/>
+      </p:nvGrpSpPr>
+      <p:grpSpPr>
+        <a:xfrm>
+          <a:off x="0" y="0"/>
+          <a:ext cx="0" cy="0"/>
+          <a:chOff x="0" y="0"/>
+          <a:chExt cx="0" cy="0"/>
+        </a:xfrm>
+      </p:grpSpPr>
+      <p:sp>
+        <p:nvSpPr>
+          <p:cNvPr id="2" name="Title 1"/>
+          <p:cNvSpPr>
+            <a:spLocks noGrp="1"/>
+          </p:cNvSpPr>
+          <p:nvPr>
+            <p:ph type="title"/>
+          </p:nvPr>
+        </p:nvSpPr>
+        <p:spPr/>
+        <p:txBody>
+          <a:bodyPr/>
+          <a:lstStyle/>
+          <a:p>
+            <a:pPr lvl="0" marL="0" indent="0">
+              <a:buNone/>
+            </a:pPr>
+            <a:r>
+              <a:rPr/>
+              <a:t>Monolithic</a:t>
+            </a:r>
+            <a:r>
+              <a:rPr/>
+              <a:t> </a:t>
+            </a:r>
+            <a:r>
+              <a:rPr/>
+              <a:t>white</a:t>
+            </a:r>
+            <a:r>
+              <a:rPr/>
+              <a:t> </a:t>
+            </a:r>
+            <a:r>
+              <a:rPr/>
+              <a:t>box</a:t>
+            </a:r>
+            <a:r>
+              <a:rPr/>
+              <a:t> </a:t>
+            </a:r>
+            <a:r>
+              <a:rPr/>
+              <a:t>Challenge</a:t>
+            </a:r>
+          </a:p>
+        </p:txBody>
+      </p:sp>
+      <p:sp>
+        <p:nvSpPr>
+          <p:cNvPr id="3" name="Content Placeholder 2"/>
+          <p:cNvSpPr>
+            <a:spLocks noGrp="1"/>
+          </p:cNvSpPr>
+          <p:nvPr>
+            <p:ph idx="1"/>
+          </p:nvPr>
+        </p:nvSpPr>
+        <p:spPr/>
+        <p:txBody>
+          <a:bodyPr/>
+          <a:lstStyle/>
+          <a:p>
+            <a:pPr lvl="1"/>
+            <a:r>
+              <a:rPr/>
+              <a:t>Create a codespace from this </a:t>
+            </a:r>
+            <a:r>
+              <a:rPr>
+                <a:hlinkClick r:id="rId2"/>
+              </a:rPr>
+              <a:t>github template</a:t>
+            </a:r>
+            <a:r>
+              <a:rPr/>
+              <a:t>.</a:t>
+            </a:r>
+          </a:p>
+          <a:p>
+            <a:pPr lvl="1"/>
+            <a:r>
+              <a:rPr/>
+              <a:t>Start with, “Create and launch an HTTP Server,” in </a:t>
+            </a:r>
+            <a:r>
+              <a:rPr>
+                <a:hlinkClick r:id="rId3"/>
+              </a:rPr>
+              <a:t>the open telemetry python docs</a:t>
+            </a:r>
+          </a:p>
+          <a:p>
+            <a:pPr lvl="1"/>
+            <a:r>
+              <a:rPr/>
+              <a:t>When you are done submit the output from the </a:t>
+            </a:r>
+            <a:r>
+              <a:rPr>
+                <a:latin typeface="Courier"/>
+              </a:rPr>
+              <a:t>docker-compose up</a:t>
+            </a:r>
+            <a:r>
+              <a:rPr/>
+              <a:t> window</a:t>
+            </a:r>
+          </a:p>
+        </p:txBody>
+      </p:sp>
+    </p:spTree>
+  </p:cSld>
+</p:sld>
+</file>
+
+<file path=ppt/slides/slide5.xml><?xml version="1.0" encoding="utf-8"?>
+<p:sld xmlns:a="http://schemas.openxmlformats.org/drawingml/2006/main" xmlns:r="http://schemas.openxmlformats.org/officeDocument/2006/relationships" xmlns:p="http://schemas.openxmlformats.org/presentationml/2006/main">
+  <p:cSld>
+    <p:spTree>
+      <p:nvGrpSpPr>
+        <p:cNvPr id="1" name=""/>
+        <p:cNvGrpSpPr/>
+        <p:nvPr/>
+      </p:nvGrpSpPr>
+      <p:grpSpPr>
+        <a:xfrm>
+          <a:off x="0" y="0"/>
+          <a:ext cx="0" cy="0"/>
+          <a:chOff x="0" y="0"/>
+          <a:chExt cx="0" cy="0"/>
+        </a:xfrm>
+      </p:grpSpPr>
+      <p:sp>
+        <p:nvSpPr>
+          <p:cNvPr id="2" name="Title 1"/>
+          <p:cNvSpPr>
+            <a:spLocks noGrp="1"/>
+          </p:cNvSpPr>
+          <p:nvPr>
+            <p:ph type="title"/>
+          </p:nvPr>
+        </p:nvSpPr>
+        <p:spPr/>
+        <p:txBody>
+          <a:bodyPr/>
+          <a:lstStyle/>
+          <a:p>
+            <a:pPr lvl="0" marL="0" indent="0">
+              <a:buNone/>
+            </a:pPr>
+            <a:r>
+              <a:rPr/>
+              <a:t>Learning</a:t>
+            </a:r>
+            <a:r>
+              <a:rPr/>
+              <a:t> </a:t>
+            </a:r>
+            <a:r>
+              <a:rPr/>
+              <a:t>Outcomes</a:t>
+            </a:r>
+          </a:p>
+        </p:txBody>
+      </p:sp>
+      <p:sp>
+        <p:nvSpPr>
+          <p:cNvPr id="3" name="Content Placeholder 2"/>
+          <p:cNvSpPr>
+            <a:spLocks noGrp="1"/>
+          </p:cNvSpPr>
+          <p:nvPr>
+            <p:ph idx="1"/>
+          </p:nvPr>
+        </p:nvSpPr>
+        <p:spPr/>
+        <p:txBody>
+          <a:bodyPr/>
+          <a:lstStyle/>
+          <a:p>
+            <a:pPr lvl="1"/>
+            <a:r>
+              <a:rPr/>
+              <a:t>Support traces in a monolithic app by instrumenting so that code traces are available for troubleshooting.</a:t>
+            </a:r>
+          </a:p>
+          <a:p>
+            <a:pPr lvl="1"/>
+            <a:r>
+              <a:rPr/>
+              <a:t>Measure REDS metrics in monolithic app by adding and incrementing the appropriate counters.</a:t>
+            </a:r>
+          </a:p>
+          <a:p>
+            <a:pPr lvl="1"/>
+            <a:r>
+              <a:rPr/>
+              <a:t>Integrate language logs by turning them into open telemetry loggers.</a:t>
             </a:r>
           </a:p>
         </p:txBody>

--- a/monolith_analysis/slides.pptx
+++ b/monolith_analysis/slides.pptx
@@ -10,6 +10,9 @@
     <p:sldId id="258" r:id="rId4"/>
     <p:sldId id="259" r:id="rId5"/>
     <p:sldId id="260" r:id="rId6"/>
+    <p:sldId id="261" r:id="rId7"/>
+    <p:sldId id="262" r:id="rId8"/>
+    <p:sldId id="263" r:id="rId9"/>
   </p:sldIdLst>
   <p:sldSz cx="9144000" cy="6858000" type="screen4x3"/>
   <p:notesSz cx="6858000" cy="9144000"/>
@@ -3246,28 +3249,21 @@
             <a:pPr lvl="1"/>
             <a:r>
               <a:rPr/>
-              <a:t>Review database lab</a:t>
+              <a:t>Review instrumentation for assignment 1</a:t>
             </a:r>
           </a:p>
           <a:p>
             <a:pPr lvl="1"/>
             <a:r>
               <a:rPr/>
-              <a:t>Introduce the Challenge/Activity</a:t>
+              <a:t>Review the learning outcomes for the midterm</a:t>
             </a:r>
           </a:p>
           <a:p>
             <a:pPr lvl="1"/>
             <a:r>
               <a:rPr/>
-              <a:t>Theory to support learning outcomes and the Activity</a:t>
-            </a:r>
-          </a:p>
-          <a:p>
-            <a:pPr lvl="1"/>
-            <a:r>
-              <a:rPr/>
-              <a:t>Initial demo of activity</a:t>
+              <a:t>Work period on assignment 1</a:t>
             </a:r>
           </a:p>
           <a:p>
@@ -3276,7 +3272,7 @@
             </a:pPr>
             <a:r>
               <a:rPr/>
-              <a:t>Chapter 3 and 5 in the book</a:t>
+              <a:t>Based on chapter 1-5 in text</a:t>
             </a:r>
           </a:p>
         </p:txBody>
@@ -3323,7 +3319,7 @@
             </a:pPr>
             <a:r>
               <a:rPr/>
-              <a:t>Otel</a:t>
+              <a:t>The</a:t>
             </a:r>
             <a:r>
               <a:rPr/>
@@ -3331,7 +3327,7 @@
             </a:r>
             <a:r>
               <a:rPr/>
-              <a:t>Collector</a:t>
+              <a:t>midterm</a:t>
             </a:r>
             <a:r>
               <a:rPr/>
@@ -3339,7 +3335,7 @@
             </a:r>
             <a:r>
               <a:rPr/>
-              <a:t>for</a:t>
+              <a:t>is</a:t>
             </a:r>
             <a:r>
               <a:rPr/>
@@ -3347,7 +3343,31 @@
             </a:r>
             <a:r>
               <a:rPr/>
-              <a:t>Database</a:t>
+              <a:t>4</a:t>
+            </a:r>
+            <a:r>
+              <a:rPr/>
+              <a:t> </a:t>
+            </a:r>
+            <a:r>
+              <a:rPr/>
+              <a:t>written</a:t>
+            </a:r>
+            <a:r>
+              <a:rPr/>
+              <a:t> </a:t>
+            </a:r>
+            <a:r>
+              <a:rPr/>
+              <a:t>response</a:t>
+            </a:r>
+            <a:r>
+              <a:rPr/>
+              <a:t> </a:t>
+            </a:r>
+            <a:r>
+              <a:rPr/>
+              <a:t>questions</a:t>
             </a:r>
           </a:p>
         </p:txBody>
@@ -3367,421 +3387,24 @@
           <a:bodyPr/>
           <a:lstStyle/>
           <a:p>
-            <a:pPr lvl="0" indent="0">
-              <a:buNone/>
-            </a:pPr>
-            <a:r>
-              <a:rPr>
-                <a:solidFill>
-                  <a:srgbClr val="7D9029"/>
-                </a:solidFill>
-                <a:latin typeface="Courier"/>
-              </a:rPr>
-              <a:t>    </a:t>
-            </a:r>
-            <a:r>
-              <a:rPr>
-                <a:solidFill>
-                  <a:srgbClr val="06287E"/>
-                </a:solidFill>
-                <a:latin typeface="Courier"/>
-              </a:rPr>
-              <a:t>queries</a:t>
-            </a:r>
-            <a:r>
-              <a:rPr b="1">
-                <a:solidFill>
-                  <a:srgbClr val="007020"/>
-                </a:solidFill>
-                <a:latin typeface="Courier"/>
-              </a:rPr>
-              <a:t>:</a:t>
-            </a:r>
-            <a:br/>
-            <a:r>
-              <a:rPr>
-                <a:solidFill>
-                  <a:srgbClr val="7D9029"/>
-                </a:solidFill>
-                <a:latin typeface="Courier"/>
-              </a:rPr>
-              <a:t>      </a:t>
-            </a:r>
-            <a:r>
-              <a:rPr b="1">
-                <a:solidFill>
-                  <a:srgbClr val="007020"/>
-                </a:solidFill>
-                <a:latin typeface="Courier"/>
-              </a:rPr>
-              <a:t>-</a:t>
-            </a:r>
-            <a:r>
-              <a:rPr>
-                <a:solidFill>
-                  <a:srgbClr val="7D9029"/>
-                </a:solidFill>
-                <a:latin typeface="Courier"/>
-              </a:rPr>
-              <a:t> </a:t>
-            </a:r>
-            <a:r>
-              <a:rPr>
-                <a:solidFill>
-                  <a:srgbClr val="06287E"/>
-                </a:solidFill>
-                <a:latin typeface="Courier"/>
-              </a:rPr>
-              <a:t>sql</a:t>
-            </a:r>
-            <a:r>
-              <a:rPr b="1">
-                <a:solidFill>
-                  <a:srgbClr val="007020"/>
-                </a:solidFill>
-                <a:latin typeface="Courier"/>
-              </a:rPr>
-              <a:t>:</a:t>
-            </a:r>
-            <a:r>
-              <a:rPr>
-                <a:solidFill>
-                  <a:srgbClr val="7D9029"/>
-                </a:solidFill>
-                <a:latin typeface="Courier"/>
-              </a:rPr>
-              <a:t> </a:t>
-            </a:r>
-            <a:r>
-              <a:rPr>
-                <a:solidFill>
-                  <a:srgbClr val="4070A0"/>
-                </a:solidFill>
-                <a:latin typeface="Courier"/>
-              </a:rPr>
-              <a:t>"SELECT sum(xact_commit+xact_rollback) as count_test FROM pg_stat_database; "</a:t>
-            </a:r>
-            <a:br/>
-            <a:r>
-              <a:rPr>
-                <a:solidFill>
-                  <a:srgbClr val="7D9029"/>
-                </a:solidFill>
-                <a:latin typeface="Courier"/>
-              </a:rPr>
-              <a:t>        </a:t>
-            </a:r>
-            <a:r>
-              <a:rPr>
-                <a:solidFill>
-                  <a:srgbClr val="06287E"/>
-                </a:solidFill>
-                <a:latin typeface="Courier"/>
-              </a:rPr>
-              <a:t>metrics</a:t>
-            </a:r>
-            <a:r>
-              <a:rPr b="1">
-                <a:solidFill>
-                  <a:srgbClr val="007020"/>
-                </a:solidFill>
-                <a:latin typeface="Courier"/>
-              </a:rPr>
-              <a:t>:</a:t>
-            </a:r>
-            <a:br/>
-            <a:r>
-              <a:rPr>
-                <a:solidFill>
-                  <a:srgbClr val="7D9029"/>
-                </a:solidFill>
-                <a:latin typeface="Courier"/>
-              </a:rPr>
-              <a:t>          </a:t>
-            </a:r>
-            <a:r>
-              <a:rPr b="1">
-                <a:solidFill>
-                  <a:srgbClr val="007020"/>
-                </a:solidFill>
-                <a:latin typeface="Courier"/>
-              </a:rPr>
-              <a:t>-</a:t>
-            </a:r>
-            <a:r>
-              <a:rPr>
-                <a:solidFill>
-                  <a:srgbClr val="7D9029"/>
-                </a:solidFill>
-                <a:latin typeface="Courier"/>
-              </a:rPr>
-              <a:t> </a:t>
-            </a:r>
-            <a:r>
-              <a:rPr>
-                <a:solidFill>
-                  <a:srgbClr val="06287E"/>
-                </a:solidFill>
-                <a:latin typeface="Courier"/>
-              </a:rPr>
-              <a:t>metric_name</a:t>
-            </a:r>
-            <a:r>
-              <a:rPr b="1">
-                <a:solidFill>
-                  <a:srgbClr val="007020"/>
-                </a:solidFill>
-                <a:latin typeface="Courier"/>
-              </a:rPr>
-              <a:t>:</a:t>
-            </a:r>
-            <a:r>
-              <a:rPr>
-                <a:solidFill>
-                  <a:srgbClr val="7D9029"/>
-                </a:solidFill>
-                <a:latin typeface="Courier"/>
-              </a:rPr>
-              <a:t> query_requests</a:t>
-            </a:r>
-            <a:r>
-              <a:rPr i="1">
-                <a:solidFill>
-                  <a:srgbClr val="60A0B0"/>
-                </a:solidFill>
-                <a:latin typeface="Courier"/>
-              </a:rPr>
-              <a:t> # R from REDS</a:t>
-            </a:r>
-            <a:br/>
-            <a:r>
-              <a:rPr>
-                <a:solidFill>
-                  <a:srgbClr val="7D9029"/>
-                </a:solidFill>
-                <a:latin typeface="Courier"/>
-              </a:rPr>
-              <a:t>            </a:t>
-            </a:r>
-            <a:r>
-              <a:rPr>
-                <a:solidFill>
-                  <a:srgbClr val="06287E"/>
-                </a:solidFill>
-                <a:latin typeface="Courier"/>
-              </a:rPr>
-              <a:t>value_column</a:t>
-            </a:r>
-            <a:r>
-              <a:rPr b="1">
-                <a:solidFill>
-                  <a:srgbClr val="007020"/>
-                </a:solidFill>
-                <a:latin typeface="Courier"/>
-              </a:rPr>
-              <a:t>:</a:t>
-            </a:r>
-            <a:r>
-              <a:rPr>
-                <a:solidFill>
-                  <a:srgbClr val="7D9029"/>
-                </a:solidFill>
-                <a:latin typeface="Courier"/>
-              </a:rPr>
-              <a:t> count_test</a:t>
-            </a:r>
-            <a:br/>
-            <a:r>
-              <a:rPr>
-                <a:solidFill>
-                  <a:srgbClr val="7D9029"/>
-                </a:solidFill>
-                <a:latin typeface="Courier"/>
-              </a:rPr>
-              <a:t>      </a:t>
-            </a:r>
-            <a:r>
-              <a:rPr b="1">
-                <a:solidFill>
-                  <a:srgbClr val="007020"/>
-                </a:solidFill>
-                <a:latin typeface="Courier"/>
-              </a:rPr>
-              <a:t>-</a:t>
-            </a:r>
-            <a:r>
-              <a:rPr>
-                <a:solidFill>
-                  <a:srgbClr val="7D9029"/>
-                </a:solidFill>
-                <a:latin typeface="Courier"/>
-              </a:rPr>
-              <a:t> </a:t>
-            </a:r>
-            <a:r>
-              <a:rPr>
-                <a:solidFill>
-                  <a:srgbClr val="06287E"/>
-                </a:solidFill>
-                <a:latin typeface="Courier"/>
-              </a:rPr>
-              <a:t>sql</a:t>
-            </a:r>
-            <a:r>
-              <a:rPr b="1">
-                <a:solidFill>
-                  <a:srgbClr val="007020"/>
-                </a:solidFill>
-                <a:latin typeface="Courier"/>
-              </a:rPr>
-              <a:t>:</a:t>
-            </a:r>
-            <a:r>
-              <a:rPr>
-                <a:solidFill>
-                  <a:srgbClr val="7D9029"/>
-                </a:solidFill>
-                <a:latin typeface="Courier"/>
-              </a:rPr>
-              <a:t> </a:t>
-            </a:r>
-            <a:r>
-              <a:rPr>
-                <a:solidFill>
-                  <a:srgbClr val="4070A0"/>
-                </a:solidFill>
-                <a:latin typeface="Courier"/>
-              </a:rPr>
-              <a:t>"SELECT sum(xact_rollback) as count_test FROM pg_stat_database; "</a:t>
-            </a:r>
-            <a:br/>
-            <a:r>
-              <a:rPr>
-                <a:solidFill>
-                  <a:srgbClr val="7D9029"/>
-                </a:solidFill>
-                <a:latin typeface="Courier"/>
-              </a:rPr>
-              <a:t>        </a:t>
-            </a:r>
-            <a:r>
-              <a:rPr>
-                <a:solidFill>
-                  <a:srgbClr val="06287E"/>
-                </a:solidFill>
-                <a:latin typeface="Courier"/>
-              </a:rPr>
-              <a:t>metrics</a:t>
-            </a:r>
-            <a:r>
-              <a:rPr b="1">
-                <a:solidFill>
-                  <a:srgbClr val="007020"/>
-                </a:solidFill>
-                <a:latin typeface="Courier"/>
-              </a:rPr>
-              <a:t>:</a:t>
-            </a:r>
-            <a:br/>
-            <a:r>
-              <a:rPr>
-                <a:solidFill>
-                  <a:srgbClr val="7D9029"/>
-                </a:solidFill>
-                <a:latin typeface="Courier"/>
-              </a:rPr>
-              <a:t>          </a:t>
-            </a:r>
-            <a:r>
-              <a:rPr b="1">
-                <a:solidFill>
-                  <a:srgbClr val="007020"/>
-                </a:solidFill>
-                <a:latin typeface="Courier"/>
-              </a:rPr>
-              <a:t>-</a:t>
-            </a:r>
-            <a:r>
-              <a:rPr>
-                <a:solidFill>
-                  <a:srgbClr val="7D9029"/>
-                </a:solidFill>
-                <a:latin typeface="Courier"/>
-              </a:rPr>
-              <a:t> </a:t>
-            </a:r>
-            <a:r>
-              <a:rPr>
-                <a:solidFill>
-                  <a:srgbClr val="06287E"/>
-                </a:solidFill>
-                <a:latin typeface="Courier"/>
-              </a:rPr>
-              <a:t>metric_name</a:t>
-            </a:r>
-            <a:r>
-              <a:rPr b="1">
-                <a:solidFill>
-                  <a:srgbClr val="007020"/>
-                </a:solidFill>
-                <a:latin typeface="Courier"/>
-              </a:rPr>
-              <a:t>:</a:t>
-            </a:r>
-            <a:r>
-              <a:rPr>
-                <a:solidFill>
-                  <a:srgbClr val="7D9029"/>
-                </a:solidFill>
-                <a:latin typeface="Courier"/>
-              </a:rPr>
-              <a:t> query_errors</a:t>
-            </a:r>
-            <a:r>
-              <a:rPr i="1">
-                <a:solidFill>
-                  <a:srgbClr val="60A0B0"/>
-                </a:solidFill>
-                <a:latin typeface="Courier"/>
-              </a:rPr>
-              <a:t> # E from REDS</a:t>
-            </a:r>
-            <a:br/>
-            <a:r>
-              <a:rPr>
-                <a:solidFill>
-                  <a:srgbClr val="7D9029"/>
-                </a:solidFill>
-                <a:latin typeface="Courier"/>
-              </a:rPr>
-              <a:t>            </a:t>
-            </a:r>
-            <a:r>
-              <a:rPr>
-                <a:solidFill>
-                  <a:srgbClr val="06287E"/>
-                </a:solidFill>
-                <a:latin typeface="Courier"/>
-              </a:rPr>
-              <a:t>value_column</a:t>
-            </a:r>
-            <a:r>
-              <a:rPr b="1">
-                <a:solidFill>
-                  <a:srgbClr val="007020"/>
-                </a:solidFill>
-                <a:latin typeface="Courier"/>
-              </a:rPr>
-              <a:t>:</a:t>
-            </a:r>
-            <a:r>
-              <a:rPr>
-                <a:solidFill>
-                  <a:srgbClr val="7D9029"/>
-                </a:solidFill>
-                <a:latin typeface="Courier"/>
-              </a:rPr>
-              <a:t> count_test</a:t>
+            <a:pPr lvl="1"/>
+            <a:r>
+              <a:rPr/>
+              <a:t>in the quiz tool</a:t>
+            </a:r>
+          </a:p>
+          <a:p>
+            <a:pPr lvl="1"/>
+            <a:r>
+              <a:rPr/>
+              <a:t>each question is worth 5 marks</a:t>
+            </a:r>
+          </a:p>
+          <a:p>
+            <a:pPr lvl="1"/>
+            <a:r>
+              <a:rPr/>
+              <a:t>each question is based on a situation</a:t>
             </a:r>
           </a:p>
         </p:txBody>
@@ -3828,7 +3451,7 @@
             </a:pPr>
             <a:r>
               <a:rPr/>
-              <a:t>Monolithic</a:t>
+              <a:t>Covered</a:t>
             </a:r>
             <a:r>
               <a:rPr/>
@@ -3836,7 +3459,7 @@
             </a:r>
             <a:r>
               <a:rPr/>
-              <a:t>white</a:t>
+              <a:t>Learning</a:t>
             </a:r>
             <a:r>
               <a:rPr/>
@@ -3844,15 +3467,7 @@
             </a:r>
             <a:r>
               <a:rPr/>
-              <a:t>box</a:t>
-            </a:r>
-            <a:r>
-              <a:rPr/>
-              <a:t> </a:t>
-            </a:r>
-            <a:r>
-              <a:rPr/>
-              <a:t>Challenge</a:t>
+              <a:t>outcomes</a:t>
             </a:r>
           </a:p>
         </p:txBody>
@@ -3875,47 +3490,28 @@
             <a:pPr lvl="1"/>
             <a:r>
               <a:rPr/>
-              <a:t>Create a codespace from this </a:t>
-            </a:r>
-            <a:r>
-              <a:rPr>
-                <a:hlinkClick r:id="rId2"/>
-              </a:rPr>
-              <a:t>github template</a:t>
-            </a:r>
-            <a:r>
-              <a:rPr/>
-              <a:t>.</a:t>
+              <a:t>Test monolith and microservice architectures for observability and resolve deficiencies using tracing, metrics and logging.</a:t>
             </a:r>
           </a:p>
           <a:p>
             <a:pPr lvl="1"/>
             <a:r>
               <a:rPr/>
-              <a:t>Start with, “Create and launch an HTTP Server,” in </a:t>
-            </a:r>
-            <a:r>
-              <a:rPr>
-                <a:hlinkClick r:id="rId3"/>
-              </a:rPr>
-              <a:t>the open telemetry python docs</a:t>
+              <a:t>Support development and operations by separating exception tracing from exception handling.</a:t>
             </a:r>
           </a:p>
           <a:p>
             <a:pPr lvl="1"/>
             <a:r>
               <a:rPr/>
-              <a:t>When you are done submit the output from the </a:t>
-            </a:r>
-            <a:r>
-              <a:rPr>
-                <a:latin typeface="Courier"/>
-              </a:rPr>
-              <a:t>docker-compose up</a:t>
-            </a:r>
-            <a:r>
-              <a:rPr/>
-              <a:t> window</a:t>
+              <a:t>Prioritize deviations from metric baselines by sending and responding to alerts</a:t>
+            </a:r>
+          </a:p>
+          <a:p>
+            <a:pPr lvl="1"/>
+            <a:r>
+              <a:rPr/>
+              <a:t>Justify issue priority based on evidence from monitoring and logging.</a:t>
             </a:r>
           </a:p>
         </p:txBody>
@@ -3962,7 +3558,7 @@
             </a:pPr>
             <a:r>
               <a:rPr/>
-              <a:t>Learning</a:t>
+              <a:t>Test</a:t>
             </a:r>
             <a:r>
               <a:rPr/>
@@ -3970,44 +3566,196 @@
             </a:r>
             <a:r>
               <a:rPr/>
-              <a:t>Outcomes</a:t>
-            </a:r>
-          </a:p>
-        </p:txBody>
-      </p:sp>
-      <p:sp>
-        <p:nvSpPr>
-          <p:cNvPr id="3" name="Content Placeholder 2"/>
-          <p:cNvSpPr>
-            <a:spLocks noGrp="1"/>
-          </p:cNvSpPr>
-          <p:nvPr>
-            <p:ph idx="1"/>
-          </p:nvPr>
-        </p:nvSpPr>
-        <p:spPr/>
-        <p:txBody>
-          <a:bodyPr/>
-          <a:lstStyle/>
-          <a:p>
-            <a:pPr lvl="1"/>
-            <a:r>
-              <a:rPr/>
-              <a:t>Support traces in a monolithic app by instrumenting so that code traces are available for troubleshooting.</a:t>
-            </a:r>
-          </a:p>
-          <a:p>
-            <a:pPr lvl="1"/>
-            <a:r>
-              <a:rPr/>
-              <a:t>Measure REDS metrics in monolithic app by adding and incrementing the appropriate counters.</a:t>
-            </a:r>
-          </a:p>
-          <a:p>
-            <a:pPr lvl="1"/>
-            <a:r>
-              <a:rPr/>
-              <a:t>Integrate language logs by turning them into open telemetry loggers.</a:t>
+              <a:t>for</a:t>
+            </a:r>
+            <a:r>
+              <a:rPr/>
+              <a:t> </a:t>
+            </a:r>
+            <a:r>
+              <a:rPr/>
+              <a:t>deficiencies</a:t>
+            </a:r>
+          </a:p>
+        </p:txBody>
+      </p:sp>
+    </p:spTree>
+  </p:cSld>
+</p:sld>
+</file>
+
+<file path=ppt/slides/slide6.xml><?xml version="1.0" encoding="utf-8"?>
+<p:sld xmlns:a="http://schemas.openxmlformats.org/drawingml/2006/main" xmlns:r="http://schemas.openxmlformats.org/officeDocument/2006/relationships" xmlns:p="http://schemas.openxmlformats.org/presentationml/2006/main">
+  <p:cSld>
+    <p:spTree>
+      <p:nvGrpSpPr>
+        <p:cNvPr id="1" name=""/>
+        <p:cNvGrpSpPr/>
+        <p:nvPr/>
+      </p:nvGrpSpPr>
+      <p:grpSpPr>
+        <a:xfrm>
+          <a:off x="0" y="0"/>
+          <a:ext cx="0" cy="0"/>
+          <a:chOff x="0" y="0"/>
+          <a:chExt cx="0" cy="0"/>
+        </a:xfrm>
+      </p:grpSpPr>
+      <p:sp>
+        <p:nvSpPr>
+          <p:cNvPr id="2" name="Title 1"/>
+          <p:cNvSpPr>
+            <a:spLocks noGrp="1"/>
+          </p:cNvSpPr>
+          <p:nvPr>
+            <p:ph type="title"/>
+          </p:nvPr>
+        </p:nvSpPr>
+        <p:spPr/>
+        <p:txBody>
+          <a:bodyPr/>
+          <a:lstStyle/>
+          <a:p>
+            <a:pPr lvl="0" marL="0" indent="0">
+              <a:buNone/>
+            </a:pPr>
+            <a:r>
+              <a:rPr/>
+              <a:t>Separate</a:t>
+            </a:r>
+            <a:r>
+              <a:rPr/>
+              <a:t> </a:t>
+            </a:r>
+            <a:r>
+              <a:rPr/>
+              <a:t>tracing</a:t>
+            </a:r>
+            <a:r>
+              <a:rPr/>
+              <a:t> </a:t>
+            </a:r>
+            <a:r>
+              <a:rPr/>
+              <a:t>from</a:t>
+            </a:r>
+            <a:r>
+              <a:rPr/>
+              <a:t> </a:t>
+            </a:r>
+            <a:r>
+              <a:rPr/>
+              <a:t>handling</a:t>
+            </a:r>
+          </a:p>
+        </p:txBody>
+      </p:sp>
+    </p:spTree>
+  </p:cSld>
+</p:sld>
+</file>
+
+<file path=ppt/slides/slide7.xml><?xml version="1.0" encoding="utf-8"?>
+<p:sld xmlns:a="http://schemas.openxmlformats.org/drawingml/2006/main" xmlns:r="http://schemas.openxmlformats.org/officeDocument/2006/relationships" xmlns:p="http://schemas.openxmlformats.org/presentationml/2006/main">
+  <p:cSld>
+    <p:spTree>
+      <p:nvGrpSpPr>
+        <p:cNvPr id="1" name=""/>
+        <p:cNvGrpSpPr/>
+        <p:nvPr/>
+      </p:nvGrpSpPr>
+      <p:grpSpPr>
+        <a:xfrm>
+          <a:off x="0" y="0"/>
+          <a:ext cx="0" cy="0"/>
+          <a:chOff x="0" y="0"/>
+          <a:chExt cx="0" cy="0"/>
+        </a:xfrm>
+      </p:grpSpPr>
+      <p:sp>
+        <p:nvSpPr>
+          <p:cNvPr id="2" name="Title 1"/>
+          <p:cNvSpPr>
+            <a:spLocks noGrp="1"/>
+          </p:cNvSpPr>
+          <p:nvPr>
+            <p:ph type="title"/>
+          </p:nvPr>
+        </p:nvSpPr>
+        <p:spPr/>
+        <p:txBody>
+          <a:bodyPr/>
+          <a:lstStyle/>
+          <a:p>
+            <a:pPr lvl="0" marL="0" indent="0">
+              <a:buNone/>
+            </a:pPr>
+            <a:r>
+              <a:rPr/>
+              <a:t>Metric</a:t>
+            </a:r>
+            <a:r>
+              <a:rPr/>
+              <a:t> </a:t>
+            </a:r>
+            <a:r>
+              <a:rPr/>
+              <a:t>baselines</a:t>
+            </a:r>
+          </a:p>
+        </p:txBody>
+      </p:sp>
+    </p:spTree>
+  </p:cSld>
+</p:sld>
+</file>
+
+<file path=ppt/slides/slide8.xml><?xml version="1.0" encoding="utf-8"?>
+<p:sld xmlns:a="http://schemas.openxmlformats.org/drawingml/2006/main" xmlns:r="http://schemas.openxmlformats.org/officeDocument/2006/relationships" xmlns:p="http://schemas.openxmlformats.org/presentationml/2006/main">
+  <p:cSld>
+    <p:spTree>
+      <p:nvGrpSpPr>
+        <p:cNvPr id="1" name=""/>
+        <p:cNvGrpSpPr/>
+        <p:nvPr/>
+      </p:nvGrpSpPr>
+      <p:grpSpPr>
+        <a:xfrm>
+          <a:off x="0" y="0"/>
+          <a:ext cx="0" cy="0"/>
+          <a:chOff x="0" y="0"/>
+          <a:chExt cx="0" cy="0"/>
+        </a:xfrm>
+      </p:grpSpPr>
+      <p:sp>
+        <p:nvSpPr>
+          <p:cNvPr id="2" name="Title 1"/>
+          <p:cNvSpPr>
+            <a:spLocks noGrp="1"/>
+          </p:cNvSpPr>
+          <p:nvPr>
+            <p:ph type="title"/>
+          </p:nvPr>
+        </p:nvSpPr>
+        <p:spPr/>
+        <p:txBody>
+          <a:bodyPr/>
+          <a:lstStyle/>
+          <a:p>
+            <a:pPr lvl="0" marL="0" indent="0">
+              <a:buNone/>
+            </a:pPr>
+            <a:r>
+              <a:rPr/>
+              <a:t>Supporting</a:t>
+            </a:r>
+            <a:r>
+              <a:rPr/>
+              <a:t> </a:t>
+            </a:r>
+            <a:r>
+              <a:rPr/>
+              <a:t>Evidence</a:t>
             </a:r>
           </a:p>
         </p:txBody>

--- a/monolith_analysis/slides.pptx
+++ b/monolith_analysis/slides.pptx
@@ -13,6 +13,10 @@
     <p:sldId id="261" r:id="rId7"/>
     <p:sldId id="262" r:id="rId8"/>
     <p:sldId id="263" r:id="rId9"/>
+    <p:sldId id="264" r:id="rId10"/>
+    <p:sldId id="265" r:id="rId11"/>
+    <p:sldId id="266" r:id="rId12"/>
+    <p:sldId id="267" r:id="rId13"/>
   </p:sldIdLst>
   <p:sldSz cx="9144000" cy="6858000" type="screen4x3"/>
   <p:notesSz cx="6858000" cy="9144000"/>
@@ -3151,7 +3155,31 @@
             </a:r>
             <a:r>
               <a:rPr/>
-              <a:t>(analysis)</a:t>
+              <a:t>(analysis</a:t>
+            </a:r>
+            <a:r>
+              <a:rPr/>
+              <a:t> </a:t>
+            </a:r>
+            <a:r>
+              <a:rPr/>
+              <a:t>-</a:t>
+            </a:r>
+            <a:r>
+              <a:rPr/>
+              <a:t> </a:t>
+            </a:r>
+            <a:r>
+              <a:rPr/>
+              <a:t>midterm</a:t>
+            </a:r>
+            <a:r>
+              <a:rPr/>
+              <a:t> </a:t>
+            </a:r>
+            <a:r>
+              <a:rPr/>
+              <a:t>review)</a:t>
             </a:r>
           </a:p>
         </p:txBody>
@@ -3181,6 +3209,268 @@
             </a:pPr>
             <a:br/>
             <a:br/>
+          </a:p>
+        </p:txBody>
+      </p:sp>
+    </p:spTree>
+  </p:cSld>
+</p:sld>
+</file>
+
+<file path=ppt/slides/slide10.xml><?xml version="1.0" encoding="utf-8"?>
+<p:sld xmlns:a="http://schemas.openxmlformats.org/drawingml/2006/main" xmlns:r="http://schemas.openxmlformats.org/officeDocument/2006/relationships" xmlns:p="http://schemas.openxmlformats.org/presentationml/2006/main">
+  <p:cSld>
+    <p:spTree>
+      <p:nvGrpSpPr>
+        <p:cNvPr id="1" name=""/>
+        <p:cNvGrpSpPr/>
+        <p:nvPr/>
+      </p:nvGrpSpPr>
+      <p:grpSpPr>
+        <a:xfrm>
+          <a:off x="0" y="0"/>
+          <a:ext cx="0" cy="0"/>
+          <a:chOff x="0" y="0"/>
+          <a:chExt cx="0" cy="0"/>
+        </a:xfrm>
+      </p:grpSpPr>
+      <p:sp>
+        <p:nvSpPr>
+          <p:cNvPr id="2" name="Title 1"/>
+          <p:cNvSpPr>
+            <a:spLocks noGrp="1"/>
+          </p:cNvSpPr>
+          <p:nvPr>
+            <p:ph type="title"/>
+          </p:nvPr>
+        </p:nvSpPr>
+        <p:spPr/>
+        <p:txBody>
+          <a:bodyPr/>
+          <a:lstStyle/>
+          <a:p>
+            <a:pPr lvl="0" marL="0" indent="0">
+              <a:buNone/>
+            </a:pPr>
+            <a:r>
+              <a:rPr/>
+              <a:t>Always</a:t>
+            </a:r>
+            <a:r>
+              <a:rPr/>
+              <a:t> </a:t>
+            </a:r>
+            <a:r>
+              <a:rPr/>
+              <a:t>remember</a:t>
+            </a:r>
+            <a:r>
+              <a:rPr/>
+              <a:t> </a:t>
+            </a:r>
+            <a:r>
+              <a:rPr/>
+              <a:t>to</a:t>
+            </a:r>
+            <a:r>
+              <a:rPr/>
+              <a:t> </a:t>
+            </a:r>
+            <a:r>
+              <a:rPr/>
+              <a:t>raise</a:t>
+            </a:r>
+          </a:p>
+        </p:txBody>
+      </p:sp>
+      <p:sp>
+        <p:nvSpPr>
+          <p:cNvPr id="3" name="Content Placeholder 2"/>
+          <p:cNvSpPr>
+            <a:spLocks noGrp="1"/>
+          </p:cNvSpPr>
+          <p:nvPr>
+            <p:ph idx="1"/>
+          </p:nvPr>
+        </p:nvSpPr>
+        <p:spPr/>
+        <p:txBody>
+          <a:bodyPr/>
+          <a:lstStyle/>
+          <a:p>
+            <a:pPr lvl="0" indent="0">
+              <a:buNone/>
+            </a:pPr>
+            <a:r>
+              <a:rPr b="1">
+                <a:solidFill>
+                  <a:srgbClr val="007020"/>
+                </a:solidFill>
+                <a:latin typeface="Courier"/>
+              </a:rPr>
+              <a:t>except</a:t>
+            </a:r>
+            <a:r>
+              <a:rPr>
+                <a:latin typeface="Courier"/>
+              </a:rPr>
+              <a:t> </a:t>
+            </a:r>
+            <a:r>
+              <a:rPr>
+                <a:solidFill>
+                  <a:srgbClr val="BC7A00"/>
+                </a:solidFill>
+                <a:latin typeface="Courier"/>
+              </a:rPr>
+              <a:t>ValueError</a:t>
+            </a:r>
+            <a:r>
+              <a:rPr>
+                <a:latin typeface="Courier"/>
+              </a:rPr>
+              <a:t> as exc:</a:t>
+            </a:r>
+            <a:br/>
+            <a:r>
+              <a:rPr>
+                <a:latin typeface="Courier"/>
+              </a:rPr>
+              <a:t>    ...</a:t>
+            </a:r>
+            <a:br/>
+            <a:r>
+              <a:rPr>
+                <a:latin typeface="Courier"/>
+              </a:rPr>
+              <a:t>    </a:t>
+            </a:r>
+            <a:r>
+              <a:rPr b="1">
+                <a:solidFill>
+                  <a:srgbClr val="007020"/>
+                </a:solidFill>
+                <a:latin typeface="Courier"/>
+              </a:rPr>
+              <a:t>raise</a:t>
+            </a:r>
+          </a:p>
+          <a:p>
+            <a:pPr lvl="1"/>
+            <a:r>
+              <a:rPr/>
+              <a:t>critical so that the calling app can deal with the exception</a:t>
+            </a:r>
+          </a:p>
+        </p:txBody>
+      </p:sp>
+    </p:spTree>
+  </p:cSld>
+</p:sld>
+</file>
+
+<file path=ppt/slides/slide11.xml><?xml version="1.0" encoding="utf-8"?>
+<p:sld xmlns:a="http://schemas.openxmlformats.org/drawingml/2006/main" xmlns:r="http://schemas.openxmlformats.org/officeDocument/2006/relationships" xmlns:p="http://schemas.openxmlformats.org/presentationml/2006/main">
+  <p:cSld>
+    <p:spTree>
+      <p:nvGrpSpPr>
+        <p:cNvPr id="1" name=""/>
+        <p:cNvGrpSpPr/>
+        <p:nvPr/>
+      </p:nvGrpSpPr>
+      <p:grpSpPr>
+        <a:xfrm>
+          <a:off x="0" y="0"/>
+          <a:ext cx="0" cy="0"/>
+          <a:chOff x="0" y="0"/>
+          <a:chExt cx="0" cy="0"/>
+        </a:xfrm>
+      </p:grpSpPr>
+      <p:sp>
+        <p:nvSpPr>
+          <p:cNvPr id="2" name="Title 1"/>
+          <p:cNvSpPr>
+            <a:spLocks noGrp="1"/>
+          </p:cNvSpPr>
+          <p:nvPr>
+            <p:ph type="title"/>
+          </p:nvPr>
+        </p:nvSpPr>
+        <p:spPr/>
+        <p:txBody>
+          <a:bodyPr/>
+          <a:lstStyle/>
+          <a:p>
+            <a:pPr lvl="0" marL="0" indent="0">
+              <a:buNone/>
+            </a:pPr>
+            <a:r>
+              <a:rPr/>
+              <a:t>Metric</a:t>
+            </a:r>
+            <a:r>
+              <a:rPr/>
+              <a:t> </a:t>
+            </a:r>
+            <a:r>
+              <a:rPr/>
+              <a:t>baselines</a:t>
+            </a:r>
+          </a:p>
+        </p:txBody>
+      </p:sp>
+    </p:spTree>
+  </p:cSld>
+</p:sld>
+</file>
+
+<file path=ppt/slides/slide12.xml><?xml version="1.0" encoding="utf-8"?>
+<p:sld xmlns:a="http://schemas.openxmlformats.org/drawingml/2006/main" xmlns:r="http://schemas.openxmlformats.org/officeDocument/2006/relationships" xmlns:p="http://schemas.openxmlformats.org/presentationml/2006/main">
+  <p:cSld>
+    <p:spTree>
+      <p:nvGrpSpPr>
+        <p:cNvPr id="1" name=""/>
+        <p:cNvGrpSpPr/>
+        <p:nvPr/>
+      </p:nvGrpSpPr>
+      <p:grpSpPr>
+        <a:xfrm>
+          <a:off x="0" y="0"/>
+          <a:ext cx="0" cy="0"/>
+          <a:chOff x="0" y="0"/>
+          <a:chExt cx="0" cy="0"/>
+        </a:xfrm>
+      </p:grpSpPr>
+      <p:sp>
+        <p:nvSpPr>
+          <p:cNvPr id="2" name="Title 1"/>
+          <p:cNvSpPr>
+            <a:spLocks noGrp="1"/>
+          </p:cNvSpPr>
+          <p:nvPr>
+            <p:ph type="title"/>
+          </p:nvPr>
+        </p:nvSpPr>
+        <p:spPr/>
+        <p:txBody>
+          <a:bodyPr/>
+          <a:lstStyle/>
+          <a:p>
+            <a:pPr lvl="0" marL="0" indent="0">
+              <a:buNone/>
+            </a:pPr>
+            <a:r>
+              <a:rPr/>
+              <a:t>Supporting</a:t>
+            </a:r>
+            <a:r>
+              <a:rPr/>
+              <a:t> </a:t>
+            </a:r>
+            <a:r>
+              <a:rPr/>
+              <a:t>Evidence</a:t>
+            </a:r>
           </a:p>
         </p:txBody>
       </p:sp>
@@ -3249,7 +3539,17 @@
             <a:pPr lvl="1"/>
             <a:r>
               <a:rPr/>
-              <a:t>Review instrumentation for assignment 1</a:t>
+              <a:t>Review instrumentation from </a:t>
+            </a:r>
+            <a:r>
+              <a:rPr>
+                <a:hlinkClick r:id="rId2"/>
+              </a:rPr>
+              <a:t>last week</a:t>
+            </a:r>
+            <a:r>
+              <a:rPr/>
+              <a:t> for assignment 1</a:t>
             </a:r>
           </a:p>
           <a:p>
@@ -3272,7 +3572,7 @@
             </a:pPr>
             <a:r>
               <a:rPr/>
-              <a:t>Based on chapter 1-5 in text</a:t>
+              <a:t>Based on chapter 1-5 in text and notes summarized here.</a:t>
             </a:r>
           </a:p>
         </p:txBody>
@@ -3579,6 +3879,50 @@
           </a:p>
         </p:txBody>
       </p:sp>
+      <p:sp>
+        <p:nvSpPr>
+          <p:cNvPr id="3" name="Content Placeholder 2"/>
+          <p:cNvSpPr>
+            <a:spLocks noGrp="1"/>
+          </p:cNvSpPr>
+          <p:nvPr>
+            <p:ph idx="1"/>
+          </p:nvPr>
+        </p:nvSpPr>
+        <p:spPr/>
+        <p:txBody>
+          <a:bodyPr/>
+          <a:lstStyle/>
+          <a:p>
+            <a:pPr lvl="1"/>
+            <a:r>
+              <a:rPr/>
+              <a:t>A dev-ops team would ultimately write a failing test that exposes the root cause of a system outage, make the test pass and deploy through continuous integration.</a:t>
+            </a:r>
+          </a:p>
+          <a:p>
+            <a:pPr lvl="1"/>
+            <a:r>
+              <a:rPr/>
+              <a:t>Monitoring and logging helps get to the root cause of a problem a customer may be facing</a:t>
+            </a:r>
+          </a:p>
+          <a:p>
+            <a:pPr lvl="1"/>
+            <a:r>
+              <a:rPr/>
+              <a:t>In chapter 4 of the book, we looked at different things we can learn from the otel demo</a:t>
+            </a:r>
+          </a:p>
+          <a:p>
+            <a:pPr lvl="1"/>
+            <a:r>
+              <a:rPr/>
+              <a:t>correlate what the customer is seeing with metrics … for instance</a:t>
+            </a:r>
+          </a:p>
+        </p:txBody>
+      </p:sp>
     </p:spTree>
   </p:cSld>
 </p:sld>
@@ -3621,7 +3965,7 @@
             </a:pPr>
             <a:r>
               <a:rPr/>
-              <a:t>Separate</a:t>
+              <a:t>Relate</a:t>
             </a:r>
             <a:r>
               <a:rPr/>
@@ -3629,7 +3973,7 @@
             </a:r>
             <a:r>
               <a:rPr/>
-              <a:t>tracing</a:t>
+              <a:t>REDS</a:t>
             </a:r>
             <a:r>
               <a:rPr/>
@@ -3637,7 +3981,7 @@
             </a:r>
             <a:r>
               <a:rPr/>
-              <a:t>from</a:t>
+              <a:t>metrics</a:t>
             </a:r>
             <a:r>
               <a:rPr/>
@@ -3645,7 +3989,84 @@
             </a:r>
             <a:r>
               <a:rPr/>
-              <a:t>handling</a:t>
+              <a:t>to</a:t>
+            </a:r>
+            <a:r>
+              <a:rPr/>
+              <a:t> </a:t>
+            </a:r>
+            <a:r>
+              <a:rPr/>
+              <a:t>what</a:t>
+            </a:r>
+            <a:r>
+              <a:rPr/>
+              <a:t> </a:t>
+            </a:r>
+            <a:r>
+              <a:rPr/>
+              <a:t>the</a:t>
+            </a:r>
+            <a:r>
+              <a:rPr/>
+              <a:t> </a:t>
+            </a:r>
+            <a:r>
+              <a:rPr/>
+              <a:t>customer</a:t>
+            </a:r>
+            <a:r>
+              <a:rPr/>
+              <a:t> </a:t>
+            </a:r>
+            <a:r>
+              <a:rPr/>
+              <a:t>is</a:t>
+            </a:r>
+            <a:r>
+              <a:rPr/>
+              <a:t> </a:t>
+            </a:r>
+            <a:r>
+              <a:rPr/>
+              <a:t>seeing</a:t>
+            </a:r>
+          </a:p>
+        </p:txBody>
+      </p:sp>
+      <p:sp>
+        <p:nvSpPr>
+          <p:cNvPr id="3" name="Content Placeholder 2"/>
+          <p:cNvSpPr>
+            <a:spLocks noGrp="1"/>
+          </p:cNvSpPr>
+          <p:nvPr>
+            <p:ph idx="1"/>
+          </p:nvPr>
+        </p:nvSpPr>
+        <p:spPr/>
+        <p:txBody>
+          <a:bodyPr/>
+          <a:lstStyle/>
+          <a:p>
+            <a:pPr lvl="1"/>
+            <a:r>
+              <a:rPr/>
+              <a:t>use metric attributes to drill down to the subsystem</a:t>
+            </a:r>
+          </a:p>
+          <a:p>
+            <a:pPr lvl="1"/>
+            <a:r>
+              <a:rPr/>
+              <a:t>compare REDS metrics to what the customer is seeing</a:t>
+            </a:r>
+          </a:p>
+          <a:p>
+            <a:pPr lvl="1"/>
+            <a:r>
+              <a:rPr/>
+              <a:t>errors for instance will be above the baseline established previously if customers are seeing errors</a:t>
             </a:r>
           </a:p>
         </p:txBody>
@@ -3692,7 +4113,7 @@
             </a:pPr>
             <a:r>
               <a:rPr/>
-              <a:t>Metric</a:t>
+              <a:t>Separate</a:t>
             </a:r>
             <a:r>
               <a:rPr/>
@@ -3700,7 +4121,149 @@
             </a:r>
             <a:r>
               <a:rPr/>
-              <a:t>baselines</a:t>
+              <a:t>tracing</a:t>
+            </a:r>
+            <a:r>
+              <a:rPr/>
+              <a:t> </a:t>
+            </a:r>
+            <a:r>
+              <a:rPr/>
+              <a:t>from</a:t>
+            </a:r>
+            <a:r>
+              <a:rPr/>
+              <a:t> </a:t>
+            </a:r>
+            <a:r>
+              <a:rPr/>
+              <a:t>handling</a:t>
+            </a:r>
+          </a:p>
+        </p:txBody>
+      </p:sp>
+      <p:sp>
+        <p:nvSpPr>
+          <p:cNvPr id="3" name="Content Placeholder 2"/>
+          <p:cNvSpPr>
+            <a:spLocks noGrp="1"/>
+          </p:cNvSpPr>
+          <p:nvPr>
+            <p:ph idx="1"/>
+          </p:nvPr>
+        </p:nvSpPr>
+        <p:spPr/>
+        <p:txBody>
+          <a:bodyPr/>
+          <a:lstStyle/>
+          <a:p>
+            <a:pPr lvl="0" indent="0">
+              <a:buNone/>
+            </a:pPr>
+            <a:r>
+              <a:rPr>
+                <a:latin typeface="Courier"/>
+              </a:rPr>
+              <a:t>from opentelemetry import trace</a:t>
+            </a:r>
+            <a:br/>
+            <a:r>
+              <a:rPr>
+                <a:latin typeface="Courier"/>
+              </a:rPr>
+              <a:t>span </a:t>
+            </a:r>
+            <a:r>
+              <a:rPr>
+                <a:solidFill>
+                  <a:srgbClr val="666666"/>
+                </a:solidFill>
+                <a:latin typeface="Courier"/>
+              </a:rPr>
+              <a:t>=</a:t>
+            </a:r>
+            <a:r>
+              <a:rPr>
+                <a:latin typeface="Courier"/>
+              </a:rPr>
+              <a:t> trace.get_current_span()</a:t>
+            </a:r>
+            <a:br/>
+            <a:r>
+              <a:rPr b="1">
+                <a:solidFill>
+                  <a:srgbClr val="007020"/>
+                </a:solidFill>
+                <a:latin typeface="Courier"/>
+              </a:rPr>
+              <a:t>except</a:t>
+            </a:r>
+            <a:r>
+              <a:rPr>
+                <a:latin typeface="Courier"/>
+              </a:rPr>
+              <a:t> </a:t>
+            </a:r>
+            <a:r>
+              <a:rPr>
+                <a:solidFill>
+                  <a:srgbClr val="BC7A00"/>
+                </a:solidFill>
+                <a:latin typeface="Courier"/>
+              </a:rPr>
+              <a:t>ValueError</a:t>
+            </a:r>
+            <a:r>
+              <a:rPr>
+                <a:latin typeface="Courier"/>
+              </a:rPr>
+              <a:t> as exc:</a:t>
+            </a:r>
+            <a:br/>
+            <a:r>
+              <a:rPr>
+                <a:latin typeface="Courier"/>
+              </a:rPr>
+              <a:t>    </a:t>
+            </a:r>
+            <a:r>
+              <a:rPr i="1">
+                <a:solidFill>
+                  <a:srgbClr val="60A0B0"/>
+                </a:solidFill>
+                <a:latin typeface="Courier"/>
+              </a:rPr>
+              <a:t># Record the exception and update the span status.</a:t>
+            </a:r>
+            <a:br/>
+            <a:r>
+              <a:rPr>
+                <a:latin typeface="Courier"/>
+              </a:rPr>
+              <a:t>    span.record_exception(exc)</a:t>
+            </a:r>
+            <a:br/>
+            <a:r>
+              <a:rPr>
+                <a:latin typeface="Courier"/>
+              </a:rPr>
+              <a:t>    span.set_status(trace.Status(trace.StatusCode.ERROR, str(exc)))</a:t>
+            </a:r>
+            <a:br/>
+            <a:r>
+              <a:rPr>
+                <a:latin typeface="Courier"/>
+              </a:rPr>
+              <a:t>    </a:t>
+            </a:r>
+            <a:r>
+              <a:rPr b="1">
+                <a:solidFill>
+                  <a:srgbClr val="007020"/>
+                </a:solidFill>
+                <a:latin typeface="Courier"/>
+              </a:rPr>
+              <a:t>raise</a:t>
             </a:r>
           </a:p>
         </p:txBody>
@@ -3747,7 +4310,7 @@
             </a:pPr>
             <a:r>
               <a:rPr/>
-              <a:t>Supporting</a:t>
+              <a:t>Separate</a:t>
             </a:r>
             <a:r>
               <a:rPr/>
@@ -3755,7 +4318,391 @@
             </a:r>
             <a:r>
               <a:rPr/>
-              <a:t>Evidence</a:t>
+              <a:t>logging</a:t>
+            </a:r>
+            <a:r>
+              <a:rPr/>
+              <a:t> </a:t>
+            </a:r>
+            <a:r>
+              <a:rPr/>
+              <a:t>from</a:t>
+            </a:r>
+            <a:r>
+              <a:rPr/>
+              <a:t> </a:t>
+            </a:r>
+            <a:r>
+              <a:rPr/>
+              <a:t>handling</a:t>
+            </a:r>
+          </a:p>
+        </p:txBody>
+      </p:sp>
+      <p:sp>
+        <p:nvSpPr>
+          <p:cNvPr id="3" name="Content Placeholder 2"/>
+          <p:cNvSpPr>
+            <a:spLocks noGrp="1"/>
+          </p:cNvSpPr>
+          <p:nvPr>
+            <p:ph idx="1"/>
+          </p:nvPr>
+        </p:nvSpPr>
+        <p:spPr/>
+        <p:txBody>
+          <a:bodyPr/>
+          <a:lstStyle/>
+          <a:p>
+            <a:pPr lvl="0" indent="0">
+              <a:buNone/>
+            </a:pPr>
+            <a:r>
+              <a:rPr>
+                <a:latin typeface="Courier"/>
+              </a:rPr>
+              <a:t>import traceback</a:t>
+            </a:r>
+            <a:br/>
+            <a:r>
+              <a:rPr>
+                <a:latin typeface="Courier"/>
+              </a:rPr>
+              <a:t>import logging</a:t>
+            </a:r>
+            <a:br/>
+            <a:r>
+              <a:rPr>
+                <a:latin typeface="Courier"/>
+              </a:rPr>
+              <a:t>logging.basicConfig(level</a:t>
+            </a:r>
+            <a:r>
+              <a:rPr>
+                <a:solidFill>
+                  <a:srgbClr val="666666"/>
+                </a:solidFill>
+                <a:latin typeface="Courier"/>
+              </a:rPr>
+              <a:t>=</a:t>
+            </a:r>
+            <a:r>
+              <a:rPr>
+                <a:latin typeface="Courier"/>
+              </a:rPr>
+              <a:t>logging.INFO)</a:t>
+            </a:r>
+            <a:br/>
+            <a:r>
+              <a:rPr>
+                <a:latin typeface="Courier"/>
+              </a:rPr>
+              <a:t>logger </a:t>
+            </a:r>
+            <a:r>
+              <a:rPr>
+                <a:solidFill>
+                  <a:srgbClr val="666666"/>
+                </a:solidFill>
+                <a:latin typeface="Courier"/>
+              </a:rPr>
+              <a:t>=</a:t>
+            </a:r>
+            <a:r>
+              <a:rPr>
+                <a:latin typeface="Courier"/>
+              </a:rPr>
+              <a:t> logging.getLogger(</a:t>
+            </a:r>
+            <a:r>
+              <a:rPr>
+                <a:solidFill>
+                  <a:srgbClr val="19177C"/>
+                </a:solidFill>
+                <a:latin typeface="Courier"/>
+              </a:rPr>
+              <a:t>__name__</a:t>
+            </a:r>
+            <a:r>
+              <a:rPr>
+                <a:latin typeface="Courier"/>
+              </a:rPr>
+              <a:t>)</a:t>
+            </a:r>
+            <a:br/>
+            <a:r>
+              <a:rPr b="1">
+                <a:solidFill>
+                  <a:srgbClr val="007020"/>
+                </a:solidFill>
+                <a:latin typeface="Courier"/>
+              </a:rPr>
+              <a:t>try</a:t>
+            </a:r>
+            <a:r>
+              <a:rPr>
+                <a:latin typeface="Courier"/>
+              </a:rPr>
+              <a:t>:</a:t>
+            </a:r>
+            <a:br/>
+            <a:r>
+              <a:rPr>
+                <a:latin typeface="Courier"/>
+              </a:rPr>
+              <a:t>    do_something_that_might_error()</a:t>
+            </a:r>
+            <a:br/>
+            <a:r>
+              <a:rPr b="1">
+                <a:solidFill>
+                  <a:srgbClr val="007020"/>
+                </a:solidFill>
+                <a:latin typeface="Courier"/>
+              </a:rPr>
+              <a:t>except</a:t>
+            </a:r>
+            <a:r>
+              <a:rPr>
+                <a:latin typeface="Courier"/>
+              </a:rPr>
+              <a:t> </a:t>
+            </a:r>
+            <a:r>
+              <a:rPr>
+                <a:solidFill>
+                  <a:srgbClr val="BC7A00"/>
+                </a:solidFill>
+                <a:latin typeface="Courier"/>
+              </a:rPr>
+              <a:t>Exception</a:t>
+            </a:r>
+            <a:r>
+              <a:rPr>
+                <a:latin typeface="Courier"/>
+              </a:rPr>
+              <a:t> as error:</a:t>
+            </a:r>
+            <a:br/>
+            <a:r>
+              <a:rPr>
+                <a:latin typeface="Courier"/>
+              </a:rPr>
+              <a:t>    logger.debug(traceback.format_exc())</a:t>
+            </a:r>
+            <a:br/>
+            <a:r>
+              <a:rPr>
+                <a:latin typeface="Courier"/>
+              </a:rPr>
+              <a:t>    </a:t>
+            </a:r>
+            <a:r>
+              <a:rPr b="1">
+                <a:solidFill>
+                  <a:srgbClr val="007020"/>
+                </a:solidFill>
+                <a:latin typeface="Courier"/>
+              </a:rPr>
+              <a:t>raise</a:t>
+            </a:r>
+          </a:p>
+        </p:txBody>
+      </p:sp>
+    </p:spTree>
+  </p:cSld>
+</p:sld>
+</file>
+
+<file path=ppt/slides/slide9.xml><?xml version="1.0" encoding="utf-8"?>
+<p:sld xmlns:a="http://schemas.openxmlformats.org/drawingml/2006/main" xmlns:r="http://schemas.openxmlformats.org/officeDocument/2006/relationships" xmlns:p="http://schemas.openxmlformats.org/presentationml/2006/main">
+  <p:cSld>
+    <p:spTree>
+      <p:nvGrpSpPr>
+        <p:cNvPr id="1" name=""/>
+        <p:cNvGrpSpPr/>
+        <p:nvPr/>
+      </p:nvGrpSpPr>
+      <p:grpSpPr>
+        <a:xfrm>
+          <a:off x="0" y="0"/>
+          <a:ext cx="0" cy="0"/>
+          <a:chOff x="0" y="0"/>
+          <a:chExt cx="0" cy="0"/>
+        </a:xfrm>
+      </p:grpSpPr>
+      <p:sp>
+        <p:nvSpPr>
+          <p:cNvPr id="2" name="Title 1"/>
+          <p:cNvSpPr>
+            <a:spLocks noGrp="1"/>
+          </p:cNvSpPr>
+          <p:nvPr>
+            <p:ph type="title"/>
+          </p:nvPr>
+        </p:nvSpPr>
+        <p:spPr/>
+        <p:txBody>
+          <a:bodyPr/>
+          <a:lstStyle/>
+          <a:p>
+            <a:pPr lvl="0" marL="0" indent="0">
+              <a:buNone/>
+            </a:pPr>
+            <a:r>
+              <a:rPr/>
+              <a:t>Separate</a:t>
+            </a:r>
+            <a:r>
+              <a:rPr/>
+              <a:t> </a:t>
+            </a:r>
+            <a:r>
+              <a:rPr/>
+              <a:t>Metric</a:t>
+            </a:r>
+            <a:r>
+              <a:rPr/>
+              <a:t> </a:t>
+            </a:r>
+            <a:r>
+              <a:rPr/>
+              <a:t>from</a:t>
+            </a:r>
+            <a:r>
+              <a:rPr/>
+              <a:t> </a:t>
+            </a:r>
+            <a:r>
+              <a:rPr/>
+              <a:t>handling</a:t>
+            </a:r>
+          </a:p>
+        </p:txBody>
+      </p:sp>
+      <p:sp>
+        <p:nvSpPr>
+          <p:cNvPr id="3" name="Content Placeholder 2"/>
+          <p:cNvSpPr>
+            <a:spLocks noGrp="1"/>
+          </p:cNvSpPr>
+          <p:nvPr>
+            <p:ph idx="1"/>
+          </p:nvPr>
+        </p:nvSpPr>
+        <p:spPr/>
+        <p:txBody>
+          <a:bodyPr/>
+          <a:lstStyle/>
+          <a:p>
+            <a:pPr lvl="0" indent="0">
+              <a:buNone/>
+            </a:pPr>
+            <a:r>
+              <a:rPr b="1">
+                <a:solidFill>
+                  <a:srgbClr val="007020"/>
+                </a:solidFill>
+                <a:latin typeface="Courier"/>
+              </a:rPr>
+              <a:t>try</a:t>
+            </a:r>
+            <a:r>
+              <a:rPr>
+                <a:latin typeface="Courier"/>
+              </a:rPr>
+              <a:t>:</a:t>
+            </a:r>
+            <a:br/>
+            <a:r>
+              <a:rPr>
+                <a:latin typeface="Courier"/>
+              </a:rPr>
+              <a:t>    do_something_that_might_error()</a:t>
+            </a:r>
+            <a:br/>
+            <a:r>
+              <a:rPr b="1">
+                <a:solidFill>
+                  <a:srgbClr val="007020"/>
+                </a:solidFill>
+                <a:latin typeface="Courier"/>
+              </a:rPr>
+              <a:t>except</a:t>
+            </a:r>
+            <a:r>
+              <a:rPr>
+                <a:latin typeface="Courier"/>
+              </a:rPr>
+              <a:t>:</a:t>
+            </a:r>
+            <a:br/>
+            <a:r>
+              <a:rPr>
+                <a:latin typeface="Courier"/>
+              </a:rPr>
+              <a:t>    error_counter.add(</a:t>
+            </a:r>
+            <a:r>
+              <a:rPr>
+                <a:solidFill>
+                  <a:srgbClr val="40A070"/>
+                </a:solidFill>
+                <a:latin typeface="Courier"/>
+              </a:rPr>
+              <a:t>1</a:t>
+            </a:r>
+            <a:r>
+              <a:rPr>
+                <a:latin typeface="Courier"/>
+              </a:rPr>
+              <a:t>, {</a:t>
+            </a:r>
+            <a:r>
+              <a:rPr>
+                <a:solidFill>
+                  <a:srgbClr val="4070A0"/>
+                </a:solidFill>
+                <a:latin typeface="Courier"/>
+              </a:rPr>
+              <a:t>"error.module"</a:t>
+            </a:r>
+            <a:r>
+              <a:rPr>
+                <a:latin typeface="Courier"/>
+              </a:rPr>
+              <a:t>: </a:t>
+            </a:r>
+            <a:r>
+              <a:rPr>
+                <a:solidFill>
+                  <a:srgbClr val="19177C"/>
+                </a:solidFill>
+                <a:latin typeface="Courier"/>
+              </a:rPr>
+              <a:t>__name__</a:t>
+            </a:r>
+            <a:r>
+              <a:rPr>
+                <a:latin typeface="Courier"/>
+              </a:rPr>
+              <a:t>})</a:t>
+            </a:r>
+            <a:br/>
+            <a:r>
+              <a:rPr>
+                <a:latin typeface="Courier"/>
+              </a:rPr>
+              <a:t>    </a:t>
+            </a:r>
+            <a:r>
+              <a:rPr b="1">
+                <a:solidFill>
+                  <a:srgbClr val="007020"/>
+                </a:solidFill>
+                <a:latin typeface="Courier"/>
+              </a:rPr>
+              <a:t>raise</a:t>
             </a:r>
           </a:p>
         </p:txBody>

--- a/monolith_analysis/slides.pptx
+++ b/monolith_analysis/slides.pptx
@@ -17,6 +17,7 @@
     <p:sldId id="265" r:id="rId11"/>
     <p:sldId id="266" r:id="rId12"/>
     <p:sldId id="267" r:id="rId13"/>
+    <p:sldId id="268" r:id="rId14"/>
   </p:sldIdLst>
   <p:sldSz cx="9144000" cy="6858000" type="screen4x3"/>
   <p:notesSz cx="6858000" cy="9144000"/>
@@ -3406,15 +3407,57 @@
             </a:pPr>
             <a:r>
               <a:rPr/>
-              <a:t>Metric</a:t>
-            </a:r>
-            <a:r>
-              <a:rPr/>
-              <a:t> </a:t>
-            </a:r>
-            <a:r>
-              <a:rPr/>
-              <a:t>baselines</a:t>
+              <a:t>Alerts</a:t>
+            </a:r>
+          </a:p>
+        </p:txBody>
+      </p:sp>
+      <p:sp>
+        <p:nvSpPr>
+          <p:cNvPr id="3" name="Content Placeholder 2"/>
+          <p:cNvSpPr>
+            <a:spLocks noGrp="1"/>
+          </p:cNvSpPr>
+          <p:nvPr>
+            <p:ph idx="1"/>
+          </p:nvPr>
+        </p:nvSpPr>
+        <p:spPr/>
+        <p:txBody>
+          <a:bodyPr/>
+          <a:lstStyle/>
+          <a:p>
+            <a:pPr lvl="1"/>
+            <a:r>
+              <a:rPr/>
+              <a:t>we use baselines to see if things have changed from when the system was put into production</a:t>
+            </a:r>
+          </a:p>
+          <a:p>
+            <a:pPr lvl="1"/>
+            <a:r>
+              <a:rPr/>
+              <a:t>once we have a baseline we can establish thresholds for alerts</a:t>
+            </a:r>
+          </a:p>
+          <a:p>
+            <a:pPr lvl="1"/>
+            <a:r>
+              <a:rPr/>
+              <a:t>Alerts are emmitted based on rules in the exporter that gets metrics</a:t>
+            </a:r>
+          </a:p>
+          <a:p>
+            <a:pPr lvl="1"/>
+            <a:r>
+              <a:rPr>
+                <a:latin typeface="Courier"/>
+              </a:rPr>
+              <a:t>(sum(rate(http_requests_total{status="500"}[5m])) / sum(rate(http_requests_total[5m]))) &gt; 0.05</a:t>
+            </a:r>
+            <a:r>
+              <a:rPr/>
+              <a:t> (prometheus promql)</a:t>
             </a:r>
           </a:p>
         </p:txBody>
@@ -3425,6 +3468,374 @@
 </file>
 
 <file path=ppt/slides/slide12.xml><?xml version="1.0" encoding="utf-8"?>
+<p:sld xmlns:a="http://schemas.openxmlformats.org/drawingml/2006/main" xmlns:r="http://schemas.openxmlformats.org/officeDocument/2006/relationships" xmlns:p="http://schemas.openxmlformats.org/presentationml/2006/main">
+  <p:cSld>
+    <p:spTree>
+      <p:nvGrpSpPr>
+        <p:cNvPr id="1" name=""/>
+        <p:cNvGrpSpPr/>
+        <p:nvPr/>
+      </p:nvGrpSpPr>
+      <p:grpSpPr>
+        <a:xfrm>
+          <a:off x="0" y="0"/>
+          <a:ext cx="0" cy="0"/>
+          <a:chOff x="0" y="0"/>
+          <a:chExt cx="0" cy="0"/>
+        </a:xfrm>
+      </p:grpSpPr>
+      <p:sp>
+        <p:nvSpPr>
+          <p:cNvPr id="2" name="Title 1"/>
+          <p:cNvSpPr>
+            <a:spLocks noGrp="1"/>
+          </p:cNvSpPr>
+          <p:nvPr>
+            <p:ph type="title"/>
+          </p:nvPr>
+        </p:nvSpPr>
+        <p:spPr/>
+        <p:txBody>
+          <a:bodyPr/>
+          <a:lstStyle/>
+          <a:p>
+            <a:pPr lvl="0" marL="0" indent="0">
+              <a:buNone/>
+            </a:pPr>
+            <a:r>
+              <a:rPr/>
+              <a:t>An</a:t>
+            </a:r>
+            <a:r>
+              <a:rPr/>
+              <a:t> </a:t>
+            </a:r>
+            <a:r>
+              <a:rPr/>
+              <a:t>alert</a:t>
+            </a:r>
+            <a:r>
+              <a:rPr/>
+              <a:t> </a:t>
+            </a:r>
+            <a:r>
+              <a:rPr/>
+              <a:t>is</a:t>
+            </a:r>
+            <a:r>
+              <a:rPr/>
+              <a:t> </a:t>
+            </a:r>
+            <a:r>
+              <a:rPr/>
+              <a:t>defined</a:t>
+            </a:r>
+            <a:r>
+              <a:rPr/>
+              <a:t> </a:t>
+            </a:r>
+            <a:r>
+              <a:rPr/>
+              <a:t>in</a:t>
+            </a:r>
+            <a:r>
+              <a:rPr/>
+              <a:t> </a:t>
+            </a:r>
+            <a:r>
+              <a:rPr/>
+              <a:t>the</a:t>
+            </a:r>
+            <a:r>
+              <a:rPr/>
+              <a:t> </a:t>
+            </a:r>
+            <a:r>
+              <a:rPr>
+                <a:latin typeface="Courier"/>
+              </a:rPr>
+              <a:t>prometheus.yaml</a:t>
+            </a:r>
+          </a:p>
+        </p:txBody>
+      </p:sp>
+      <p:sp>
+        <p:nvSpPr>
+          <p:cNvPr id="3" name="Content Placeholder 2"/>
+          <p:cNvSpPr>
+            <a:spLocks noGrp="1"/>
+          </p:cNvSpPr>
+          <p:nvPr>
+            <p:ph idx="1"/>
+          </p:nvPr>
+        </p:nvSpPr>
+        <p:spPr/>
+        <p:txBody>
+          <a:bodyPr/>
+          <a:lstStyle/>
+          <a:p>
+            <a:pPr lvl="0" indent="0">
+              <a:buNone/>
+            </a:pPr>
+            <a:r>
+              <a:rPr b="1">
+                <a:solidFill>
+                  <a:srgbClr val="007020"/>
+                </a:solidFill>
+                <a:latin typeface="Courier"/>
+              </a:rPr>
+              <a:t>-</a:t>
+            </a:r>
+            <a:r>
+              <a:rPr>
+                <a:solidFill>
+                  <a:srgbClr val="7D9029"/>
+                </a:solidFill>
+                <a:latin typeface="Courier"/>
+              </a:rPr>
+              <a:t> </a:t>
+            </a:r>
+            <a:r>
+              <a:rPr>
+                <a:solidFill>
+                  <a:srgbClr val="06287E"/>
+                </a:solidFill>
+                <a:latin typeface="Courier"/>
+              </a:rPr>
+              <a:t>alert</a:t>
+            </a:r>
+            <a:r>
+              <a:rPr b="1">
+                <a:solidFill>
+                  <a:srgbClr val="007020"/>
+                </a:solidFill>
+                <a:latin typeface="Courier"/>
+              </a:rPr>
+              <a:t>:</a:t>
+            </a:r>
+            <a:r>
+              <a:rPr>
+                <a:solidFill>
+                  <a:srgbClr val="7D9029"/>
+                </a:solidFill>
+                <a:latin typeface="Courier"/>
+              </a:rPr>
+              <a:t> HighRequestErrorRate</a:t>
+            </a:r>
+            <a:br/>
+            <a:r>
+              <a:rPr>
+                <a:solidFill>
+                  <a:srgbClr val="06287E"/>
+                </a:solidFill>
+                <a:latin typeface="Courier"/>
+              </a:rPr>
+              <a:t>expr</a:t>
+            </a:r>
+            <a:r>
+              <a:rPr b="1">
+                <a:solidFill>
+                  <a:srgbClr val="007020"/>
+                </a:solidFill>
+                <a:latin typeface="Courier"/>
+              </a:rPr>
+              <a:t>:</a:t>
+            </a:r>
+            <a:r>
+              <a:rPr>
+                <a:solidFill>
+                  <a:srgbClr val="7D9029"/>
+                </a:solidFill>
+                <a:latin typeface="Courier"/>
+              </a:rPr>
+              <a:t> (see above)</a:t>
+            </a:r>
+            <a:br/>
+            <a:r>
+              <a:rPr>
+                <a:solidFill>
+                  <a:srgbClr val="06287E"/>
+                </a:solidFill>
+                <a:latin typeface="Courier"/>
+              </a:rPr>
+              <a:t>for</a:t>
+            </a:r>
+            <a:r>
+              <a:rPr b="1">
+                <a:solidFill>
+                  <a:srgbClr val="007020"/>
+                </a:solidFill>
+                <a:latin typeface="Courier"/>
+              </a:rPr>
+              <a:t>:</a:t>
+            </a:r>
+            <a:r>
+              <a:rPr>
+                <a:solidFill>
+                  <a:srgbClr val="7D9029"/>
+                </a:solidFill>
+                <a:latin typeface="Courier"/>
+              </a:rPr>
+              <a:t> 5m</a:t>
+            </a:r>
+            <a:br/>
+            <a:r>
+              <a:rPr>
+                <a:solidFill>
+                  <a:srgbClr val="06287E"/>
+                </a:solidFill>
+                <a:latin typeface="Courier"/>
+              </a:rPr>
+              <a:t>labels</a:t>
+            </a:r>
+            <a:r>
+              <a:rPr b="1">
+                <a:solidFill>
+                  <a:srgbClr val="007020"/>
+                </a:solidFill>
+                <a:latin typeface="Courier"/>
+              </a:rPr>
+              <a:t>:</a:t>
+            </a:r>
+            <a:br/>
+            <a:r>
+              <a:rPr>
+                <a:solidFill>
+                  <a:srgbClr val="7D9029"/>
+                </a:solidFill>
+                <a:latin typeface="Courier"/>
+              </a:rPr>
+              <a:t>    </a:t>
+            </a:r>
+            <a:r>
+              <a:rPr>
+                <a:solidFill>
+                  <a:srgbClr val="06287E"/>
+                </a:solidFill>
+                <a:latin typeface="Courier"/>
+              </a:rPr>
+              <a:t>severity</a:t>
+            </a:r>
+            <a:r>
+              <a:rPr b="1">
+                <a:solidFill>
+                  <a:srgbClr val="007020"/>
+                </a:solidFill>
+                <a:latin typeface="Courier"/>
+              </a:rPr>
+              <a:t>:</a:t>
+            </a:r>
+            <a:r>
+              <a:rPr>
+                <a:solidFill>
+                  <a:srgbClr val="7D9029"/>
+                </a:solidFill>
+                <a:latin typeface="Courier"/>
+              </a:rPr>
+              <a:t> critical</a:t>
+            </a:r>
+            <a:br/>
+            <a:r>
+              <a:rPr>
+                <a:solidFill>
+                  <a:srgbClr val="06287E"/>
+                </a:solidFill>
+                <a:latin typeface="Courier"/>
+              </a:rPr>
+              <a:t>annotations</a:t>
+            </a:r>
+            <a:r>
+              <a:rPr b="1">
+                <a:solidFill>
+                  <a:srgbClr val="007020"/>
+                </a:solidFill>
+                <a:latin typeface="Courier"/>
+              </a:rPr>
+              <a:t>:</a:t>
+            </a:r>
+            <a:br/>
+            <a:r>
+              <a:rPr>
+                <a:solidFill>
+                  <a:srgbClr val="7D9029"/>
+                </a:solidFill>
+                <a:latin typeface="Courier"/>
+              </a:rPr>
+              <a:t>    </a:t>
+            </a:r>
+            <a:r>
+              <a:rPr>
+                <a:solidFill>
+                  <a:srgbClr val="06287E"/>
+                </a:solidFill>
+                <a:latin typeface="Courier"/>
+              </a:rPr>
+              <a:t>summary</a:t>
+            </a:r>
+            <a:r>
+              <a:rPr b="1">
+                <a:solidFill>
+                  <a:srgbClr val="007020"/>
+                </a:solidFill>
+                <a:latin typeface="Courier"/>
+              </a:rPr>
+              <a:t>:</a:t>
+            </a:r>
+            <a:r>
+              <a:rPr>
+                <a:solidFill>
+                  <a:srgbClr val="7D9029"/>
+                </a:solidFill>
+                <a:latin typeface="Courier"/>
+              </a:rPr>
+              <a:t> High request error rate</a:t>
+            </a:r>
+            <a:br/>
+            <a:r>
+              <a:rPr>
+                <a:solidFill>
+                  <a:srgbClr val="7D9029"/>
+                </a:solidFill>
+                <a:latin typeface="Courier"/>
+              </a:rPr>
+              <a:t>    </a:t>
+            </a:r>
+            <a:r>
+              <a:rPr>
+                <a:solidFill>
+                  <a:srgbClr val="06287E"/>
+                </a:solidFill>
+                <a:latin typeface="Courier"/>
+              </a:rPr>
+              <a:t>description</a:t>
+            </a:r>
+            <a:r>
+              <a:rPr b="1">
+                <a:solidFill>
+                  <a:srgbClr val="007020"/>
+                </a:solidFill>
+                <a:latin typeface="Courier"/>
+              </a:rPr>
+              <a:t>:</a:t>
+            </a:r>
+            <a:r>
+              <a:rPr>
+                <a:solidFill>
+                  <a:srgbClr val="7D9029"/>
+                </a:solidFill>
+                <a:latin typeface="Courier"/>
+              </a:rPr>
+              <a:t> HTTP errors have exceeded 5% for 5 minutes.</a:t>
+            </a:r>
+          </a:p>
+        </p:txBody>
+      </p:sp>
+    </p:spTree>
+  </p:cSld>
+</p:sld>
+</file>
+
+<file path=ppt/slides/slide13.xml><?xml version="1.0" encoding="utf-8"?>
 <p:sld xmlns:a="http://schemas.openxmlformats.org/drawingml/2006/main" xmlns:r="http://schemas.openxmlformats.org/officeDocument/2006/relationships" xmlns:p="http://schemas.openxmlformats.org/presentationml/2006/main">
   <p:cSld>
     <p:spTree>

--- a/monolith_analysis/slides.pptx
+++ b/monolith_analysis/slides.pptx
@@ -18,6 +18,8 @@
     <p:sldId id="266" r:id="rId12"/>
     <p:sldId id="267" r:id="rId13"/>
     <p:sldId id="268" r:id="rId14"/>
+    <p:sldId id="269" r:id="rId15"/>
+    <p:sldId id="270" r:id="rId16"/>
   </p:sldIdLst>
   <p:sldSz cx="9144000" cy="6858000" type="screen4x3"/>
   <p:notesSz cx="6858000" cy="9144000"/>
@@ -3881,6 +3883,255 @@
             <a:r>
               <a:rPr/>
               <a:t>Evidence</a:t>
+            </a:r>
+          </a:p>
+        </p:txBody>
+      </p:sp>
+      <p:sp>
+        <p:nvSpPr>
+          <p:cNvPr id="3" name="Content Placeholder 2"/>
+          <p:cNvSpPr>
+            <a:spLocks noGrp="1"/>
+          </p:cNvSpPr>
+          <p:nvPr>
+            <p:ph idx="1"/>
+          </p:nvPr>
+        </p:nvSpPr>
+        <p:spPr/>
+        <p:txBody>
+          <a:bodyPr/>
+          <a:lstStyle/>
+          <a:p>
+            <a:pPr lvl="1"/>
+            <a:r>
+              <a:rPr/>
+              <a:t>make a proportional response to customer problems</a:t>
+            </a:r>
+          </a:p>
+          <a:p>
+            <a:pPr lvl="1"/>
+            <a:r>
+              <a:rPr/>
+              <a:t>fix greatest risk first</a:t>
+            </a:r>
+          </a:p>
+          <a:p>
+            <a:pPr lvl="1"/>
+            <a:r>
+              <a:rPr/>
+              <a:t>risk = probability x impact</a:t>
+            </a:r>
+          </a:p>
+          <a:p>
+            <a:pPr lvl="1"/>
+            <a:r>
+              <a:rPr/>
+              <a:t>can assess the relative probability of the problem by comparing error metrics</a:t>
+            </a:r>
+          </a:p>
+        </p:txBody>
+      </p:sp>
+    </p:spTree>
+  </p:cSld>
+</p:sld>
+</file>
+
+<file path=ppt/slides/slide14.xml><?xml version="1.0" encoding="utf-8"?>
+<p:sld xmlns:a="http://schemas.openxmlformats.org/drawingml/2006/main" xmlns:r="http://schemas.openxmlformats.org/officeDocument/2006/relationships" xmlns:p="http://schemas.openxmlformats.org/presentationml/2006/main">
+  <p:cSld>
+    <p:spTree>
+      <p:nvGrpSpPr>
+        <p:cNvPr id="1" name=""/>
+        <p:cNvGrpSpPr/>
+        <p:nvPr/>
+      </p:nvGrpSpPr>
+      <p:grpSpPr>
+        <a:xfrm>
+          <a:off x="0" y="0"/>
+          <a:ext cx="0" cy="0"/>
+          <a:chOff x="0" y="0"/>
+          <a:chExt cx="0" cy="0"/>
+        </a:xfrm>
+      </p:grpSpPr>
+      <p:sp>
+        <p:nvSpPr>
+          <p:cNvPr id="2" name="Title 1"/>
+          <p:cNvSpPr>
+            <a:spLocks noGrp="1"/>
+          </p:cNvSpPr>
+          <p:nvPr>
+            <p:ph type="title"/>
+          </p:nvPr>
+        </p:nvSpPr>
+        <p:spPr/>
+        <p:txBody>
+          <a:bodyPr/>
+          <a:lstStyle/>
+          <a:p>
+            <a:pPr lvl="0" marL="0" indent="0">
+              <a:buNone/>
+            </a:pPr>
+            <a:r>
+              <a:rPr/>
+              <a:t>Impact</a:t>
+            </a:r>
+            <a:r>
+              <a:rPr/>
+              <a:t> </a:t>
+            </a:r>
+            <a:r>
+              <a:rPr/>
+              <a:t>is</a:t>
+            </a:r>
+            <a:r>
+              <a:rPr/>
+              <a:t> </a:t>
+            </a:r>
+            <a:r>
+              <a:rPr/>
+              <a:t>trickier</a:t>
+            </a:r>
+          </a:p>
+        </p:txBody>
+      </p:sp>
+      <p:sp>
+        <p:nvSpPr>
+          <p:cNvPr id="3" name="Content Placeholder 2"/>
+          <p:cNvSpPr>
+            <a:spLocks noGrp="1"/>
+          </p:cNvSpPr>
+          <p:nvPr>
+            <p:ph idx="1"/>
+          </p:nvPr>
+        </p:nvSpPr>
+        <p:spPr/>
+        <p:txBody>
+          <a:bodyPr/>
+          <a:lstStyle/>
+          <a:p>
+            <a:pPr lvl="1"/>
+            <a:r>
+              <a:rPr/>
+              <a:t>customer will often have an opinion about how the problem is impacting them</a:t>
+            </a:r>
+          </a:p>
+          <a:p>
+            <a:pPr lvl="1"/>
+            <a:r>
+              <a:rPr/>
+              <a:t>ideally we have KPI/metrics that can quantify the impact of a problem</a:t>
+            </a:r>
+          </a:p>
+          <a:p>
+            <a:pPr lvl="1"/>
+            <a:r>
+              <a:rPr/>
+              <a:t>in the spirit of devops we should adjust KPIs based on problems we encounter and resolve</a:t>
+            </a:r>
+          </a:p>
+          <a:p>
+            <a:pPr lvl="1"/>
+            <a:r>
+              <a:rPr/>
+              <a:t>KPIs must be understandable to the customer so that if the problem recurs we have a way of helping the customer to understand the impact.</a:t>
+            </a:r>
+          </a:p>
+        </p:txBody>
+      </p:sp>
+    </p:spTree>
+  </p:cSld>
+</p:sld>
+</file>
+
+<file path=ppt/slides/slide15.xml><?xml version="1.0" encoding="utf-8"?>
+<p:sld xmlns:a="http://schemas.openxmlformats.org/drawingml/2006/main" xmlns:r="http://schemas.openxmlformats.org/officeDocument/2006/relationships" xmlns:p="http://schemas.openxmlformats.org/presentationml/2006/main">
+  <p:cSld>
+    <p:spTree>
+      <p:nvGrpSpPr>
+        <p:cNvPr id="1" name=""/>
+        <p:cNvGrpSpPr/>
+        <p:nvPr/>
+      </p:nvGrpSpPr>
+      <p:grpSpPr>
+        <a:xfrm>
+          <a:off x="0" y="0"/>
+          <a:ext cx="0" cy="0"/>
+          <a:chOff x="0" y="0"/>
+          <a:chExt cx="0" cy="0"/>
+        </a:xfrm>
+      </p:grpSpPr>
+      <p:sp>
+        <p:nvSpPr>
+          <p:cNvPr id="2" name="Title 1"/>
+          <p:cNvSpPr>
+            <a:spLocks noGrp="1"/>
+          </p:cNvSpPr>
+          <p:nvPr>
+            <p:ph type="title"/>
+          </p:nvPr>
+        </p:nvSpPr>
+        <p:spPr/>
+        <p:txBody>
+          <a:bodyPr/>
+          <a:lstStyle/>
+          <a:p>
+            <a:pPr lvl="0" marL="0" indent="0">
+              <a:buNone/>
+            </a:pPr>
+            <a:r>
+              <a:rPr/>
+              <a:t>Conclusion</a:t>
+            </a:r>
+          </a:p>
+        </p:txBody>
+      </p:sp>
+      <p:sp>
+        <p:nvSpPr>
+          <p:cNvPr id="3" name="Content Placeholder 2"/>
+          <p:cNvSpPr>
+            <a:spLocks noGrp="1"/>
+          </p:cNvSpPr>
+          <p:nvPr>
+            <p:ph idx="1"/>
+          </p:nvPr>
+        </p:nvSpPr>
+        <p:spPr/>
+        <p:txBody>
+          <a:bodyPr/>
+          <a:lstStyle/>
+          <a:p>
+            <a:pPr lvl="1"/>
+            <a:r>
+              <a:rPr/>
+              <a:t>didn’t get as far with analysis as I had hoped</a:t>
+            </a:r>
+          </a:p>
+          <a:p>
+            <a:pPr lvl="1"/>
+            <a:r>
+              <a:rPr/>
+              <a:t>planning on introducing Thanos for analysis as it writes to S3 bucket for inexpensive storage</a:t>
+            </a:r>
+          </a:p>
+          <a:p>
+            <a:pPr lvl="1"/>
+            <a:r>
+              <a:rPr/>
+              <a:t>failed this week trying to use terraform with localstack because of a dumb mistake</a:t>
+            </a:r>
+          </a:p>
+          <a:p>
+            <a:pPr lvl="1"/>
+            <a:r>
+              <a:rPr/>
+              <a:t>more to come</a:t>
+            </a:r>
+          </a:p>
+          <a:p>
+            <a:pPr lvl="1"/>
+            <a:r>
+              <a:rPr/>
+              <a:t>good luck on assignment and midterm</a:t>
             </a:r>
           </a:p>
         </p:txBody>

--- a/monolith_analysis/slides.pptx
+++ b/monolith_analysis/slides.pptx
@@ -20,6 +20,7 @@
     <p:sldId id="268" r:id="rId14"/>
     <p:sldId id="269" r:id="rId15"/>
     <p:sldId id="270" r:id="rId16"/>
+    <p:sldId id="271" r:id="rId17"/>
   </p:sldIdLst>
   <p:sldSz cx="9144000" cy="6858000" type="screen4x3"/>
   <p:notesSz cx="6858000" cy="9144000"/>
@@ -3257,7 +3258,7 @@
             </a:pPr>
             <a:r>
               <a:rPr/>
-              <a:t>Always</a:t>
+              <a:t>Separate</a:t>
             </a:r>
             <a:r>
               <a:rPr/>
@@ -3265,7 +3266,7 @@
             </a:r>
             <a:r>
               <a:rPr/>
-              <a:t>remember</a:t>
+              <a:t>Metric</a:t>
             </a:r>
             <a:r>
               <a:rPr/>
@@ -3273,7 +3274,7 @@
             </a:r>
             <a:r>
               <a:rPr/>
-              <a:t>to</a:t>
+              <a:t>from</a:t>
             </a:r>
             <a:r>
               <a:rPr/>
@@ -3281,88 +3282,134 @@
             </a:r>
             <a:r>
               <a:rPr/>
+              <a:t>handling</a:t>
+            </a:r>
+          </a:p>
+        </p:txBody>
+      </p:sp>
+      <p:sp>
+        <p:nvSpPr>
+          <p:cNvPr id="3" name="Content Placeholder 2"/>
+          <p:cNvSpPr>
+            <a:spLocks noGrp="1"/>
+          </p:cNvSpPr>
+          <p:nvPr>
+            <p:ph idx="1"/>
+          </p:nvPr>
+        </p:nvSpPr>
+        <p:spPr/>
+        <p:txBody>
+          <a:bodyPr/>
+          <a:lstStyle/>
+          <a:p>
+            <a:pPr lvl="0" indent="0">
+              <a:buNone/>
+            </a:pPr>
+            <a:r>
+              <a:rPr b="1">
+                <a:solidFill>
+                  <a:srgbClr val="007020"/>
+                </a:solidFill>
+                <a:latin typeface="Courier"/>
+              </a:rPr>
+              <a:t>try</a:t>
+            </a:r>
+            <a:r>
+              <a:rPr>
+                <a:latin typeface="Courier"/>
+              </a:rPr>
+              <a:t>:</a:t>
+            </a:r>
+            <a:br/>
+            <a:r>
+              <a:rPr>
+                <a:latin typeface="Courier"/>
+              </a:rPr>
+              <a:t>    do_something_that_might_error()</a:t>
+            </a:r>
+            <a:br/>
+            <a:r>
+              <a:rPr b="1">
+                <a:solidFill>
+                  <a:srgbClr val="007020"/>
+                </a:solidFill>
+                <a:latin typeface="Courier"/>
+              </a:rPr>
+              <a:t>except</a:t>
+            </a:r>
+            <a:r>
+              <a:rPr>
+                <a:latin typeface="Courier"/>
+              </a:rPr>
+              <a:t>:</a:t>
+            </a:r>
+            <a:br/>
+            <a:r>
+              <a:rPr>
+                <a:latin typeface="Courier"/>
+              </a:rPr>
+              <a:t>    error_counter.add(</a:t>
+            </a:r>
+            <a:r>
+              <a:rPr>
+                <a:solidFill>
+                  <a:srgbClr val="40A070"/>
+                </a:solidFill>
+                <a:latin typeface="Courier"/>
+              </a:rPr>
+              <a:t>1</a:t>
+            </a:r>
+            <a:r>
+              <a:rPr>
+                <a:latin typeface="Courier"/>
+              </a:rPr>
+              <a:t>, {</a:t>
+            </a:r>
+            <a:r>
+              <a:rPr>
+                <a:solidFill>
+                  <a:srgbClr val="4070A0"/>
+                </a:solidFill>
+                <a:latin typeface="Courier"/>
+              </a:rPr>
+              <a:t>"error.module"</a:t>
+            </a:r>
+            <a:r>
+              <a:rPr>
+                <a:latin typeface="Courier"/>
+              </a:rPr>
+              <a:t>: </a:t>
+            </a:r>
+            <a:r>
+              <a:rPr>
+                <a:solidFill>
+                  <a:srgbClr val="19177C"/>
+                </a:solidFill>
+                <a:latin typeface="Courier"/>
+              </a:rPr>
+              <a:t>__name__</a:t>
+            </a:r>
+            <a:r>
+              <a:rPr>
+                <a:latin typeface="Courier"/>
+              </a:rPr>
+              <a:t>})</a:t>
+            </a:r>
+            <a:br/>
+            <a:r>
+              <a:rPr>
+                <a:latin typeface="Courier"/>
+              </a:rPr>
+              <a:t>    </a:t>
+            </a:r>
+            <a:r>
+              <a:rPr b="1">
+                <a:solidFill>
+                  <a:srgbClr val="007020"/>
+                </a:solidFill>
+                <a:latin typeface="Courier"/>
+              </a:rPr>
               <a:t>raise</a:t>
-            </a:r>
-          </a:p>
-        </p:txBody>
-      </p:sp>
-      <p:sp>
-        <p:nvSpPr>
-          <p:cNvPr id="3" name="Content Placeholder 2"/>
-          <p:cNvSpPr>
-            <a:spLocks noGrp="1"/>
-          </p:cNvSpPr>
-          <p:nvPr>
-            <p:ph idx="1"/>
-          </p:nvPr>
-        </p:nvSpPr>
-        <p:spPr/>
-        <p:txBody>
-          <a:bodyPr/>
-          <a:lstStyle/>
-          <a:p>
-            <a:pPr lvl="0" indent="0">
-              <a:buNone/>
-            </a:pPr>
-            <a:r>
-              <a:rPr b="1">
-                <a:solidFill>
-                  <a:srgbClr val="007020"/>
-                </a:solidFill>
-                <a:latin typeface="Courier"/>
-              </a:rPr>
-              <a:t>except</a:t>
-            </a:r>
-            <a:r>
-              <a:rPr>
-                <a:latin typeface="Courier"/>
-              </a:rPr>
-              <a:t> </a:t>
-            </a:r>
-            <a:r>
-              <a:rPr>
-                <a:solidFill>
-                  <a:srgbClr val="BC7A00"/>
-                </a:solidFill>
-                <a:latin typeface="Courier"/>
-              </a:rPr>
-              <a:t>ValueError</a:t>
-            </a:r>
-            <a:r>
-              <a:rPr>
-                <a:latin typeface="Courier"/>
-              </a:rPr>
-              <a:t> as exc:</a:t>
-            </a:r>
-            <a:br/>
-            <a:r>
-              <a:rPr>
-                <a:latin typeface="Courier"/>
-              </a:rPr>
-              <a:t>    ...</a:t>
-            </a:r>
-            <a:br/>
-            <a:r>
-              <a:rPr>
-                <a:latin typeface="Courier"/>
-              </a:rPr>
-              <a:t>    </a:t>
-            </a:r>
-            <a:r>
-              <a:rPr b="1">
-                <a:solidFill>
-                  <a:srgbClr val="007020"/>
-                </a:solidFill>
-                <a:latin typeface="Courier"/>
-              </a:rPr>
-              <a:t>raise</a:t>
-            </a:r>
-          </a:p>
-          <a:p>
-            <a:pPr lvl="1"/>
-            <a:r>
-              <a:rPr/>
-              <a:t>critical so that the calling app can deal with the exception</a:t>
             </a:r>
           </a:p>
         </p:txBody>
@@ -3409,7 +3456,31 @@
             </a:pPr>
             <a:r>
               <a:rPr/>
-              <a:t>Alerts</a:t>
+              <a:t>Always</a:t>
+            </a:r>
+            <a:r>
+              <a:rPr/>
+              <a:t> </a:t>
+            </a:r>
+            <a:r>
+              <a:rPr/>
+              <a:t>remember</a:t>
+            </a:r>
+            <a:r>
+              <a:rPr/>
+              <a:t> </a:t>
+            </a:r>
+            <a:r>
+              <a:rPr/>
+              <a:t>to</a:t>
+            </a:r>
+            <a:r>
+              <a:rPr/>
+              <a:t> </a:t>
+            </a:r>
+            <a:r>
+              <a:rPr/>
+              <a:t>raise</a:t>
             </a:r>
           </a:p>
         </p:txBody>
@@ -3429,37 +3500,68 @@
           <a:bodyPr/>
           <a:lstStyle/>
           <a:p>
+            <a:pPr lvl="0" indent="0">
+              <a:buNone/>
+            </a:pPr>
+            <a:r>
+              <a:rPr b="1">
+                <a:solidFill>
+                  <a:srgbClr val="007020"/>
+                </a:solidFill>
+                <a:latin typeface="Courier"/>
+              </a:rPr>
+              <a:t>except</a:t>
+            </a:r>
+            <a:r>
+              <a:rPr>
+                <a:latin typeface="Courier"/>
+              </a:rPr>
+              <a:t> </a:t>
+            </a:r>
+            <a:r>
+              <a:rPr>
+                <a:solidFill>
+                  <a:srgbClr val="BC7A00"/>
+                </a:solidFill>
+                <a:latin typeface="Courier"/>
+              </a:rPr>
+              <a:t>ValueError</a:t>
+            </a:r>
+            <a:r>
+              <a:rPr>
+                <a:latin typeface="Courier"/>
+              </a:rPr>
+              <a:t> as exc:</a:t>
+            </a:r>
+            <a:br/>
+            <a:r>
+              <a:rPr>
+                <a:latin typeface="Courier"/>
+              </a:rPr>
+              <a:t>    ...</a:t>
+            </a:r>
+            <a:br/>
+            <a:r>
+              <a:rPr>
+                <a:latin typeface="Courier"/>
+              </a:rPr>
+              <a:t>    </a:t>
+            </a:r>
+            <a:r>
+              <a:rPr b="1">
+                <a:solidFill>
+                  <a:srgbClr val="007020"/>
+                </a:solidFill>
+                <a:latin typeface="Courier"/>
+              </a:rPr>
+              <a:t>raise</a:t>
+            </a:r>
+          </a:p>
+          <a:p>
             <a:pPr lvl="1"/>
             <a:r>
               <a:rPr/>
-              <a:t>we use baselines to see if things have changed from when the system was put into production</a:t>
-            </a:r>
-          </a:p>
-          <a:p>
-            <a:pPr lvl="1"/>
-            <a:r>
-              <a:rPr/>
-              <a:t>once we have a baseline we can establish thresholds for alerts</a:t>
-            </a:r>
-          </a:p>
-          <a:p>
-            <a:pPr lvl="1"/>
-            <a:r>
-              <a:rPr/>
-              <a:t>Alerts are emmitted based on rules in the exporter that gets metrics</a:t>
-            </a:r>
-          </a:p>
-          <a:p>
-            <a:pPr lvl="1"/>
-            <a:r>
-              <a:rPr>
-                <a:latin typeface="Courier"/>
-              </a:rPr>
-              <a:t>(sum(rate(http_requests_total{status="500"}[5m])) / sum(rate(http_requests_total[5m]))) &gt; 0.05</a:t>
-            </a:r>
-            <a:r>
-              <a:rPr/>
-              <a:t> (prometheus promql)</a:t>
+              <a:t>critical so that the calling app can deal with the exception</a:t>
             </a:r>
           </a:p>
         </p:txBody>
@@ -3506,57 +3608,7 @@
             </a:pPr>
             <a:r>
               <a:rPr/>
-              <a:t>An</a:t>
-            </a:r>
-            <a:r>
-              <a:rPr/>
-              <a:t> </a:t>
-            </a:r>
-            <a:r>
-              <a:rPr/>
-              <a:t>alert</a:t>
-            </a:r>
-            <a:r>
-              <a:rPr/>
-              <a:t> </a:t>
-            </a:r>
-            <a:r>
-              <a:rPr/>
-              <a:t>is</a:t>
-            </a:r>
-            <a:r>
-              <a:rPr/>
-              <a:t> </a:t>
-            </a:r>
-            <a:r>
-              <a:rPr/>
-              <a:t>defined</a:t>
-            </a:r>
-            <a:r>
-              <a:rPr/>
-              <a:t> </a:t>
-            </a:r>
-            <a:r>
-              <a:rPr/>
-              <a:t>in</a:t>
-            </a:r>
-            <a:r>
-              <a:rPr/>
-              <a:t> </a:t>
-            </a:r>
-            <a:r>
-              <a:rPr/>
-              <a:t>the</a:t>
-            </a:r>
-            <a:r>
-              <a:rPr/>
-              <a:t> </a:t>
-            </a:r>
-            <a:r>
-              <a:rPr>
-                <a:latin typeface="Courier"/>
-              </a:rPr>
-              <a:t>prometheus.yaml</a:t>
+              <a:t>Alerts</a:t>
             </a:r>
           </a:p>
         </p:txBody>
@@ -3576,258 +3628,37 @@
           <a:bodyPr/>
           <a:lstStyle/>
           <a:p>
-            <a:pPr lvl="0" indent="0">
-              <a:buNone/>
-            </a:pPr>
-            <a:r>
-              <a:rPr b="1">
-                <a:solidFill>
-                  <a:srgbClr val="007020"/>
-                </a:solidFill>
-                <a:latin typeface="Courier"/>
-              </a:rPr>
-              <a:t>-</a:t>
-            </a:r>
-            <a:r>
-              <a:rPr>
-                <a:solidFill>
-                  <a:srgbClr val="7D9029"/>
-                </a:solidFill>
-                <a:latin typeface="Courier"/>
-              </a:rPr>
-              <a:t> </a:t>
-            </a:r>
-            <a:r>
-              <a:rPr>
-                <a:solidFill>
-                  <a:srgbClr val="06287E"/>
-                </a:solidFill>
-                <a:latin typeface="Courier"/>
-              </a:rPr>
-              <a:t>alert</a:t>
-            </a:r>
-            <a:r>
-              <a:rPr b="1">
-                <a:solidFill>
-                  <a:srgbClr val="007020"/>
-                </a:solidFill>
-                <a:latin typeface="Courier"/>
-              </a:rPr>
-              <a:t>:</a:t>
-            </a:r>
-            <a:r>
-              <a:rPr>
-                <a:solidFill>
-                  <a:srgbClr val="7D9029"/>
-                </a:solidFill>
-                <a:latin typeface="Courier"/>
-              </a:rPr>
-              <a:t> HighRequestErrorRate</a:t>
-            </a:r>
-            <a:br/>
-            <a:r>
-              <a:rPr>
-                <a:solidFill>
-                  <a:srgbClr val="06287E"/>
-                </a:solidFill>
-                <a:latin typeface="Courier"/>
-              </a:rPr>
-              <a:t>expr</a:t>
-            </a:r>
-            <a:r>
-              <a:rPr b="1">
-                <a:solidFill>
-                  <a:srgbClr val="007020"/>
-                </a:solidFill>
-                <a:latin typeface="Courier"/>
-              </a:rPr>
-              <a:t>:</a:t>
-            </a:r>
-            <a:r>
-              <a:rPr>
-                <a:solidFill>
-                  <a:srgbClr val="7D9029"/>
-                </a:solidFill>
-                <a:latin typeface="Courier"/>
-              </a:rPr>
-              <a:t> (see above)</a:t>
-            </a:r>
-            <a:br/>
-            <a:r>
-              <a:rPr>
-                <a:solidFill>
-                  <a:srgbClr val="06287E"/>
-                </a:solidFill>
-                <a:latin typeface="Courier"/>
-              </a:rPr>
-              <a:t>for</a:t>
-            </a:r>
-            <a:r>
-              <a:rPr b="1">
-                <a:solidFill>
-                  <a:srgbClr val="007020"/>
-                </a:solidFill>
-                <a:latin typeface="Courier"/>
-              </a:rPr>
-              <a:t>:</a:t>
-            </a:r>
-            <a:r>
-              <a:rPr>
-                <a:solidFill>
-                  <a:srgbClr val="7D9029"/>
-                </a:solidFill>
-                <a:latin typeface="Courier"/>
-              </a:rPr>
-              <a:t> 5m</a:t>
-            </a:r>
-            <a:br/>
-            <a:r>
-              <a:rPr>
-                <a:solidFill>
-                  <a:srgbClr val="06287E"/>
-                </a:solidFill>
-                <a:latin typeface="Courier"/>
-              </a:rPr>
-              <a:t>labels</a:t>
-            </a:r>
-            <a:r>
-              <a:rPr b="1">
-                <a:solidFill>
-                  <a:srgbClr val="007020"/>
-                </a:solidFill>
-                <a:latin typeface="Courier"/>
-              </a:rPr>
-              <a:t>:</a:t>
-            </a:r>
-            <a:br/>
-            <a:r>
-              <a:rPr>
-                <a:solidFill>
-                  <a:srgbClr val="7D9029"/>
-                </a:solidFill>
-                <a:latin typeface="Courier"/>
-              </a:rPr>
-              <a:t>    </a:t>
-            </a:r>
-            <a:r>
-              <a:rPr>
-                <a:solidFill>
-                  <a:srgbClr val="06287E"/>
-                </a:solidFill>
-                <a:latin typeface="Courier"/>
-              </a:rPr>
-              <a:t>severity</a:t>
-            </a:r>
-            <a:r>
-              <a:rPr b="1">
-                <a:solidFill>
-                  <a:srgbClr val="007020"/>
-                </a:solidFill>
-                <a:latin typeface="Courier"/>
-              </a:rPr>
-              <a:t>:</a:t>
-            </a:r>
-            <a:r>
-              <a:rPr>
-                <a:solidFill>
-                  <a:srgbClr val="7D9029"/>
-                </a:solidFill>
-                <a:latin typeface="Courier"/>
-              </a:rPr>
-              <a:t> critical</a:t>
-            </a:r>
-            <a:br/>
-            <a:r>
-              <a:rPr>
-                <a:solidFill>
-                  <a:srgbClr val="06287E"/>
-                </a:solidFill>
-                <a:latin typeface="Courier"/>
-              </a:rPr>
-              <a:t>annotations</a:t>
-            </a:r>
-            <a:r>
-              <a:rPr b="1">
-                <a:solidFill>
-                  <a:srgbClr val="007020"/>
-                </a:solidFill>
-                <a:latin typeface="Courier"/>
-              </a:rPr>
-              <a:t>:</a:t>
-            </a:r>
-            <a:br/>
-            <a:r>
-              <a:rPr>
-                <a:solidFill>
-                  <a:srgbClr val="7D9029"/>
-                </a:solidFill>
-                <a:latin typeface="Courier"/>
-              </a:rPr>
-              <a:t>    </a:t>
-            </a:r>
-            <a:r>
-              <a:rPr>
-                <a:solidFill>
-                  <a:srgbClr val="06287E"/>
-                </a:solidFill>
-                <a:latin typeface="Courier"/>
-              </a:rPr>
-              <a:t>summary</a:t>
-            </a:r>
-            <a:r>
-              <a:rPr b="1">
-                <a:solidFill>
-                  <a:srgbClr val="007020"/>
-                </a:solidFill>
-                <a:latin typeface="Courier"/>
-              </a:rPr>
-              <a:t>:</a:t>
-            </a:r>
-            <a:r>
-              <a:rPr>
-                <a:solidFill>
-                  <a:srgbClr val="7D9029"/>
-                </a:solidFill>
-                <a:latin typeface="Courier"/>
-              </a:rPr>
-              <a:t> High request error rate</a:t>
-            </a:r>
-            <a:br/>
-            <a:r>
-              <a:rPr>
-                <a:solidFill>
-                  <a:srgbClr val="7D9029"/>
-                </a:solidFill>
-                <a:latin typeface="Courier"/>
-              </a:rPr>
-              <a:t>    </a:t>
-            </a:r>
-            <a:r>
-              <a:rPr>
-                <a:solidFill>
-                  <a:srgbClr val="06287E"/>
-                </a:solidFill>
-                <a:latin typeface="Courier"/>
-              </a:rPr>
-              <a:t>description</a:t>
-            </a:r>
-            <a:r>
-              <a:rPr b="1">
-                <a:solidFill>
-                  <a:srgbClr val="007020"/>
-                </a:solidFill>
-                <a:latin typeface="Courier"/>
-              </a:rPr>
-              <a:t>:</a:t>
-            </a:r>
-            <a:r>
-              <a:rPr>
-                <a:solidFill>
-                  <a:srgbClr val="7D9029"/>
-                </a:solidFill>
-                <a:latin typeface="Courier"/>
-              </a:rPr>
-              <a:t> HTTP errors have exceeded 5% for 5 minutes.</a:t>
+            <a:pPr lvl="1"/>
+            <a:r>
+              <a:rPr/>
+              <a:t>we use baselines to see if things have changed from when the system was put into production</a:t>
+            </a:r>
+          </a:p>
+          <a:p>
+            <a:pPr lvl="1"/>
+            <a:r>
+              <a:rPr/>
+              <a:t>once we have a baseline we can establish thresholds for alerts</a:t>
+            </a:r>
+          </a:p>
+          <a:p>
+            <a:pPr lvl="1"/>
+            <a:r>
+              <a:rPr/>
+              <a:t>Alerts are emmitted based on rules in the exporter that gets metrics</a:t>
+            </a:r>
+          </a:p>
+          <a:p>
+            <a:pPr lvl="1"/>
+            <a:r>
+              <a:rPr>
+                <a:latin typeface="Courier"/>
+              </a:rPr>
+              <a:t>(sum(rate(http_requests_total{status="500"}[5m])) / sum(rate(http_requests_total[5m]))) &gt; 0.05</a:t>
+            </a:r>
+            <a:r>
+              <a:rPr/>
+              <a:t> (prometheus promql)</a:t>
             </a:r>
           </a:p>
         </p:txBody>
@@ -3874,7 +3705,7 @@
             </a:pPr>
             <a:r>
               <a:rPr/>
-              <a:t>Supporting</a:t>
+              <a:t>An</a:t>
             </a:r>
             <a:r>
               <a:rPr/>
@@ -3882,7 +3713,49 @@
             </a:r>
             <a:r>
               <a:rPr/>
-              <a:t>Evidence</a:t>
+              <a:t>alert</a:t>
+            </a:r>
+            <a:r>
+              <a:rPr/>
+              <a:t> </a:t>
+            </a:r>
+            <a:r>
+              <a:rPr/>
+              <a:t>is</a:t>
+            </a:r>
+            <a:r>
+              <a:rPr/>
+              <a:t> </a:t>
+            </a:r>
+            <a:r>
+              <a:rPr/>
+              <a:t>defined</a:t>
+            </a:r>
+            <a:r>
+              <a:rPr/>
+              <a:t> </a:t>
+            </a:r>
+            <a:r>
+              <a:rPr/>
+              <a:t>in</a:t>
+            </a:r>
+            <a:r>
+              <a:rPr/>
+              <a:t> </a:t>
+            </a:r>
+            <a:r>
+              <a:rPr/>
+              <a:t>the</a:t>
+            </a:r>
+            <a:r>
+              <a:rPr/>
+              <a:t> </a:t>
+            </a:r>
+            <a:r>
+              <a:rPr>
+                <a:latin typeface="Courier"/>
+              </a:rPr>
+              <a:t>prometheus.yaml</a:t>
             </a:r>
           </a:p>
         </p:txBody>
@@ -3902,31 +3775,258 @@
           <a:bodyPr/>
           <a:lstStyle/>
           <a:p>
-            <a:pPr lvl="1"/>
-            <a:r>
-              <a:rPr/>
-              <a:t>make a proportional response to customer problems</a:t>
-            </a:r>
-          </a:p>
-          <a:p>
-            <a:pPr lvl="1"/>
-            <a:r>
-              <a:rPr/>
-              <a:t>fix greatest risk first</a:t>
-            </a:r>
-          </a:p>
-          <a:p>
-            <a:pPr lvl="1"/>
-            <a:r>
-              <a:rPr/>
-              <a:t>risk = probability x impact</a:t>
-            </a:r>
-          </a:p>
-          <a:p>
-            <a:pPr lvl="1"/>
-            <a:r>
-              <a:rPr/>
-              <a:t>can assess the relative probability of the problem by comparing error metrics</a:t>
+            <a:pPr lvl="0" indent="0">
+              <a:buNone/>
+            </a:pPr>
+            <a:r>
+              <a:rPr b="1">
+                <a:solidFill>
+                  <a:srgbClr val="007020"/>
+                </a:solidFill>
+                <a:latin typeface="Courier"/>
+              </a:rPr>
+              <a:t>-</a:t>
+            </a:r>
+            <a:r>
+              <a:rPr>
+                <a:solidFill>
+                  <a:srgbClr val="7D9029"/>
+                </a:solidFill>
+                <a:latin typeface="Courier"/>
+              </a:rPr>
+              <a:t> </a:t>
+            </a:r>
+            <a:r>
+              <a:rPr>
+                <a:solidFill>
+                  <a:srgbClr val="06287E"/>
+                </a:solidFill>
+                <a:latin typeface="Courier"/>
+              </a:rPr>
+              <a:t>alert</a:t>
+            </a:r>
+            <a:r>
+              <a:rPr b="1">
+                <a:solidFill>
+                  <a:srgbClr val="007020"/>
+                </a:solidFill>
+                <a:latin typeface="Courier"/>
+              </a:rPr>
+              <a:t>:</a:t>
+            </a:r>
+            <a:r>
+              <a:rPr>
+                <a:solidFill>
+                  <a:srgbClr val="7D9029"/>
+                </a:solidFill>
+                <a:latin typeface="Courier"/>
+              </a:rPr>
+              <a:t> HighRequestErrorRate</a:t>
+            </a:r>
+            <a:br/>
+            <a:r>
+              <a:rPr>
+                <a:solidFill>
+                  <a:srgbClr val="06287E"/>
+                </a:solidFill>
+                <a:latin typeface="Courier"/>
+              </a:rPr>
+              <a:t>expr</a:t>
+            </a:r>
+            <a:r>
+              <a:rPr b="1">
+                <a:solidFill>
+                  <a:srgbClr val="007020"/>
+                </a:solidFill>
+                <a:latin typeface="Courier"/>
+              </a:rPr>
+              <a:t>:</a:t>
+            </a:r>
+            <a:r>
+              <a:rPr>
+                <a:solidFill>
+                  <a:srgbClr val="7D9029"/>
+                </a:solidFill>
+                <a:latin typeface="Courier"/>
+              </a:rPr>
+              <a:t> (see above)</a:t>
+            </a:r>
+            <a:br/>
+            <a:r>
+              <a:rPr>
+                <a:solidFill>
+                  <a:srgbClr val="06287E"/>
+                </a:solidFill>
+                <a:latin typeface="Courier"/>
+              </a:rPr>
+              <a:t>for</a:t>
+            </a:r>
+            <a:r>
+              <a:rPr b="1">
+                <a:solidFill>
+                  <a:srgbClr val="007020"/>
+                </a:solidFill>
+                <a:latin typeface="Courier"/>
+              </a:rPr>
+              <a:t>:</a:t>
+            </a:r>
+            <a:r>
+              <a:rPr>
+                <a:solidFill>
+                  <a:srgbClr val="7D9029"/>
+                </a:solidFill>
+                <a:latin typeface="Courier"/>
+              </a:rPr>
+              <a:t> 5m</a:t>
+            </a:r>
+            <a:br/>
+            <a:r>
+              <a:rPr>
+                <a:solidFill>
+                  <a:srgbClr val="06287E"/>
+                </a:solidFill>
+                <a:latin typeface="Courier"/>
+              </a:rPr>
+              <a:t>labels</a:t>
+            </a:r>
+            <a:r>
+              <a:rPr b="1">
+                <a:solidFill>
+                  <a:srgbClr val="007020"/>
+                </a:solidFill>
+                <a:latin typeface="Courier"/>
+              </a:rPr>
+              <a:t>:</a:t>
+            </a:r>
+            <a:br/>
+            <a:r>
+              <a:rPr>
+                <a:solidFill>
+                  <a:srgbClr val="7D9029"/>
+                </a:solidFill>
+                <a:latin typeface="Courier"/>
+              </a:rPr>
+              <a:t>    </a:t>
+            </a:r>
+            <a:r>
+              <a:rPr>
+                <a:solidFill>
+                  <a:srgbClr val="06287E"/>
+                </a:solidFill>
+                <a:latin typeface="Courier"/>
+              </a:rPr>
+              <a:t>severity</a:t>
+            </a:r>
+            <a:r>
+              <a:rPr b="1">
+                <a:solidFill>
+                  <a:srgbClr val="007020"/>
+                </a:solidFill>
+                <a:latin typeface="Courier"/>
+              </a:rPr>
+              <a:t>:</a:t>
+            </a:r>
+            <a:r>
+              <a:rPr>
+                <a:solidFill>
+                  <a:srgbClr val="7D9029"/>
+                </a:solidFill>
+                <a:latin typeface="Courier"/>
+              </a:rPr>
+              <a:t> critical</a:t>
+            </a:r>
+            <a:br/>
+            <a:r>
+              <a:rPr>
+                <a:solidFill>
+                  <a:srgbClr val="06287E"/>
+                </a:solidFill>
+                <a:latin typeface="Courier"/>
+              </a:rPr>
+              <a:t>annotations</a:t>
+            </a:r>
+            <a:r>
+              <a:rPr b="1">
+                <a:solidFill>
+                  <a:srgbClr val="007020"/>
+                </a:solidFill>
+                <a:latin typeface="Courier"/>
+              </a:rPr>
+              <a:t>:</a:t>
+            </a:r>
+            <a:br/>
+            <a:r>
+              <a:rPr>
+                <a:solidFill>
+                  <a:srgbClr val="7D9029"/>
+                </a:solidFill>
+                <a:latin typeface="Courier"/>
+              </a:rPr>
+              <a:t>    </a:t>
+            </a:r>
+            <a:r>
+              <a:rPr>
+                <a:solidFill>
+                  <a:srgbClr val="06287E"/>
+                </a:solidFill>
+                <a:latin typeface="Courier"/>
+              </a:rPr>
+              <a:t>summary</a:t>
+            </a:r>
+            <a:r>
+              <a:rPr b="1">
+                <a:solidFill>
+                  <a:srgbClr val="007020"/>
+                </a:solidFill>
+                <a:latin typeface="Courier"/>
+              </a:rPr>
+              <a:t>:</a:t>
+            </a:r>
+            <a:r>
+              <a:rPr>
+                <a:solidFill>
+                  <a:srgbClr val="7D9029"/>
+                </a:solidFill>
+                <a:latin typeface="Courier"/>
+              </a:rPr>
+              <a:t> High request error rate</a:t>
+            </a:r>
+            <a:br/>
+            <a:r>
+              <a:rPr>
+                <a:solidFill>
+                  <a:srgbClr val="7D9029"/>
+                </a:solidFill>
+                <a:latin typeface="Courier"/>
+              </a:rPr>
+              <a:t>    </a:t>
+            </a:r>
+            <a:r>
+              <a:rPr>
+                <a:solidFill>
+                  <a:srgbClr val="06287E"/>
+                </a:solidFill>
+                <a:latin typeface="Courier"/>
+              </a:rPr>
+              <a:t>description</a:t>
+            </a:r>
+            <a:r>
+              <a:rPr b="1">
+                <a:solidFill>
+                  <a:srgbClr val="007020"/>
+                </a:solidFill>
+                <a:latin typeface="Courier"/>
+              </a:rPr>
+              <a:t>:</a:t>
+            </a:r>
+            <a:r>
+              <a:rPr>
+                <a:solidFill>
+                  <a:srgbClr val="7D9029"/>
+                </a:solidFill>
+                <a:latin typeface="Courier"/>
+              </a:rPr>
+              <a:t> HTTP errors have exceeded 5% for 5 minutes.</a:t>
             </a:r>
           </a:p>
         </p:txBody>
@@ -3973,7 +4073,7 @@
             </a:pPr>
             <a:r>
               <a:rPr/>
-              <a:t>Impact</a:t>
+              <a:t>Supporting</a:t>
             </a:r>
             <a:r>
               <a:rPr/>
@@ -3981,15 +4081,7 @@
             </a:r>
             <a:r>
               <a:rPr/>
-              <a:t>is</a:t>
-            </a:r>
-            <a:r>
-              <a:rPr/>
-              <a:t> </a:t>
-            </a:r>
-            <a:r>
-              <a:rPr/>
-              <a:t>trickier</a:t>
+              <a:t>Evidence</a:t>
             </a:r>
           </a:p>
         </p:txBody>
@@ -4012,28 +4104,28 @@
             <a:pPr lvl="1"/>
             <a:r>
               <a:rPr/>
-              <a:t>customer will often have an opinion about how the problem is impacting them</a:t>
+              <a:t>make a proportional response to customer problems</a:t>
             </a:r>
           </a:p>
           <a:p>
             <a:pPr lvl="1"/>
             <a:r>
               <a:rPr/>
-              <a:t>ideally we have KPI/metrics that can quantify the impact of a problem</a:t>
+              <a:t>fix greatest risk first</a:t>
             </a:r>
           </a:p>
           <a:p>
             <a:pPr lvl="1"/>
             <a:r>
               <a:rPr/>
-              <a:t>in the spirit of devops we should adjust KPIs based on problems we encounter and resolve</a:t>
+              <a:t>risk = probability x impact</a:t>
             </a:r>
           </a:p>
           <a:p>
             <a:pPr lvl="1"/>
             <a:r>
               <a:rPr/>
-              <a:t>KPIs must be understandable to the customer so that if the problem recurs we have a way of helping the customer to understand the impact.</a:t>
+              <a:t>can assess the relative probability of the problem by comparing error metrics</a:t>
             </a:r>
           </a:p>
         </p:txBody>
@@ -4080,6 +4172,113 @@
             </a:pPr>
             <a:r>
               <a:rPr/>
+              <a:t>Impact</a:t>
+            </a:r>
+            <a:r>
+              <a:rPr/>
+              <a:t> </a:t>
+            </a:r>
+            <a:r>
+              <a:rPr/>
+              <a:t>is</a:t>
+            </a:r>
+            <a:r>
+              <a:rPr/>
+              <a:t> </a:t>
+            </a:r>
+            <a:r>
+              <a:rPr/>
+              <a:t>trickier</a:t>
+            </a:r>
+          </a:p>
+        </p:txBody>
+      </p:sp>
+      <p:sp>
+        <p:nvSpPr>
+          <p:cNvPr id="3" name="Content Placeholder 2"/>
+          <p:cNvSpPr>
+            <a:spLocks noGrp="1"/>
+          </p:cNvSpPr>
+          <p:nvPr>
+            <p:ph idx="1"/>
+          </p:nvPr>
+        </p:nvSpPr>
+        <p:spPr/>
+        <p:txBody>
+          <a:bodyPr/>
+          <a:lstStyle/>
+          <a:p>
+            <a:pPr lvl="1"/>
+            <a:r>
+              <a:rPr/>
+              <a:t>customer will often have an opinion about how the problem is impacting them</a:t>
+            </a:r>
+          </a:p>
+          <a:p>
+            <a:pPr lvl="1"/>
+            <a:r>
+              <a:rPr/>
+              <a:t>ideally we have KPI/metrics that can quantify the impact of a problem</a:t>
+            </a:r>
+          </a:p>
+          <a:p>
+            <a:pPr lvl="1"/>
+            <a:r>
+              <a:rPr/>
+              <a:t>in the spirit of devops we should adjust KPIs based on problems we encounter and resolve</a:t>
+            </a:r>
+          </a:p>
+          <a:p>
+            <a:pPr lvl="1"/>
+            <a:r>
+              <a:rPr/>
+              <a:t>KPIs must be understandable to the customer so that if the problem recurs we have a way of helping the customer to understand the impact.</a:t>
+            </a:r>
+          </a:p>
+        </p:txBody>
+      </p:sp>
+    </p:spTree>
+  </p:cSld>
+</p:sld>
+</file>
+
+<file path=ppt/slides/slide16.xml><?xml version="1.0" encoding="utf-8"?>
+<p:sld xmlns:a="http://schemas.openxmlformats.org/drawingml/2006/main" xmlns:r="http://schemas.openxmlformats.org/officeDocument/2006/relationships" xmlns:p="http://schemas.openxmlformats.org/presentationml/2006/main">
+  <p:cSld>
+    <p:spTree>
+      <p:nvGrpSpPr>
+        <p:cNvPr id="1" name=""/>
+        <p:cNvGrpSpPr/>
+        <p:nvPr/>
+      </p:nvGrpSpPr>
+      <p:grpSpPr>
+        <a:xfrm>
+          <a:off x="0" y="0"/>
+          <a:ext cx="0" cy="0"/>
+          <a:chOff x="0" y="0"/>
+          <a:chExt cx="0" cy="0"/>
+        </a:xfrm>
+      </p:grpSpPr>
+      <p:sp>
+        <p:nvSpPr>
+          <p:cNvPr id="2" name="Title 1"/>
+          <p:cNvSpPr>
+            <a:spLocks noGrp="1"/>
+          </p:cNvSpPr>
+          <p:nvPr>
+            <p:ph type="title"/>
+          </p:nvPr>
+        </p:nvSpPr>
+        <p:spPr/>
+        <p:txBody>
+          <a:bodyPr/>
+          <a:lstStyle/>
+          <a:p>
+            <a:pPr lvl="0" marL="0" indent="0">
+              <a:buNone/>
+            </a:pPr>
+            <a:r>
+              <a:rPr/>
               <a:t>Conclusion</a:t>
             </a:r>
           </a:p>
@@ -4281,7 +4480,7 @@
             </a:pPr>
             <a:r>
               <a:rPr/>
-              <a:t>The</a:t>
+              <a:t>Assignment</a:t>
             </a:r>
             <a:r>
               <a:rPr/>
@@ -4289,47 +4488,7 @@
             </a:r>
             <a:r>
               <a:rPr/>
-              <a:t>midterm</a:t>
-            </a:r>
-            <a:r>
-              <a:rPr/>
-              <a:t> </a:t>
-            </a:r>
-            <a:r>
-              <a:rPr/>
-              <a:t>is</a:t>
-            </a:r>
-            <a:r>
-              <a:rPr/>
-              <a:t> </a:t>
-            </a:r>
-            <a:r>
-              <a:rPr/>
-              <a:t>4</a:t>
-            </a:r>
-            <a:r>
-              <a:rPr/>
-              <a:t> </a:t>
-            </a:r>
-            <a:r>
-              <a:rPr/>
-              <a:t>written</a:t>
-            </a:r>
-            <a:r>
-              <a:rPr/>
-              <a:t> </a:t>
-            </a:r>
-            <a:r>
-              <a:rPr/>
-              <a:t>response</a:t>
-            </a:r>
-            <a:r>
-              <a:rPr/>
-              <a:t> </a:t>
-            </a:r>
-            <a:r>
-              <a:rPr/>
-              <a:t>questions</a:t>
+              <a:t>1</a:t>
             </a:r>
           </a:p>
         </p:txBody>
@@ -4352,21 +4511,64 @@
             <a:pPr lvl="1"/>
             <a:r>
               <a:rPr/>
-              <a:t>in the quiz tool</a:t>
+              <a:t>please compare and contrast </a:t>
+            </a:r>
+            <a:r>
+              <a:rPr>
+                <a:hlinkClick r:id="rId2"/>
+              </a:rPr>
+              <a:t>last weeks lab</a:t>
+            </a:r>
+            <a:r>
+              <a:rPr/>
+              <a:t> with </a:t>
+            </a:r>
+            <a:r>
+              <a:rPr>
+                <a:hlinkClick r:id="rId3"/>
+              </a:rPr>
+              <a:t>this example</a:t>
             </a:r>
           </a:p>
           <a:p>
             <a:pPr lvl="1"/>
             <a:r>
               <a:rPr/>
-              <a:t>each question is worth 5 marks</a:t>
+              <a:t>the wordpress example uses the </a:t>
+            </a:r>
+            <a:r>
+              <a:rPr>
+                <a:latin typeface="Courier"/>
+              </a:rPr>
+              <a:t>autoinstrumented-wordpress.dockerfile</a:t>
+            </a:r>
+            <a:r>
+              <a:rPr/>
+              <a:t> and </a:t>
+            </a:r>
+            <a:r>
+              <a:rPr>
+                <a:latin typeface="Courier"/>
+              </a:rPr>
+              <a:t>compose.yaml</a:t>
+            </a:r>
+            <a:r>
+              <a:rPr/>
+              <a:t> to do the docker setup.</a:t>
             </a:r>
           </a:p>
           <a:p>
             <a:pPr lvl="1"/>
             <a:r>
               <a:rPr/>
-              <a:t>each question is based on a situation</a:t>
+              <a:t>the rest of the files are used in the containers</a:t>
+            </a:r>
+          </a:p>
+          <a:p>
+            <a:pPr lvl="1"/>
+            <a:r>
+              <a:rPr/>
+              <a:t>start with last week’s lab to get the dependencies for docker-compose and ansible</a:t>
             </a:r>
           </a:p>
         </p:txBody>
@@ -4413,7 +4615,7 @@
             </a:pPr>
             <a:r>
               <a:rPr/>
-              <a:t>Covered</a:t>
+              <a:t>The</a:t>
             </a:r>
             <a:r>
               <a:rPr/>
@@ -4421,7 +4623,7 @@
             </a:r>
             <a:r>
               <a:rPr/>
-              <a:t>Learning</a:t>
+              <a:t>midterm</a:t>
             </a:r>
             <a:r>
               <a:rPr/>
@@ -4429,7 +4631,39 @@
             </a:r>
             <a:r>
               <a:rPr/>
-              <a:t>outcomes</a:t>
+              <a:t>is</a:t>
+            </a:r>
+            <a:r>
+              <a:rPr/>
+              <a:t> </a:t>
+            </a:r>
+            <a:r>
+              <a:rPr/>
+              <a:t>4</a:t>
+            </a:r>
+            <a:r>
+              <a:rPr/>
+              <a:t> </a:t>
+            </a:r>
+            <a:r>
+              <a:rPr/>
+              <a:t>written</a:t>
+            </a:r>
+            <a:r>
+              <a:rPr/>
+              <a:t> </a:t>
+            </a:r>
+            <a:r>
+              <a:rPr/>
+              <a:t>response</a:t>
+            </a:r>
+            <a:r>
+              <a:rPr/>
+              <a:t> </a:t>
+            </a:r>
+            <a:r>
+              <a:rPr/>
+              <a:t>questions</a:t>
             </a:r>
           </a:p>
         </p:txBody>
@@ -4452,28 +4686,21 @@
             <a:pPr lvl="1"/>
             <a:r>
               <a:rPr/>
-              <a:t>Test monolith and microservice architectures for observability and resolve deficiencies using tracing, metrics and logging.</a:t>
+              <a:t>in the quiz tool</a:t>
             </a:r>
           </a:p>
           <a:p>
             <a:pPr lvl="1"/>
             <a:r>
               <a:rPr/>
-              <a:t>Support development and operations by separating exception tracing from exception handling.</a:t>
+              <a:t>each question is worth 5 marks</a:t>
             </a:r>
           </a:p>
           <a:p>
             <a:pPr lvl="1"/>
             <a:r>
               <a:rPr/>
-              <a:t>Prioritize deviations from metric baselines by sending and responding to alerts</a:t>
-            </a:r>
-          </a:p>
-          <a:p>
-            <a:pPr lvl="1"/>
-            <a:r>
-              <a:rPr/>
-              <a:t>Justify issue priority based on evidence from monitoring and logging.</a:t>
+              <a:t>each question is based on a situation</a:t>
             </a:r>
           </a:p>
         </p:txBody>
@@ -4520,7 +4747,7 @@
             </a:pPr>
             <a:r>
               <a:rPr/>
-              <a:t>Test</a:t>
+              <a:t>Covered</a:t>
             </a:r>
             <a:r>
               <a:rPr/>
@@ -4528,7 +4755,7 @@
             </a:r>
             <a:r>
               <a:rPr/>
-              <a:t>for</a:t>
+              <a:t>Learning</a:t>
             </a:r>
             <a:r>
               <a:rPr/>
@@ -4536,7 +4763,7 @@
             </a:r>
             <a:r>
               <a:rPr/>
-              <a:t>deficiencies</a:t>
+              <a:t>outcomes</a:t>
             </a:r>
           </a:p>
         </p:txBody>
@@ -4559,28 +4786,28 @@
             <a:pPr lvl="1"/>
             <a:r>
               <a:rPr/>
-              <a:t>A dev-ops team would ultimately write a failing test that exposes the root cause of a system outage, make the test pass and deploy through continuous integration.</a:t>
+              <a:t>Test monolith and microservice architectures for observability and resolve deficiencies using tracing, metrics and logging.</a:t>
             </a:r>
           </a:p>
           <a:p>
             <a:pPr lvl="1"/>
             <a:r>
               <a:rPr/>
-              <a:t>Monitoring and logging helps get to the root cause of a problem a customer may be facing</a:t>
+              <a:t>Support development and operations by separating exception tracing from exception handling.</a:t>
             </a:r>
           </a:p>
           <a:p>
             <a:pPr lvl="1"/>
             <a:r>
               <a:rPr/>
-              <a:t>In chapter 4 of the book, we looked at different things we can learn from the otel demo</a:t>
+              <a:t>Prioritize deviations from metric baselines by sending and responding to alerts</a:t>
             </a:r>
           </a:p>
           <a:p>
             <a:pPr lvl="1"/>
             <a:r>
               <a:rPr/>
-              <a:t>correlate what the customer is seeing with metrics … for instance</a:t>
+              <a:t>Justify issue priority based on evidence from monitoring and logging.</a:t>
             </a:r>
           </a:p>
         </p:txBody>
@@ -4627,7 +4854,7 @@
             </a:pPr>
             <a:r>
               <a:rPr/>
-              <a:t>Relate</a:t>
+              <a:t>Test</a:t>
             </a:r>
             <a:r>
               <a:rPr/>
@@ -4635,7 +4862,7 @@
             </a:r>
             <a:r>
               <a:rPr/>
-              <a:t>REDS</a:t>
+              <a:t>for</a:t>
             </a:r>
             <a:r>
               <a:rPr/>
@@ -4643,55 +4870,7 @@
             </a:r>
             <a:r>
               <a:rPr/>
-              <a:t>metrics</a:t>
-            </a:r>
-            <a:r>
-              <a:rPr/>
-              <a:t> </a:t>
-            </a:r>
-            <a:r>
-              <a:rPr/>
-              <a:t>to</a:t>
-            </a:r>
-            <a:r>
-              <a:rPr/>
-              <a:t> </a:t>
-            </a:r>
-            <a:r>
-              <a:rPr/>
-              <a:t>what</a:t>
-            </a:r>
-            <a:r>
-              <a:rPr/>
-              <a:t> </a:t>
-            </a:r>
-            <a:r>
-              <a:rPr/>
-              <a:t>the</a:t>
-            </a:r>
-            <a:r>
-              <a:rPr/>
-              <a:t> </a:t>
-            </a:r>
-            <a:r>
-              <a:rPr/>
-              <a:t>customer</a:t>
-            </a:r>
-            <a:r>
-              <a:rPr/>
-              <a:t> </a:t>
-            </a:r>
-            <a:r>
-              <a:rPr/>
-              <a:t>is</a:t>
-            </a:r>
-            <a:r>
-              <a:rPr/>
-              <a:t> </a:t>
-            </a:r>
-            <a:r>
-              <a:rPr/>
-              <a:t>seeing</a:t>
+              <a:t>deficiencies</a:t>
             </a:r>
           </a:p>
         </p:txBody>
@@ -4714,21 +4893,28 @@
             <a:pPr lvl="1"/>
             <a:r>
               <a:rPr/>
-              <a:t>use metric attributes to drill down to the subsystem</a:t>
+              <a:t>A dev-ops team would ultimately write a failing test that exposes the root cause of a system outage, make the test pass and deploy through continuous integration.</a:t>
             </a:r>
           </a:p>
           <a:p>
             <a:pPr lvl="1"/>
             <a:r>
               <a:rPr/>
-              <a:t>compare REDS metrics to what the customer is seeing</a:t>
+              <a:t>Monitoring and logging helps get to the root cause of a problem a customer may be facing</a:t>
             </a:r>
           </a:p>
           <a:p>
             <a:pPr lvl="1"/>
             <a:r>
               <a:rPr/>
-              <a:t>errors for instance will be above the baseline established previously if customers are seeing errors</a:t>
+              <a:t>In chapter 4 of the book, we looked at different things we can learn from the otel demo</a:t>
+            </a:r>
+          </a:p>
+          <a:p>
+            <a:pPr lvl="1"/>
+            <a:r>
+              <a:rPr/>
+              <a:t>correlate what the customer is seeing with metrics … for instance</a:t>
             </a:r>
           </a:p>
         </p:txBody>
@@ -4775,7 +4961,7 @@
             </a:pPr>
             <a:r>
               <a:rPr/>
-              <a:t>Separate</a:t>
+              <a:t>Relate</a:t>
             </a:r>
             <a:r>
               <a:rPr/>
@@ -4783,7 +4969,7 @@
             </a:r>
             <a:r>
               <a:rPr/>
-              <a:t>tracing</a:t>
+              <a:t>REDS</a:t>
             </a:r>
             <a:r>
               <a:rPr/>
@@ -4791,7 +4977,7 @@
             </a:r>
             <a:r>
               <a:rPr/>
-              <a:t>from</a:t>
+              <a:t>metrics</a:t>
             </a:r>
             <a:r>
               <a:rPr/>
@@ -4799,7 +4985,47 @@
             </a:r>
             <a:r>
               <a:rPr/>
-              <a:t>handling</a:t>
+              <a:t>to</a:t>
+            </a:r>
+            <a:r>
+              <a:rPr/>
+              <a:t> </a:t>
+            </a:r>
+            <a:r>
+              <a:rPr/>
+              <a:t>what</a:t>
+            </a:r>
+            <a:r>
+              <a:rPr/>
+              <a:t> </a:t>
+            </a:r>
+            <a:r>
+              <a:rPr/>
+              <a:t>the</a:t>
+            </a:r>
+            <a:r>
+              <a:rPr/>
+              <a:t> </a:t>
+            </a:r>
+            <a:r>
+              <a:rPr/>
+              <a:t>customer</a:t>
+            </a:r>
+            <a:r>
+              <a:rPr/>
+              <a:t> </a:t>
+            </a:r>
+            <a:r>
+              <a:rPr/>
+              <a:t>is</a:t>
+            </a:r>
+            <a:r>
+              <a:rPr/>
+              <a:t> </a:t>
+            </a:r>
+            <a:r>
+              <a:rPr/>
+              <a:t>seeing</a:t>
             </a:r>
           </a:p>
         </p:txBody>
@@ -4819,113 +5045,24 @@
           <a:bodyPr/>
           <a:lstStyle/>
           <a:p>
-            <a:pPr lvl="0" indent="0">
-              <a:buNone/>
-            </a:pPr>
-            <a:r>
-              <a:rPr>
-                <a:latin typeface="Courier"/>
-              </a:rPr>
-              <a:t>from opentelemetry import trace</a:t>
-            </a:r>
-            <a:br/>
-            <a:r>
-              <a:rPr>
-                <a:latin typeface="Courier"/>
-              </a:rPr>
-              <a:t>span </a:t>
-            </a:r>
-            <a:r>
-              <a:rPr>
-                <a:solidFill>
-                  <a:srgbClr val="666666"/>
-                </a:solidFill>
-                <a:latin typeface="Courier"/>
-              </a:rPr>
-              <a:t>=</a:t>
-            </a:r>
-            <a:r>
-              <a:rPr>
-                <a:latin typeface="Courier"/>
-              </a:rPr>
-              <a:t> trace.get_current_span()</a:t>
-            </a:r>
-            <a:br/>
-            <a:r>
-              <a:rPr b="1">
-                <a:solidFill>
-                  <a:srgbClr val="007020"/>
-                </a:solidFill>
-                <a:latin typeface="Courier"/>
-              </a:rPr>
-              <a:t>except</a:t>
-            </a:r>
-            <a:r>
-              <a:rPr>
-                <a:latin typeface="Courier"/>
-              </a:rPr>
-              <a:t> </a:t>
-            </a:r>
-            <a:r>
-              <a:rPr>
-                <a:solidFill>
-                  <a:srgbClr val="BC7A00"/>
-                </a:solidFill>
-                <a:latin typeface="Courier"/>
-              </a:rPr>
-              <a:t>ValueError</a:t>
-            </a:r>
-            <a:r>
-              <a:rPr>
-                <a:latin typeface="Courier"/>
-              </a:rPr>
-              <a:t> as exc:</a:t>
-            </a:r>
-            <a:br/>
-            <a:r>
-              <a:rPr>
-                <a:latin typeface="Courier"/>
-              </a:rPr>
-              <a:t>    </a:t>
-            </a:r>
-            <a:r>
-              <a:rPr i="1">
-                <a:solidFill>
-                  <a:srgbClr val="60A0B0"/>
-                </a:solidFill>
-                <a:latin typeface="Courier"/>
-              </a:rPr>
-              <a:t># Record the exception and update the span status.</a:t>
-            </a:r>
-            <a:br/>
-            <a:r>
-              <a:rPr>
-                <a:latin typeface="Courier"/>
-              </a:rPr>
-              <a:t>    span.record_exception(exc)</a:t>
-            </a:r>
-            <a:br/>
-            <a:r>
-              <a:rPr>
-                <a:latin typeface="Courier"/>
-              </a:rPr>
-              <a:t>    span.set_status(trace.Status(trace.StatusCode.ERROR, str(exc)))</a:t>
-            </a:r>
-            <a:br/>
-            <a:r>
-              <a:rPr>
-                <a:latin typeface="Courier"/>
-              </a:rPr>
-              <a:t>    </a:t>
-            </a:r>
-            <a:r>
-              <a:rPr b="1">
-                <a:solidFill>
-                  <a:srgbClr val="007020"/>
-                </a:solidFill>
-                <a:latin typeface="Courier"/>
-              </a:rPr>
-              <a:t>raise</a:t>
+            <a:pPr lvl="1"/>
+            <a:r>
+              <a:rPr/>
+              <a:t>use metric attributes to drill down to the subsystem</a:t>
+            </a:r>
+          </a:p>
+          <a:p>
+            <a:pPr lvl="1"/>
+            <a:r>
+              <a:rPr/>
+              <a:t>compare REDS metrics to what the customer is seeing</a:t>
+            </a:r>
+          </a:p>
+          <a:p>
+            <a:pPr lvl="1"/>
+            <a:r>
+              <a:rPr/>
+              <a:t>errors for instance will be above the baseline established previously if customers are seeing errors</a:t>
             </a:r>
           </a:p>
         </p:txBody>
@@ -4980,7 +5117,7 @@
             </a:r>
             <a:r>
               <a:rPr/>
-              <a:t>logging</a:t>
+              <a:t>tracing</a:t>
             </a:r>
             <a:r>
               <a:rPr/>
@@ -5023,134 +5160,90 @@
               <a:rPr>
                 <a:latin typeface="Courier"/>
               </a:rPr>
-              <a:t>import traceback</a:t>
+              <a:t>from opentelemetry import trace</a:t>
             </a:r>
             <a:br/>
             <a:r>
               <a:rPr>
                 <a:latin typeface="Courier"/>
               </a:rPr>
-              <a:t>import logging</a:t>
+              <a:t>span </a:t>
+            </a:r>
+            <a:r>
+              <a:rPr>
+                <a:solidFill>
+                  <a:srgbClr val="666666"/>
+                </a:solidFill>
+                <a:latin typeface="Courier"/>
+              </a:rPr>
+              <a:t>=</a:t>
+            </a:r>
+            <a:r>
+              <a:rPr>
+                <a:latin typeface="Courier"/>
+              </a:rPr>
+              <a:t> trace.get_current_span()</a:t>
             </a:r>
             <a:br/>
             <a:r>
-              <a:rPr>
-                <a:latin typeface="Courier"/>
-              </a:rPr>
-              <a:t>logging.basicConfig(level</a:t>
-            </a:r>
-            <a:r>
-              <a:rPr>
-                <a:solidFill>
-                  <a:srgbClr val="666666"/>
-                </a:solidFill>
-                <a:latin typeface="Courier"/>
-              </a:rPr>
-              <a:t>=</a:t>
-            </a:r>
-            <a:r>
-              <a:rPr>
-                <a:latin typeface="Courier"/>
-              </a:rPr>
-              <a:t>logging.INFO)</a:t>
+              <a:rPr b="1">
+                <a:solidFill>
+                  <a:srgbClr val="007020"/>
+                </a:solidFill>
+                <a:latin typeface="Courier"/>
+              </a:rPr>
+              <a:t>except</a:t>
+            </a:r>
+            <a:r>
+              <a:rPr>
+                <a:latin typeface="Courier"/>
+              </a:rPr>
+              <a:t> </a:t>
+            </a:r>
+            <a:r>
+              <a:rPr>
+                <a:solidFill>
+                  <a:srgbClr val="BC7A00"/>
+                </a:solidFill>
+                <a:latin typeface="Courier"/>
+              </a:rPr>
+              <a:t>ValueError</a:t>
+            </a:r>
+            <a:r>
+              <a:rPr>
+                <a:latin typeface="Courier"/>
+              </a:rPr>
+              <a:t> as exc:</a:t>
             </a:r>
             <a:br/>
             <a:r>
               <a:rPr>
                 <a:latin typeface="Courier"/>
               </a:rPr>
-              <a:t>logger </a:t>
-            </a:r>
-            <a:r>
-              <a:rPr>
-                <a:solidFill>
-                  <a:srgbClr val="666666"/>
-                </a:solidFill>
-                <a:latin typeface="Courier"/>
-              </a:rPr>
-              <a:t>=</a:t>
-            </a:r>
-            <a:r>
-              <a:rPr>
-                <a:latin typeface="Courier"/>
-              </a:rPr>
-              <a:t> logging.getLogger(</a:t>
-            </a:r>
-            <a:r>
-              <a:rPr>
-                <a:solidFill>
-                  <a:srgbClr val="19177C"/>
-                </a:solidFill>
-                <a:latin typeface="Courier"/>
-              </a:rPr>
-              <a:t>__name__</a:t>
-            </a:r>
-            <a:r>
-              <a:rPr>
-                <a:latin typeface="Courier"/>
-              </a:rPr>
-              <a:t>)</a:t>
+              <a:t>    </a:t>
+            </a:r>
+            <a:r>
+              <a:rPr i="1">
+                <a:solidFill>
+                  <a:srgbClr val="60A0B0"/>
+                </a:solidFill>
+                <a:latin typeface="Courier"/>
+              </a:rPr>
+              <a:t># Record the exception and update the span status.</a:t>
             </a:r>
             <a:br/>
             <a:r>
-              <a:rPr b="1">
-                <a:solidFill>
-                  <a:srgbClr val="007020"/>
-                </a:solidFill>
-                <a:latin typeface="Courier"/>
-              </a:rPr>
-              <a:t>try</a:t>
-            </a:r>
-            <a:r>
-              <a:rPr>
-                <a:latin typeface="Courier"/>
-              </a:rPr>
-              <a:t>:</a:t>
+              <a:rPr>
+                <a:latin typeface="Courier"/>
+              </a:rPr>
+              <a:t>    span.record_exception(exc)</a:t>
             </a:r>
             <a:br/>
             <a:r>
               <a:rPr>
                 <a:latin typeface="Courier"/>
               </a:rPr>
-              <a:t>    do_something_that_might_error()</a:t>
-            </a:r>
-            <a:br/>
-            <a:r>
-              <a:rPr b="1">
-                <a:solidFill>
-                  <a:srgbClr val="007020"/>
-                </a:solidFill>
-                <a:latin typeface="Courier"/>
-              </a:rPr>
-              <a:t>except</a:t>
-            </a:r>
-            <a:r>
-              <a:rPr>
-                <a:latin typeface="Courier"/>
-              </a:rPr>
-              <a:t> </a:t>
-            </a:r>
-            <a:r>
-              <a:rPr>
-                <a:solidFill>
-                  <a:srgbClr val="BC7A00"/>
-                </a:solidFill>
-                <a:latin typeface="Courier"/>
-              </a:rPr>
-              <a:t>Exception</a:t>
-            </a:r>
-            <a:r>
-              <a:rPr>
-                <a:latin typeface="Courier"/>
-              </a:rPr>
-              <a:t> as error:</a:t>
-            </a:r>
-            <a:br/>
-            <a:r>
-              <a:rPr>
-                <a:latin typeface="Courier"/>
-              </a:rPr>
-              <a:t>    logger.debug(traceback.format_exc())</a:t>
+              <a:t>    span.set_status(trace.Status(trace.StatusCode.ERROR, str(exc)))</a:t>
             </a:r>
             <a:br/>
             <a:r>
@@ -5221,7 +5314,7 @@
             </a:r>
             <a:r>
               <a:rPr/>
-              <a:t>Metric</a:t>
+              <a:t>logging</a:t>
             </a:r>
             <a:r>
               <a:rPr/>
@@ -5261,6 +5354,79 @@
               <a:buNone/>
             </a:pPr>
             <a:r>
+              <a:rPr>
+                <a:latin typeface="Courier"/>
+              </a:rPr>
+              <a:t>import traceback</a:t>
+            </a:r>
+            <a:br/>
+            <a:r>
+              <a:rPr>
+                <a:latin typeface="Courier"/>
+              </a:rPr>
+              <a:t>import logging</a:t>
+            </a:r>
+            <a:br/>
+            <a:r>
+              <a:rPr>
+                <a:latin typeface="Courier"/>
+              </a:rPr>
+              <a:t>logging.basicConfig(level</a:t>
+            </a:r>
+            <a:r>
+              <a:rPr>
+                <a:solidFill>
+                  <a:srgbClr val="666666"/>
+                </a:solidFill>
+                <a:latin typeface="Courier"/>
+              </a:rPr>
+              <a:t>=</a:t>
+            </a:r>
+            <a:r>
+              <a:rPr>
+                <a:latin typeface="Courier"/>
+              </a:rPr>
+              <a:t>logging.INFO)</a:t>
+            </a:r>
+            <a:br/>
+            <a:r>
+              <a:rPr>
+                <a:latin typeface="Courier"/>
+              </a:rPr>
+              <a:t>logger </a:t>
+            </a:r>
+            <a:r>
+              <a:rPr>
+                <a:solidFill>
+                  <a:srgbClr val="666666"/>
+                </a:solidFill>
+                <a:latin typeface="Courier"/>
+              </a:rPr>
+              <a:t>=</a:t>
+            </a:r>
+            <a:r>
+              <a:rPr>
+                <a:latin typeface="Courier"/>
+              </a:rPr>
+              <a:t> logging.getLogger(</a:t>
+            </a:r>
+            <a:r>
+              <a:rPr>
+                <a:solidFill>
+                  <a:srgbClr val="19177C"/>
+                </a:solidFill>
+                <a:latin typeface="Courier"/>
+              </a:rPr>
+              <a:t>__name__</a:t>
+            </a:r>
+            <a:r>
+              <a:rPr>
+                <a:latin typeface="Courier"/>
+              </a:rPr>
+              <a:t>)</a:t>
+            </a:r>
+            <a:br/>
+            <a:r>
               <a:rPr b="1">
                 <a:solidFill>
                   <a:srgbClr val="007020"/>
@@ -5296,59 +5462,29 @@
               <a:rPr>
                 <a:latin typeface="Courier"/>
               </a:rPr>
-              <a:t>:</a:t>
+              <a:t> </a:t>
+            </a:r>
+            <a:r>
+              <a:rPr>
+                <a:solidFill>
+                  <a:srgbClr val="BC7A00"/>
+                </a:solidFill>
+                <a:latin typeface="Courier"/>
+              </a:rPr>
+              <a:t>Exception</a:t>
+            </a:r>
+            <a:r>
+              <a:rPr>
+                <a:latin typeface="Courier"/>
+              </a:rPr>
+              <a:t> as error:</a:t>
             </a:r>
             <a:br/>
             <a:r>
               <a:rPr>
                 <a:latin typeface="Courier"/>
               </a:rPr>
-              <a:t>    error_counter.add(</a:t>
-            </a:r>
-            <a:r>
-              <a:rPr>
-                <a:solidFill>
-                  <a:srgbClr val="40A070"/>
-                </a:solidFill>
-                <a:latin typeface="Courier"/>
-              </a:rPr>
-              <a:t>1</a:t>
-            </a:r>
-            <a:r>
-              <a:rPr>
-                <a:latin typeface="Courier"/>
-              </a:rPr>
-              <a:t>, {</a:t>
-            </a:r>
-            <a:r>
-              <a:rPr>
-                <a:solidFill>
-                  <a:srgbClr val="4070A0"/>
-                </a:solidFill>
-                <a:latin typeface="Courier"/>
-              </a:rPr>
-              <a:t>"error.module"</a:t>
-            </a:r>
-            <a:r>
-              <a:rPr>
-                <a:latin typeface="Courier"/>
-              </a:rPr>
-              <a:t>: </a:t>
-            </a:r>
-            <a:r>
-              <a:rPr>
-                <a:solidFill>
-                  <a:srgbClr val="19177C"/>
-                </a:solidFill>
-                <a:latin typeface="Courier"/>
-              </a:rPr>
-              <a:t>__name__</a:t>
-            </a:r>
-            <a:r>
-              <a:rPr>
-                <a:latin typeface="Courier"/>
-              </a:rPr>
-              <a:t>})</a:t>
+              <a:t>    logger.debug(traceback.format_exc())</a:t>
             </a:r>
             <a:br/>
             <a:r>

--- a/monolith_analysis/slides.pptx
+++ b/monolith_analysis/slides.pptx
@@ -1,6 +1,6 @@
 
 <file path=ppt/presentation.xml><?xml version="1.0" encoding="utf-8"?>
-<p:presentation xmlns:a="http://schemas.openxmlformats.org/drawingml/2006/main" xmlns:r="http://schemas.openxmlformats.org/officeDocument/2006/relationships" xmlns:p="http://schemas.openxmlformats.org/presentationml/2006/main" saveSubsetFonts="1" autoCompressPictures="0">
+<p:presentation xmlns:a="http://schemas.openxmlformats.org/drawingml/2006/main" xmlns:p="http://schemas.openxmlformats.org/presentationml/2006/main" xmlns:r="http://schemas.openxmlformats.org/officeDocument/2006/relationships" autoCompressPictures="0" saveSubsetFonts="1">
   <p:sldMasterIdLst>
     <p:sldMasterId id="2147483648" r:id="rId1"/>
   </p:sldMasterIdLst>
@@ -22,14 +22,14 @@
     <p:sldId id="270" r:id="rId16"/>
     <p:sldId id="271" r:id="rId17"/>
   </p:sldIdLst>
-  <p:sldSz cx="9144000" cy="6858000" type="screen4x3"/>
+  <p:sldSz cx="9144000" cy="5143500" type="screen16x9"/>
   <p:notesSz cx="6858000" cy="9144000"/>
   <p:defaultTextStyle>
     <a:defPPr>
       <a:defRPr lang="en-US"/>
     </a:defPPr>
-    <a:lvl1pPr marL="0" algn="l" defTabSz="457200" rtl="0" eaLnBrk="1" latinLnBrk="0" hangingPunct="1">
-      <a:defRPr sz="1800" kern="1200">
+    <a:lvl1pPr algn="l" defTabSz="457200" eaLnBrk="1" hangingPunct="1" latinLnBrk="0" marL="0" rtl="0">
+      <a:defRPr kern="1200" sz="1800">
         <a:solidFill>
           <a:schemeClr val="tx1"/>
         </a:solidFill>
@@ -38,8 +38,8 @@
         <a:cs typeface="+mn-cs"/>
       </a:defRPr>
     </a:lvl1pPr>
-    <a:lvl2pPr marL="457200" algn="l" defTabSz="457200" rtl="0" eaLnBrk="1" latinLnBrk="0" hangingPunct="1">
-      <a:defRPr sz="1800" kern="1200">
+    <a:lvl2pPr algn="l" defTabSz="457200" eaLnBrk="1" hangingPunct="1" latinLnBrk="0" marL="457200" rtl="0">
+      <a:defRPr kern="1200" sz="1800">
         <a:solidFill>
           <a:schemeClr val="tx1"/>
         </a:solidFill>
@@ -48,8 +48,8 @@
         <a:cs typeface="+mn-cs"/>
       </a:defRPr>
     </a:lvl2pPr>
-    <a:lvl3pPr marL="914400" algn="l" defTabSz="457200" rtl="0" eaLnBrk="1" latinLnBrk="0" hangingPunct="1">
-      <a:defRPr sz="1800" kern="1200">
+    <a:lvl3pPr algn="l" defTabSz="457200" eaLnBrk="1" hangingPunct="1" latinLnBrk="0" marL="914400" rtl="0">
+      <a:defRPr kern="1200" sz="1800">
         <a:solidFill>
           <a:schemeClr val="tx1"/>
         </a:solidFill>
@@ -58,8 +58,8 @@
         <a:cs typeface="+mn-cs"/>
       </a:defRPr>
     </a:lvl3pPr>
-    <a:lvl4pPr marL="1371600" algn="l" defTabSz="457200" rtl="0" eaLnBrk="1" latinLnBrk="0" hangingPunct="1">
-      <a:defRPr sz="1800" kern="1200">
+    <a:lvl4pPr algn="l" defTabSz="457200" eaLnBrk="1" hangingPunct="1" latinLnBrk="0" marL="1371600" rtl="0">
+      <a:defRPr kern="1200" sz="1800">
         <a:solidFill>
           <a:schemeClr val="tx1"/>
         </a:solidFill>
@@ -68,8 +68,8 @@
         <a:cs typeface="+mn-cs"/>
       </a:defRPr>
     </a:lvl4pPr>
-    <a:lvl5pPr marL="1828800" algn="l" defTabSz="457200" rtl="0" eaLnBrk="1" latinLnBrk="0" hangingPunct="1">
-      <a:defRPr sz="1800" kern="1200">
+    <a:lvl5pPr algn="l" defTabSz="457200" eaLnBrk="1" hangingPunct="1" latinLnBrk="0" marL="1828800" rtl="0">
+      <a:defRPr kern="1200" sz="1800">
         <a:solidFill>
           <a:schemeClr val="tx1"/>
         </a:solidFill>
@@ -78,8 +78,8 @@
         <a:cs typeface="+mn-cs"/>
       </a:defRPr>
     </a:lvl5pPr>
-    <a:lvl6pPr marL="2286000" algn="l" defTabSz="457200" rtl="0" eaLnBrk="1" latinLnBrk="0" hangingPunct="1">
-      <a:defRPr sz="1800" kern="1200">
+    <a:lvl6pPr algn="l" defTabSz="457200" eaLnBrk="1" hangingPunct="1" latinLnBrk="0" marL="2286000" rtl="0">
+      <a:defRPr kern="1200" sz="1800">
         <a:solidFill>
           <a:schemeClr val="tx1"/>
         </a:solidFill>
@@ -88,8 +88,8 @@
         <a:cs typeface="+mn-cs"/>
       </a:defRPr>
     </a:lvl6pPr>
-    <a:lvl7pPr marL="2743200" algn="l" defTabSz="457200" rtl="0" eaLnBrk="1" latinLnBrk="0" hangingPunct="1">
-      <a:defRPr sz="1800" kern="1200">
+    <a:lvl7pPr algn="l" defTabSz="457200" eaLnBrk="1" hangingPunct="1" latinLnBrk="0" marL="2743200" rtl="0">
+      <a:defRPr kern="1200" sz="1800">
         <a:solidFill>
           <a:schemeClr val="tx1"/>
         </a:solidFill>
@@ -98,8 +98,8 @@
         <a:cs typeface="+mn-cs"/>
       </a:defRPr>
     </a:lvl7pPr>
-    <a:lvl8pPr marL="3200400" algn="l" defTabSz="457200" rtl="0" eaLnBrk="1" latinLnBrk="0" hangingPunct="1">
-      <a:defRPr sz="1800" kern="1200">
+    <a:lvl8pPr algn="l" defTabSz="457200" eaLnBrk="1" hangingPunct="1" latinLnBrk="0" marL="3200400" rtl="0">
+      <a:defRPr kern="1200" sz="1800">
         <a:solidFill>
           <a:schemeClr val="tx1"/>
         </a:solidFill>
@@ -108,8 +108,8 @@
         <a:cs typeface="+mn-cs"/>
       </a:defRPr>
     </a:lvl8pPr>
-    <a:lvl9pPr marL="3657600" algn="l" defTabSz="457200" rtl="0" eaLnBrk="1" latinLnBrk="0" hangingPunct="1">
-      <a:defRPr sz="1800" kern="1200">
+    <a:lvl9pPr algn="l" defTabSz="457200" eaLnBrk="1" hangingPunct="1" latinLnBrk="0" marL="3657600" rtl="0">
+      <a:defRPr kern="1200" sz="1800">
         <a:solidFill>
           <a:schemeClr val="tx1"/>
         </a:solidFill>
@@ -122,12 +122,12 @@
   <p:extLst>
     <p:ext uri="{EFAFB233-063F-42B5-8137-9DF3F51BA10A}">
       <p15:sldGuideLst xmlns:p15="http://schemas.microsoft.com/office/powerpoint/2012/main">
-        <p15:guide id="1" orient="horz" pos="2160">
+        <p15:guide id="1" orient="horz" pos="1620" userDrawn="1">
           <p15:clr>
             <a:srgbClr val="A4A3A4"/>
           </p15:clr>
         </p15:guide>
-        <p15:guide id="2" pos="2880">
+        <p15:guide id="2" pos="2880" userDrawn="1">
           <p15:clr>
             <a:srgbClr val="A4A3A4"/>
           </p15:clr>
@@ -167,8 +167,8 @@
         </p:nvSpPr>
         <p:spPr>
           <a:xfrm>
-            <a:off x="685800" y="2130425"/>
-            <a:ext cx="7772400" cy="1470025"/>
+            <a:off x="685800" y="1597819"/>
+            <a:ext cx="7772400" cy="1102519"/>
           </a:xfrm>
         </p:spPr>
         <p:txBody>
@@ -176,10 +176,9 @@
           <a:lstStyle/>
           <a:p>
             <a:r>
-              <a:rPr lang="en-US" smtClean="0"/>
+              <a:rPr lang="en-US"/>
               <a:t>Click to edit Master title style</a:t>
             </a:r>
-            <a:endParaRPr lang="en-US"/>
           </a:p>
         </p:txBody>
       </p:sp>
@@ -195,8 +194,8 @@
         </p:nvSpPr>
         <p:spPr>
           <a:xfrm>
-            <a:off x="1371600" y="3886200"/>
-            <a:ext cx="6400800" cy="1752600"/>
+            <a:off x="1371600" y="2914650"/>
+            <a:ext cx="6400800" cy="1314450"/>
           </a:xfrm>
         </p:spPr>
         <p:txBody>
@@ -212,7 +211,7 @@
                 </a:solidFill>
               </a:defRPr>
             </a:lvl1pPr>
-            <a:lvl2pPr marL="457200" indent="0" algn="ctr">
+            <a:lvl2pPr marL="342900" indent="0" algn="ctr">
               <a:buNone/>
               <a:defRPr>
                 <a:solidFill>
@@ -222,7 +221,7 @@
                 </a:solidFill>
               </a:defRPr>
             </a:lvl2pPr>
-            <a:lvl3pPr marL="914400" indent="0" algn="ctr">
+            <a:lvl3pPr marL="685800" indent="0" algn="ctr">
               <a:buNone/>
               <a:defRPr>
                 <a:solidFill>
@@ -232,7 +231,7 @@
                 </a:solidFill>
               </a:defRPr>
             </a:lvl3pPr>
-            <a:lvl4pPr marL="1371600" indent="0" algn="ctr">
+            <a:lvl4pPr marL="1028700" indent="0" algn="ctr">
               <a:buNone/>
               <a:defRPr>
                 <a:solidFill>
@@ -242,7 +241,7 @@
                 </a:solidFill>
               </a:defRPr>
             </a:lvl4pPr>
-            <a:lvl5pPr marL="1828800" indent="0" algn="ctr">
+            <a:lvl5pPr marL="1371600" indent="0" algn="ctr">
               <a:buNone/>
               <a:defRPr>
                 <a:solidFill>
@@ -252,7 +251,7 @@
                 </a:solidFill>
               </a:defRPr>
             </a:lvl5pPr>
-            <a:lvl6pPr marL="2286000" indent="0" algn="ctr">
+            <a:lvl6pPr marL="1714500" indent="0" algn="ctr">
               <a:buNone/>
               <a:defRPr>
                 <a:solidFill>
@@ -262,7 +261,7 @@
                 </a:solidFill>
               </a:defRPr>
             </a:lvl6pPr>
-            <a:lvl7pPr marL="2743200" indent="0" algn="ctr">
+            <a:lvl7pPr marL="2057400" indent="0" algn="ctr">
               <a:buNone/>
               <a:defRPr>
                 <a:solidFill>
@@ -272,7 +271,7 @@
                 </a:solidFill>
               </a:defRPr>
             </a:lvl7pPr>
-            <a:lvl8pPr marL="3200400" indent="0" algn="ctr">
+            <a:lvl8pPr marL="2400300" indent="0" algn="ctr">
               <a:buNone/>
               <a:defRPr>
                 <a:solidFill>
@@ -282,7 +281,7 @@
                 </a:solidFill>
               </a:defRPr>
             </a:lvl8pPr>
-            <a:lvl9pPr marL="3657600" indent="0" algn="ctr">
+            <a:lvl9pPr marL="2743200" indent="0" algn="ctr">
               <a:buNone/>
               <a:defRPr>
                 <a:solidFill>
@@ -295,10 +294,9 @@
           </a:lstStyle>
           <a:p>
             <a:r>
-              <a:rPr lang="en-US" smtClean="0"/>
+              <a:rPr lang="en-US"/>
               <a:t>Click to edit Master subtitle style</a:t>
             </a:r>
-            <a:endParaRPr lang="en-US"/>
           </a:p>
         </p:txBody>
       </p:sp>
@@ -319,7 +317,7 @@
           <a:p>
             <a:fld id="{241EB5C9-1307-BA42-ABA2-0BC069CD8E7F}" type="datetimeFigureOut">
               <a:rPr lang="en-US" smtClean="0"/>
-              <a:t>4/5/2019</a:t>
+              <a:t>1/2/22</a:t>
             </a:fld>
             <a:endParaRPr lang="en-US"/>
           </a:p>
@@ -413,10 +411,9 @@
           <a:lstStyle/>
           <a:p>
             <a:r>
-              <a:rPr lang="en-US" smtClean="0"/>
+              <a:rPr lang="en-US"/>
               <a:t>Click to edit Master title style</a:t>
             </a:r>
-            <a:endParaRPr lang="en-US"/>
           </a:p>
         </p:txBody>
       </p:sp>
@@ -437,38 +434,37 @@
           <a:p>
             <a:pPr lvl="0"/>
             <a:r>
-              <a:rPr lang="en-US" smtClean="0"/>
+              <a:rPr lang="en-US"/>
               <a:t>Click to edit Master text styles</a:t>
             </a:r>
           </a:p>
           <a:p>
             <a:pPr lvl="1"/>
             <a:r>
-              <a:rPr lang="en-US" smtClean="0"/>
+              <a:rPr lang="en-US"/>
               <a:t>Second level</a:t>
             </a:r>
           </a:p>
           <a:p>
             <a:pPr lvl="2"/>
             <a:r>
-              <a:rPr lang="en-US" smtClean="0"/>
+              <a:rPr lang="en-US"/>
               <a:t>Third level</a:t>
             </a:r>
           </a:p>
           <a:p>
             <a:pPr lvl="3"/>
             <a:r>
-              <a:rPr lang="en-US" smtClean="0"/>
+              <a:rPr lang="en-US"/>
               <a:t>Fourth level</a:t>
             </a:r>
           </a:p>
           <a:p>
             <a:pPr lvl="4"/>
             <a:r>
-              <a:rPr lang="en-US" smtClean="0"/>
+              <a:rPr lang="en-US"/>
               <a:t>Fifth level</a:t>
             </a:r>
-            <a:endParaRPr lang="en-US"/>
           </a:p>
         </p:txBody>
       </p:sp>
@@ -489,7 +485,7 @@
           <a:p>
             <a:fld id="{241EB5C9-1307-BA42-ABA2-0BC069CD8E7F}" type="datetimeFigureOut">
               <a:rPr lang="en-US" smtClean="0"/>
-              <a:t>4/5/2019</a:t>
+              <a:t>1/2/22</a:t>
             </a:fld>
             <a:endParaRPr lang="en-US"/>
           </a:p>
@@ -579,8 +575,8 @@
         </p:nvSpPr>
         <p:spPr>
           <a:xfrm>
-            <a:off x="6629400" y="274638"/>
-            <a:ext cx="2057400" cy="5851525"/>
+            <a:off x="6629400" y="205979"/>
+            <a:ext cx="2057400" cy="4388644"/>
           </a:xfrm>
         </p:spPr>
         <p:txBody>
@@ -588,10 +584,9 @@
           <a:lstStyle/>
           <a:p>
             <a:r>
-              <a:rPr lang="en-US" smtClean="0"/>
+              <a:rPr lang="en-US"/>
               <a:t>Click to edit Master title style</a:t>
             </a:r>
-            <a:endParaRPr lang="en-US"/>
           </a:p>
         </p:txBody>
       </p:sp>
@@ -607,8 +602,8 @@
         </p:nvSpPr>
         <p:spPr>
           <a:xfrm>
-            <a:off x="457200" y="274638"/>
-            <a:ext cx="6019800" cy="5851525"/>
+            <a:off x="457200" y="205979"/>
+            <a:ext cx="6019800" cy="4388644"/>
           </a:xfrm>
         </p:spPr>
         <p:txBody>
@@ -617,38 +612,37 @@
           <a:p>
             <a:pPr lvl="0"/>
             <a:r>
-              <a:rPr lang="en-US" smtClean="0"/>
+              <a:rPr lang="en-US"/>
               <a:t>Click to edit Master text styles</a:t>
             </a:r>
           </a:p>
           <a:p>
             <a:pPr lvl="1"/>
             <a:r>
-              <a:rPr lang="en-US" smtClean="0"/>
+              <a:rPr lang="en-US"/>
               <a:t>Second level</a:t>
             </a:r>
           </a:p>
           <a:p>
             <a:pPr lvl="2"/>
             <a:r>
-              <a:rPr lang="en-US" smtClean="0"/>
+              <a:rPr lang="en-US"/>
               <a:t>Third level</a:t>
             </a:r>
           </a:p>
           <a:p>
             <a:pPr lvl="3"/>
             <a:r>
-              <a:rPr lang="en-US" smtClean="0"/>
+              <a:rPr lang="en-US"/>
               <a:t>Fourth level</a:t>
             </a:r>
           </a:p>
           <a:p>
             <a:pPr lvl="4"/>
             <a:r>
-              <a:rPr lang="en-US" smtClean="0"/>
+              <a:rPr lang="en-US"/>
               <a:t>Fifth level</a:t>
             </a:r>
-            <a:endParaRPr lang="en-US"/>
           </a:p>
         </p:txBody>
       </p:sp>
@@ -669,7 +663,7 @@
           <a:p>
             <a:fld id="{241EB5C9-1307-BA42-ABA2-0BC069CD8E7F}" type="datetimeFigureOut">
               <a:rPr lang="en-US" smtClean="0"/>
-              <a:t>4/5/2019</a:t>
+              <a:t>1/2/22</a:t>
             </a:fld>
             <a:endParaRPr lang="en-US"/>
           </a:p>
@@ -763,10 +757,9 @@
           <a:lstStyle/>
           <a:p>
             <a:r>
-              <a:rPr lang="en-US" smtClean="0"/>
+              <a:rPr lang="en-US"/>
               <a:t>Click to edit Master title style</a:t>
             </a:r>
-            <a:endParaRPr lang="en-US"/>
           </a:p>
         </p:txBody>
       </p:sp>
@@ -787,38 +780,37 @@
           <a:p>
             <a:pPr lvl="0"/>
             <a:r>
-              <a:rPr lang="en-US" smtClean="0"/>
+              <a:rPr lang="en-US"/>
               <a:t>Click to edit Master text styles</a:t>
             </a:r>
           </a:p>
           <a:p>
             <a:pPr lvl="1"/>
             <a:r>
-              <a:rPr lang="en-US" smtClean="0"/>
+              <a:rPr lang="en-US"/>
               <a:t>Second level</a:t>
             </a:r>
           </a:p>
           <a:p>
             <a:pPr lvl="2"/>
             <a:r>
-              <a:rPr lang="en-US" smtClean="0"/>
+              <a:rPr lang="en-US"/>
               <a:t>Third level</a:t>
             </a:r>
           </a:p>
           <a:p>
             <a:pPr lvl="3"/>
             <a:r>
-              <a:rPr lang="en-US" smtClean="0"/>
+              <a:rPr lang="en-US"/>
               <a:t>Fourth level</a:t>
             </a:r>
           </a:p>
           <a:p>
             <a:pPr lvl="4"/>
             <a:r>
-              <a:rPr lang="en-US" smtClean="0"/>
+              <a:rPr lang="en-US"/>
               <a:t>Fifth level</a:t>
             </a:r>
-            <a:endParaRPr lang="en-US"/>
           </a:p>
         </p:txBody>
       </p:sp>
@@ -839,7 +831,7 @@
           <a:p>
             <a:fld id="{241EB5C9-1307-BA42-ABA2-0BC069CD8E7F}" type="datetimeFigureOut">
               <a:rPr lang="en-US" smtClean="0"/>
-              <a:t>4/5/2019</a:t>
+              <a:t>1/2/22</a:t>
             </a:fld>
             <a:endParaRPr lang="en-US"/>
           </a:p>
@@ -929,23 +921,22 @@
         </p:nvSpPr>
         <p:spPr>
           <a:xfrm>
-            <a:off x="722313" y="4406900"/>
-            <a:ext cx="7772400" cy="1362075"/>
+            <a:off x="722313" y="3305176"/>
+            <a:ext cx="7772400" cy="1021556"/>
           </a:xfrm>
         </p:spPr>
         <p:txBody>
           <a:bodyPr anchor="t"/>
           <a:lstStyle>
             <a:lvl1pPr algn="l">
-              <a:defRPr sz="4000" b="1" cap="all"/>
+              <a:defRPr sz="3000" b="1" cap="all"/>
             </a:lvl1pPr>
           </a:lstStyle>
           <a:p>
             <a:r>
-              <a:rPr lang="en-US" smtClean="0"/>
+              <a:rPr lang="en-US"/>
               <a:t>Click to edit Master title style</a:t>
             </a:r>
-            <a:endParaRPr lang="en-US"/>
           </a:p>
         </p:txBody>
       </p:sp>
@@ -961,8 +952,8 @@
         </p:nvSpPr>
         <p:spPr>
           <a:xfrm>
-            <a:off x="722313" y="2906713"/>
-            <a:ext cx="7772400" cy="1500187"/>
+            <a:off x="722313" y="2180035"/>
+            <a:ext cx="7772400" cy="1125140"/>
           </a:xfrm>
         </p:spPr>
         <p:txBody>
@@ -970,7 +961,7 @@
           <a:lstStyle>
             <a:lvl1pPr marL="0" indent="0">
               <a:buNone/>
-              <a:defRPr sz="2000">
+              <a:defRPr sz="1500">
                 <a:solidFill>
                   <a:schemeClr val="tx1">
                     <a:tint val="75000"/>
@@ -978,9 +969,9 @@
                 </a:solidFill>
               </a:defRPr>
             </a:lvl1pPr>
-            <a:lvl2pPr marL="457200" indent="0">
-              <a:buNone/>
-              <a:defRPr sz="1800">
+            <a:lvl2pPr marL="342900" indent="0">
+              <a:buNone/>
+              <a:defRPr sz="1350">
                 <a:solidFill>
                   <a:schemeClr val="tx1">
                     <a:tint val="75000"/>
@@ -988,9 +979,9 @@
                 </a:solidFill>
               </a:defRPr>
             </a:lvl2pPr>
-            <a:lvl3pPr marL="914400" indent="0">
-              <a:buNone/>
-              <a:defRPr sz="1600">
+            <a:lvl3pPr marL="685800" indent="0">
+              <a:buNone/>
+              <a:defRPr sz="1200">
                 <a:solidFill>
                   <a:schemeClr val="tx1">
                     <a:tint val="75000"/>
@@ -998,9 +989,9 @@
                 </a:solidFill>
               </a:defRPr>
             </a:lvl3pPr>
-            <a:lvl4pPr marL="1371600" indent="0">
-              <a:buNone/>
-              <a:defRPr sz="1400">
+            <a:lvl4pPr marL="1028700" indent="0">
+              <a:buNone/>
+              <a:defRPr sz="1050">
                 <a:solidFill>
                   <a:schemeClr val="tx1">
                     <a:tint val="75000"/>
@@ -1008,9 +999,9 @@
                 </a:solidFill>
               </a:defRPr>
             </a:lvl4pPr>
-            <a:lvl5pPr marL="1828800" indent="0">
-              <a:buNone/>
-              <a:defRPr sz="1400">
+            <a:lvl5pPr marL="1371600" indent="0">
+              <a:buNone/>
+              <a:defRPr sz="1050">
                 <a:solidFill>
                   <a:schemeClr val="tx1">
                     <a:tint val="75000"/>
@@ -1018,9 +1009,9 @@
                 </a:solidFill>
               </a:defRPr>
             </a:lvl5pPr>
-            <a:lvl6pPr marL="2286000" indent="0">
-              <a:buNone/>
-              <a:defRPr sz="1400">
+            <a:lvl6pPr marL="1714500" indent="0">
+              <a:buNone/>
+              <a:defRPr sz="1050">
                 <a:solidFill>
                   <a:schemeClr val="tx1">
                     <a:tint val="75000"/>
@@ -1028,9 +1019,9 @@
                 </a:solidFill>
               </a:defRPr>
             </a:lvl6pPr>
-            <a:lvl7pPr marL="2743200" indent="0">
-              <a:buNone/>
-              <a:defRPr sz="1400">
+            <a:lvl7pPr marL="2057400" indent="0">
+              <a:buNone/>
+              <a:defRPr sz="1050">
                 <a:solidFill>
                   <a:schemeClr val="tx1">
                     <a:tint val="75000"/>
@@ -1038,9 +1029,9 @@
                 </a:solidFill>
               </a:defRPr>
             </a:lvl7pPr>
-            <a:lvl8pPr marL="3200400" indent="0">
-              <a:buNone/>
-              <a:defRPr sz="1400">
+            <a:lvl8pPr marL="2400300" indent="0">
+              <a:buNone/>
+              <a:defRPr sz="1050">
                 <a:solidFill>
                   <a:schemeClr val="tx1">
                     <a:tint val="75000"/>
@@ -1048,9 +1039,9 @@
                 </a:solidFill>
               </a:defRPr>
             </a:lvl8pPr>
-            <a:lvl9pPr marL="3657600" indent="0">
-              <a:buNone/>
-              <a:defRPr sz="1400">
+            <a:lvl9pPr marL="2743200" indent="0">
+              <a:buNone/>
+              <a:defRPr sz="1050">
                 <a:solidFill>
                   <a:schemeClr val="tx1">
                     <a:tint val="75000"/>
@@ -1062,7 +1053,7 @@
           <a:p>
             <a:pPr lvl="0"/>
             <a:r>
-              <a:rPr lang="en-US" smtClean="0"/>
+              <a:rPr lang="en-US"/>
               <a:t>Click to edit Master text styles</a:t>
             </a:r>
           </a:p>
@@ -1085,7 +1076,7 @@
           <a:p>
             <a:fld id="{241EB5C9-1307-BA42-ABA2-0BC069CD8E7F}" type="datetimeFigureOut">
               <a:rPr lang="en-US" smtClean="0"/>
-              <a:t>4/5/2019</a:t>
+              <a:t>1/2/22</a:t>
             </a:fld>
             <a:endParaRPr lang="en-US"/>
           </a:p>
@@ -1179,10 +1170,9 @@
           <a:lstStyle/>
           <a:p>
             <a:r>
-              <a:rPr lang="en-US" smtClean="0"/>
+              <a:rPr lang="en-US"/>
               <a:t>Click to edit Master title style</a:t>
             </a:r>
-            <a:endParaRPr lang="en-US"/>
           </a:p>
         </p:txBody>
       </p:sp>
@@ -1198,76 +1188,75 @@
         </p:nvSpPr>
         <p:spPr>
           <a:xfrm>
-            <a:off x="457200" y="1600200"/>
-            <a:ext cx="4038600" cy="4525963"/>
+            <a:off x="457200" y="1200151"/>
+            <a:ext cx="4038600" cy="3394472"/>
           </a:xfrm>
         </p:spPr>
         <p:txBody>
           <a:bodyPr/>
           <a:lstStyle>
             <a:lvl1pPr>
-              <a:defRPr sz="2800"/>
+              <a:defRPr sz="2100"/>
             </a:lvl1pPr>
             <a:lvl2pPr>
-              <a:defRPr sz="2400"/>
+              <a:defRPr sz="1800"/>
             </a:lvl2pPr>
             <a:lvl3pPr>
-              <a:defRPr sz="2000"/>
+              <a:defRPr sz="1500"/>
             </a:lvl3pPr>
             <a:lvl4pPr>
-              <a:defRPr sz="1800"/>
+              <a:defRPr sz="1350"/>
             </a:lvl4pPr>
             <a:lvl5pPr>
-              <a:defRPr sz="1800"/>
+              <a:defRPr sz="1350"/>
             </a:lvl5pPr>
             <a:lvl6pPr>
-              <a:defRPr sz="1800"/>
+              <a:defRPr sz="1350"/>
             </a:lvl6pPr>
             <a:lvl7pPr>
-              <a:defRPr sz="1800"/>
+              <a:defRPr sz="1350"/>
             </a:lvl7pPr>
             <a:lvl8pPr>
-              <a:defRPr sz="1800"/>
+              <a:defRPr sz="1350"/>
             </a:lvl8pPr>
             <a:lvl9pPr>
-              <a:defRPr sz="1800"/>
+              <a:defRPr sz="1350"/>
             </a:lvl9pPr>
           </a:lstStyle>
           <a:p>
             <a:pPr lvl="0"/>
             <a:r>
-              <a:rPr lang="en-US" smtClean="0"/>
+              <a:rPr lang="en-US"/>
               <a:t>Click to edit Master text styles</a:t>
             </a:r>
           </a:p>
           <a:p>
             <a:pPr lvl="1"/>
             <a:r>
-              <a:rPr lang="en-US" smtClean="0"/>
+              <a:rPr lang="en-US"/>
               <a:t>Second level</a:t>
             </a:r>
           </a:p>
           <a:p>
             <a:pPr lvl="2"/>
             <a:r>
-              <a:rPr lang="en-US" smtClean="0"/>
+              <a:rPr lang="en-US"/>
               <a:t>Third level</a:t>
             </a:r>
           </a:p>
           <a:p>
             <a:pPr lvl="3"/>
             <a:r>
-              <a:rPr lang="en-US" smtClean="0"/>
+              <a:rPr lang="en-US"/>
               <a:t>Fourth level</a:t>
             </a:r>
           </a:p>
           <a:p>
             <a:pPr lvl="4"/>
             <a:r>
-              <a:rPr lang="en-US" smtClean="0"/>
+              <a:rPr lang="en-US"/>
               <a:t>Fifth level</a:t>
             </a:r>
-            <a:endParaRPr lang="en-US"/>
           </a:p>
         </p:txBody>
       </p:sp>
@@ -1283,76 +1272,75 @@
         </p:nvSpPr>
         <p:spPr>
           <a:xfrm>
-            <a:off x="4648200" y="1600200"/>
-            <a:ext cx="4038600" cy="4525963"/>
+            <a:off x="4648200" y="1200151"/>
+            <a:ext cx="4038600" cy="3394472"/>
           </a:xfrm>
         </p:spPr>
         <p:txBody>
           <a:bodyPr/>
           <a:lstStyle>
             <a:lvl1pPr>
-              <a:defRPr sz="2800"/>
+              <a:defRPr sz="2100"/>
             </a:lvl1pPr>
             <a:lvl2pPr>
-              <a:defRPr sz="2400"/>
+              <a:defRPr sz="1800"/>
             </a:lvl2pPr>
             <a:lvl3pPr>
-              <a:defRPr sz="2000"/>
+              <a:defRPr sz="1500"/>
             </a:lvl3pPr>
             <a:lvl4pPr>
-              <a:defRPr sz="1800"/>
+              <a:defRPr sz="1350"/>
             </a:lvl4pPr>
             <a:lvl5pPr>
-              <a:defRPr sz="1800"/>
+              <a:defRPr sz="1350"/>
             </a:lvl5pPr>
             <a:lvl6pPr>
-              <a:defRPr sz="1800"/>
+              <a:defRPr sz="1350"/>
             </a:lvl6pPr>
             <a:lvl7pPr>
-              <a:defRPr sz="1800"/>
+              <a:defRPr sz="1350"/>
             </a:lvl7pPr>
             <a:lvl8pPr>
-              <a:defRPr sz="1800"/>
+              <a:defRPr sz="1350"/>
             </a:lvl8pPr>
             <a:lvl9pPr>
-              <a:defRPr sz="1800"/>
+              <a:defRPr sz="1350"/>
             </a:lvl9pPr>
           </a:lstStyle>
           <a:p>
             <a:pPr lvl="0"/>
             <a:r>
-              <a:rPr lang="en-US" smtClean="0"/>
+              <a:rPr lang="en-US"/>
               <a:t>Click to edit Master text styles</a:t>
             </a:r>
           </a:p>
           <a:p>
             <a:pPr lvl="1"/>
             <a:r>
-              <a:rPr lang="en-US" smtClean="0"/>
+              <a:rPr lang="en-US"/>
               <a:t>Second level</a:t>
             </a:r>
           </a:p>
           <a:p>
             <a:pPr lvl="2"/>
             <a:r>
-              <a:rPr lang="en-US" smtClean="0"/>
+              <a:rPr lang="en-US"/>
               <a:t>Third level</a:t>
             </a:r>
           </a:p>
           <a:p>
             <a:pPr lvl="3"/>
             <a:r>
-              <a:rPr lang="en-US" smtClean="0"/>
+              <a:rPr lang="en-US"/>
               <a:t>Fourth level</a:t>
             </a:r>
           </a:p>
           <a:p>
             <a:pPr lvl="4"/>
             <a:r>
-              <a:rPr lang="en-US" smtClean="0"/>
+              <a:rPr lang="en-US"/>
               <a:t>Fifth level</a:t>
             </a:r>
-            <a:endParaRPr lang="en-US"/>
           </a:p>
         </p:txBody>
       </p:sp>
@@ -1373,7 +1361,7 @@
           <a:p>
             <a:fld id="{241EB5C9-1307-BA42-ABA2-0BC069CD8E7F}" type="datetimeFigureOut">
               <a:rPr lang="en-US" smtClean="0"/>
-              <a:t>4/5/2019</a:t>
+              <a:t>1/2/22</a:t>
             </a:fld>
             <a:endParaRPr lang="en-US"/>
           </a:p>
@@ -1471,10 +1459,9 @@
           </a:lstStyle>
           <a:p>
             <a:r>
-              <a:rPr lang="en-US" smtClean="0"/>
+              <a:rPr lang="en-US"/>
               <a:t>Click to edit Master title style</a:t>
             </a:r>
-            <a:endParaRPr lang="en-US"/>
           </a:p>
         </p:txBody>
       </p:sp>
@@ -1490,8 +1477,8 @@
         </p:nvSpPr>
         <p:spPr>
           <a:xfrm>
-            <a:off x="457200" y="1535113"/>
-            <a:ext cx="4040188" cy="639762"/>
+            <a:off x="457200" y="1151335"/>
+            <a:ext cx="4040188" cy="479822"/>
           </a:xfrm>
         </p:spPr>
         <p:txBody>
@@ -1499,45 +1486,45 @@
           <a:lstStyle>
             <a:lvl1pPr marL="0" indent="0">
               <a:buNone/>
-              <a:defRPr sz="2400" b="1"/>
+              <a:defRPr sz="1800" b="1"/>
             </a:lvl1pPr>
-            <a:lvl2pPr marL="457200" indent="0">
-              <a:buNone/>
-              <a:defRPr sz="2000" b="1"/>
+            <a:lvl2pPr marL="342900" indent="0">
+              <a:buNone/>
+              <a:defRPr sz="1500" b="1"/>
             </a:lvl2pPr>
-            <a:lvl3pPr marL="914400" indent="0">
-              <a:buNone/>
-              <a:defRPr sz="1800" b="1"/>
+            <a:lvl3pPr marL="685800" indent="0">
+              <a:buNone/>
+              <a:defRPr sz="1350" b="1"/>
             </a:lvl3pPr>
-            <a:lvl4pPr marL="1371600" indent="0">
-              <a:buNone/>
-              <a:defRPr sz="1600" b="1"/>
+            <a:lvl4pPr marL="1028700" indent="0">
+              <a:buNone/>
+              <a:defRPr sz="1200" b="1"/>
             </a:lvl4pPr>
-            <a:lvl5pPr marL="1828800" indent="0">
-              <a:buNone/>
-              <a:defRPr sz="1600" b="1"/>
+            <a:lvl5pPr marL="1371600" indent="0">
+              <a:buNone/>
+              <a:defRPr sz="1200" b="1"/>
             </a:lvl5pPr>
-            <a:lvl6pPr marL="2286000" indent="0">
-              <a:buNone/>
-              <a:defRPr sz="1600" b="1"/>
+            <a:lvl6pPr marL="1714500" indent="0">
+              <a:buNone/>
+              <a:defRPr sz="1200" b="1"/>
             </a:lvl6pPr>
-            <a:lvl7pPr marL="2743200" indent="0">
-              <a:buNone/>
-              <a:defRPr sz="1600" b="1"/>
+            <a:lvl7pPr marL="2057400" indent="0">
+              <a:buNone/>
+              <a:defRPr sz="1200" b="1"/>
             </a:lvl7pPr>
-            <a:lvl8pPr marL="3200400" indent="0">
-              <a:buNone/>
-              <a:defRPr sz="1600" b="1"/>
+            <a:lvl8pPr marL="2400300" indent="0">
+              <a:buNone/>
+              <a:defRPr sz="1200" b="1"/>
             </a:lvl8pPr>
-            <a:lvl9pPr marL="3657600" indent="0">
-              <a:buNone/>
-              <a:defRPr sz="1600" b="1"/>
+            <a:lvl9pPr marL="2743200" indent="0">
+              <a:buNone/>
+              <a:defRPr sz="1200" b="1"/>
             </a:lvl9pPr>
           </a:lstStyle>
           <a:p>
             <a:pPr lvl="0"/>
             <a:r>
-              <a:rPr lang="en-US" smtClean="0"/>
+              <a:rPr lang="en-US"/>
               <a:t>Click to edit Master text styles</a:t>
             </a:r>
           </a:p>
@@ -1555,76 +1542,75 @@
         </p:nvSpPr>
         <p:spPr>
           <a:xfrm>
-            <a:off x="457200" y="2174875"/>
-            <a:ext cx="4040188" cy="3951288"/>
+            <a:off x="457200" y="1631156"/>
+            <a:ext cx="4040188" cy="2963466"/>
           </a:xfrm>
         </p:spPr>
         <p:txBody>
           <a:bodyPr/>
           <a:lstStyle>
             <a:lvl1pPr>
-              <a:defRPr sz="2400"/>
+              <a:defRPr sz="1800"/>
             </a:lvl1pPr>
             <a:lvl2pPr>
-              <a:defRPr sz="2000"/>
+              <a:defRPr sz="1500"/>
             </a:lvl2pPr>
             <a:lvl3pPr>
-              <a:defRPr sz="1800"/>
+              <a:defRPr sz="1350"/>
             </a:lvl3pPr>
             <a:lvl4pPr>
-              <a:defRPr sz="1600"/>
+              <a:defRPr sz="1200"/>
             </a:lvl4pPr>
             <a:lvl5pPr>
-              <a:defRPr sz="1600"/>
+              <a:defRPr sz="1200"/>
             </a:lvl5pPr>
             <a:lvl6pPr>
-              <a:defRPr sz="1600"/>
+              <a:defRPr sz="1200"/>
             </a:lvl6pPr>
             <a:lvl7pPr>
-              <a:defRPr sz="1600"/>
+              <a:defRPr sz="1200"/>
             </a:lvl7pPr>
             <a:lvl8pPr>
-              <a:defRPr sz="1600"/>
+              <a:defRPr sz="1200"/>
             </a:lvl8pPr>
             <a:lvl9pPr>
-              <a:defRPr sz="1600"/>
+              <a:defRPr sz="1200"/>
             </a:lvl9pPr>
           </a:lstStyle>
           <a:p>
             <a:pPr lvl="0"/>
             <a:r>
-              <a:rPr lang="en-US" smtClean="0"/>
+              <a:rPr lang="en-US"/>
               <a:t>Click to edit Master text styles</a:t>
             </a:r>
           </a:p>
           <a:p>
             <a:pPr lvl="1"/>
             <a:r>
-              <a:rPr lang="en-US" smtClean="0"/>
+              <a:rPr lang="en-US"/>
               <a:t>Second level</a:t>
             </a:r>
           </a:p>
           <a:p>
             <a:pPr lvl="2"/>
             <a:r>
-              <a:rPr lang="en-US" smtClean="0"/>
+              <a:rPr lang="en-US"/>
               <a:t>Third level</a:t>
             </a:r>
           </a:p>
           <a:p>
             <a:pPr lvl="3"/>
             <a:r>
-              <a:rPr lang="en-US" smtClean="0"/>
+              <a:rPr lang="en-US"/>
               <a:t>Fourth level</a:t>
             </a:r>
           </a:p>
           <a:p>
             <a:pPr lvl="4"/>
             <a:r>
-              <a:rPr lang="en-US" smtClean="0"/>
+              <a:rPr lang="en-US"/>
               <a:t>Fifth level</a:t>
             </a:r>
-            <a:endParaRPr lang="en-US"/>
           </a:p>
         </p:txBody>
       </p:sp>
@@ -1640,8 +1626,8 @@
         </p:nvSpPr>
         <p:spPr>
           <a:xfrm>
-            <a:off x="4645025" y="1535113"/>
-            <a:ext cx="4041775" cy="639762"/>
+            <a:off x="4645026" y="1151335"/>
+            <a:ext cx="4041775" cy="479822"/>
           </a:xfrm>
         </p:spPr>
         <p:txBody>
@@ -1649,45 +1635,45 @@
           <a:lstStyle>
             <a:lvl1pPr marL="0" indent="0">
               <a:buNone/>
-              <a:defRPr sz="2400" b="1"/>
+              <a:defRPr sz="1800" b="1"/>
             </a:lvl1pPr>
-            <a:lvl2pPr marL="457200" indent="0">
-              <a:buNone/>
-              <a:defRPr sz="2000" b="1"/>
+            <a:lvl2pPr marL="342900" indent="0">
+              <a:buNone/>
+              <a:defRPr sz="1500" b="1"/>
             </a:lvl2pPr>
-            <a:lvl3pPr marL="914400" indent="0">
-              <a:buNone/>
-              <a:defRPr sz="1800" b="1"/>
+            <a:lvl3pPr marL="685800" indent="0">
+              <a:buNone/>
+              <a:defRPr sz="1350" b="1"/>
             </a:lvl3pPr>
-            <a:lvl4pPr marL="1371600" indent="0">
-              <a:buNone/>
-              <a:defRPr sz="1600" b="1"/>
+            <a:lvl4pPr marL="1028700" indent="0">
+              <a:buNone/>
+              <a:defRPr sz="1200" b="1"/>
             </a:lvl4pPr>
-            <a:lvl5pPr marL="1828800" indent="0">
-              <a:buNone/>
-              <a:defRPr sz="1600" b="1"/>
+            <a:lvl5pPr marL="1371600" indent="0">
+              <a:buNone/>
+              <a:defRPr sz="1200" b="1"/>
             </a:lvl5pPr>
-            <a:lvl6pPr marL="2286000" indent="0">
-              <a:buNone/>
-              <a:defRPr sz="1600" b="1"/>
+            <a:lvl6pPr marL="1714500" indent="0">
+              <a:buNone/>
+              <a:defRPr sz="1200" b="1"/>
             </a:lvl6pPr>
-            <a:lvl7pPr marL="2743200" indent="0">
-              <a:buNone/>
-              <a:defRPr sz="1600" b="1"/>
+            <a:lvl7pPr marL="2057400" indent="0">
+              <a:buNone/>
+              <a:defRPr sz="1200" b="1"/>
             </a:lvl7pPr>
-            <a:lvl8pPr marL="3200400" indent="0">
-              <a:buNone/>
-              <a:defRPr sz="1600" b="1"/>
+            <a:lvl8pPr marL="2400300" indent="0">
+              <a:buNone/>
+              <a:defRPr sz="1200" b="1"/>
             </a:lvl8pPr>
-            <a:lvl9pPr marL="3657600" indent="0">
-              <a:buNone/>
-              <a:defRPr sz="1600" b="1"/>
+            <a:lvl9pPr marL="2743200" indent="0">
+              <a:buNone/>
+              <a:defRPr sz="1200" b="1"/>
             </a:lvl9pPr>
           </a:lstStyle>
           <a:p>
             <a:pPr lvl="0"/>
             <a:r>
-              <a:rPr lang="en-US" smtClean="0"/>
+              <a:rPr lang="en-US"/>
               <a:t>Click to edit Master text styles</a:t>
             </a:r>
           </a:p>
@@ -1705,76 +1691,75 @@
         </p:nvSpPr>
         <p:spPr>
           <a:xfrm>
-            <a:off x="4645025" y="2174875"/>
-            <a:ext cx="4041775" cy="3951288"/>
+            <a:off x="4645026" y="1631156"/>
+            <a:ext cx="4041775" cy="2963466"/>
           </a:xfrm>
         </p:spPr>
         <p:txBody>
           <a:bodyPr/>
           <a:lstStyle>
             <a:lvl1pPr>
-              <a:defRPr sz="2400"/>
+              <a:defRPr sz="1800"/>
             </a:lvl1pPr>
             <a:lvl2pPr>
-              <a:defRPr sz="2000"/>
+              <a:defRPr sz="1500"/>
             </a:lvl2pPr>
             <a:lvl3pPr>
-              <a:defRPr sz="1800"/>
+              <a:defRPr sz="1350"/>
             </a:lvl3pPr>
             <a:lvl4pPr>
-              <a:defRPr sz="1600"/>
+              <a:defRPr sz="1200"/>
             </a:lvl4pPr>
             <a:lvl5pPr>
-              <a:defRPr sz="1600"/>
+              <a:defRPr sz="1200"/>
             </a:lvl5pPr>
             <a:lvl6pPr>
-              <a:defRPr sz="1600"/>
+              <a:defRPr sz="1200"/>
             </a:lvl6pPr>
             <a:lvl7pPr>
-              <a:defRPr sz="1600"/>
+              <a:defRPr sz="1200"/>
             </a:lvl7pPr>
             <a:lvl8pPr>
-              <a:defRPr sz="1600"/>
+              <a:defRPr sz="1200"/>
             </a:lvl8pPr>
             <a:lvl9pPr>
-              <a:defRPr sz="1600"/>
+              <a:defRPr sz="1200"/>
             </a:lvl9pPr>
           </a:lstStyle>
           <a:p>
             <a:pPr lvl="0"/>
             <a:r>
-              <a:rPr lang="en-US" smtClean="0"/>
+              <a:rPr lang="en-US"/>
               <a:t>Click to edit Master text styles</a:t>
             </a:r>
           </a:p>
           <a:p>
             <a:pPr lvl="1"/>
             <a:r>
-              <a:rPr lang="en-US" smtClean="0"/>
+              <a:rPr lang="en-US"/>
               <a:t>Second level</a:t>
             </a:r>
           </a:p>
           <a:p>
             <a:pPr lvl="2"/>
             <a:r>
-              <a:rPr lang="en-US" smtClean="0"/>
+              <a:rPr lang="en-US"/>
               <a:t>Third level</a:t>
             </a:r>
           </a:p>
           <a:p>
             <a:pPr lvl="3"/>
             <a:r>
-              <a:rPr lang="en-US" smtClean="0"/>
+              <a:rPr lang="en-US"/>
               <a:t>Fourth level</a:t>
             </a:r>
           </a:p>
           <a:p>
             <a:pPr lvl="4"/>
             <a:r>
-              <a:rPr lang="en-US" smtClean="0"/>
+              <a:rPr lang="en-US"/>
               <a:t>Fifth level</a:t>
             </a:r>
-            <a:endParaRPr lang="en-US"/>
           </a:p>
         </p:txBody>
       </p:sp>
@@ -1795,7 +1780,7 @@
           <a:p>
             <a:fld id="{241EB5C9-1307-BA42-ABA2-0BC069CD8E7F}" type="datetimeFigureOut">
               <a:rPr lang="en-US" smtClean="0"/>
-              <a:t>4/5/2019</a:t>
+              <a:t>1/2/22</a:t>
             </a:fld>
             <a:endParaRPr lang="en-US"/>
           </a:p>
@@ -1889,10 +1874,9 @@
           <a:lstStyle/>
           <a:p>
             <a:r>
-              <a:rPr lang="en-US" smtClean="0"/>
+              <a:rPr lang="en-US"/>
               <a:t>Click to edit Master title style</a:t>
             </a:r>
-            <a:endParaRPr lang="en-US"/>
           </a:p>
         </p:txBody>
       </p:sp>
@@ -1913,7 +1897,7 @@
           <a:p>
             <a:fld id="{241EB5C9-1307-BA42-ABA2-0BC069CD8E7F}" type="datetimeFigureOut">
               <a:rPr lang="en-US" smtClean="0"/>
-              <a:t>4/5/2019</a:t>
+              <a:t>1/2/22</a:t>
             </a:fld>
             <a:endParaRPr lang="en-US"/>
           </a:p>
@@ -2008,7 +1992,7 @@
           <a:p>
             <a:fld id="{241EB5C9-1307-BA42-ABA2-0BC069CD8E7F}" type="datetimeFigureOut">
               <a:rPr lang="en-US" smtClean="0"/>
-              <a:t>4/5/2019</a:t>
+              <a:t>1/2/22</a:t>
             </a:fld>
             <a:endParaRPr lang="en-US"/>
           </a:p>
@@ -2098,23 +2082,22 @@
         </p:nvSpPr>
         <p:spPr>
           <a:xfrm>
-            <a:off x="457200" y="273050"/>
-            <a:ext cx="3008313" cy="1162050"/>
+            <a:off x="457201" y="204787"/>
+            <a:ext cx="3008313" cy="871538"/>
           </a:xfrm>
         </p:spPr>
         <p:txBody>
           <a:bodyPr anchor="b"/>
           <a:lstStyle>
             <a:lvl1pPr algn="l">
-              <a:defRPr sz="2000" b="1"/>
+              <a:defRPr sz="1500" b="1"/>
             </a:lvl1pPr>
           </a:lstStyle>
           <a:p>
             <a:r>
-              <a:rPr lang="en-US" smtClean="0"/>
+              <a:rPr lang="en-US"/>
               <a:t>Click to edit Master title style</a:t>
             </a:r>
-            <a:endParaRPr lang="en-US"/>
           </a:p>
         </p:txBody>
       </p:sp>
@@ -2130,76 +2113,75 @@
         </p:nvSpPr>
         <p:spPr>
           <a:xfrm>
-            <a:off x="3575050" y="273050"/>
-            <a:ext cx="5111750" cy="5853113"/>
+            <a:off x="3575050" y="204788"/>
+            <a:ext cx="5111750" cy="4389835"/>
           </a:xfrm>
         </p:spPr>
         <p:txBody>
           <a:bodyPr/>
           <a:lstStyle>
             <a:lvl1pPr>
-              <a:defRPr sz="3200"/>
+              <a:defRPr sz="2400"/>
             </a:lvl1pPr>
             <a:lvl2pPr>
-              <a:defRPr sz="2800"/>
+              <a:defRPr sz="2100"/>
             </a:lvl2pPr>
             <a:lvl3pPr>
-              <a:defRPr sz="2400"/>
+              <a:defRPr sz="1800"/>
             </a:lvl3pPr>
             <a:lvl4pPr>
-              <a:defRPr sz="2000"/>
+              <a:defRPr sz="1500"/>
             </a:lvl4pPr>
             <a:lvl5pPr>
-              <a:defRPr sz="2000"/>
+              <a:defRPr sz="1500"/>
             </a:lvl5pPr>
             <a:lvl6pPr>
-              <a:defRPr sz="2000"/>
+              <a:defRPr sz="1500"/>
             </a:lvl6pPr>
             <a:lvl7pPr>
-              <a:defRPr sz="2000"/>
+              <a:defRPr sz="1500"/>
             </a:lvl7pPr>
             <a:lvl8pPr>
-              <a:defRPr sz="2000"/>
+              <a:defRPr sz="1500"/>
             </a:lvl8pPr>
             <a:lvl9pPr>
-              <a:defRPr sz="2000"/>
+              <a:defRPr sz="1500"/>
             </a:lvl9pPr>
           </a:lstStyle>
           <a:p>
             <a:pPr lvl="0"/>
             <a:r>
-              <a:rPr lang="en-US" smtClean="0"/>
+              <a:rPr lang="en-US"/>
               <a:t>Click to edit Master text styles</a:t>
             </a:r>
           </a:p>
           <a:p>
             <a:pPr lvl="1"/>
             <a:r>
-              <a:rPr lang="en-US" smtClean="0"/>
+              <a:rPr lang="en-US"/>
               <a:t>Second level</a:t>
             </a:r>
           </a:p>
           <a:p>
             <a:pPr lvl="2"/>
             <a:r>
-              <a:rPr lang="en-US" smtClean="0"/>
+              <a:rPr lang="en-US"/>
               <a:t>Third level</a:t>
             </a:r>
           </a:p>
           <a:p>
             <a:pPr lvl="3"/>
             <a:r>
-              <a:rPr lang="en-US" smtClean="0"/>
+              <a:rPr lang="en-US"/>
               <a:t>Fourth level</a:t>
             </a:r>
           </a:p>
           <a:p>
             <a:pPr lvl="4"/>
             <a:r>
-              <a:rPr lang="en-US" smtClean="0"/>
+              <a:rPr lang="en-US"/>
               <a:t>Fifth level</a:t>
             </a:r>
-            <a:endParaRPr lang="en-US"/>
           </a:p>
         </p:txBody>
       </p:sp>
@@ -2215,8 +2197,8 @@
         </p:nvSpPr>
         <p:spPr>
           <a:xfrm>
-            <a:off x="457200" y="1435100"/>
-            <a:ext cx="3008313" cy="4691063"/>
+            <a:off x="457201" y="1076326"/>
+            <a:ext cx="3008313" cy="3518297"/>
           </a:xfrm>
         </p:spPr>
         <p:txBody>
@@ -2224,45 +2206,45 @@
           <a:lstStyle>
             <a:lvl1pPr marL="0" indent="0">
               <a:buNone/>
-              <a:defRPr sz="1400"/>
+              <a:defRPr sz="1050"/>
             </a:lvl1pPr>
-            <a:lvl2pPr marL="457200" indent="0">
-              <a:buNone/>
-              <a:defRPr sz="1200"/>
+            <a:lvl2pPr marL="342900" indent="0">
+              <a:buNone/>
+              <a:defRPr sz="900"/>
             </a:lvl2pPr>
-            <a:lvl3pPr marL="914400" indent="0">
-              <a:buNone/>
-              <a:defRPr sz="1000"/>
+            <a:lvl3pPr marL="685800" indent="0">
+              <a:buNone/>
+              <a:defRPr sz="750"/>
             </a:lvl3pPr>
-            <a:lvl4pPr marL="1371600" indent="0">
-              <a:buNone/>
-              <a:defRPr sz="900"/>
+            <a:lvl4pPr marL="1028700" indent="0">
+              <a:buNone/>
+              <a:defRPr sz="675"/>
             </a:lvl4pPr>
-            <a:lvl5pPr marL="1828800" indent="0">
-              <a:buNone/>
-              <a:defRPr sz="900"/>
+            <a:lvl5pPr marL="1371600" indent="0">
+              <a:buNone/>
+              <a:defRPr sz="675"/>
             </a:lvl5pPr>
-            <a:lvl6pPr marL="2286000" indent="0">
-              <a:buNone/>
-              <a:defRPr sz="900"/>
+            <a:lvl6pPr marL="1714500" indent="0">
+              <a:buNone/>
+              <a:defRPr sz="675"/>
             </a:lvl6pPr>
-            <a:lvl7pPr marL="2743200" indent="0">
-              <a:buNone/>
-              <a:defRPr sz="900"/>
+            <a:lvl7pPr marL="2057400" indent="0">
+              <a:buNone/>
+              <a:defRPr sz="675"/>
             </a:lvl7pPr>
-            <a:lvl8pPr marL="3200400" indent="0">
-              <a:buNone/>
-              <a:defRPr sz="900"/>
+            <a:lvl8pPr marL="2400300" indent="0">
+              <a:buNone/>
+              <a:defRPr sz="675"/>
             </a:lvl8pPr>
-            <a:lvl9pPr marL="3657600" indent="0">
-              <a:buNone/>
-              <a:defRPr sz="900"/>
+            <a:lvl9pPr marL="2743200" indent="0">
+              <a:buNone/>
+              <a:defRPr sz="675"/>
             </a:lvl9pPr>
           </a:lstStyle>
           <a:p>
             <a:pPr lvl="0"/>
             <a:r>
-              <a:rPr lang="en-US" smtClean="0"/>
+              <a:rPr lang="en-US"/>
               <a:t>Click to edit Master text styles</a:t>
             </a:r>
           </a:p>
@@ -2285,7 +2267,7 @@
           <a:p>
             <a:fld id="{241EB5C9-1307-BA42-ABA2-0BC069CD8E7F}" type="datetimeFigureOut">
               <a:rPr lang="en-US" smtClean="0"/>
-              <a:t>4/5/2019</a:t>
+              <a:t>1/2/22</a:t>
             </a:fld>
             <a:endParaRPr lang="en-US"/>
           </a:p>
@@ -2375,23 +2357,22 @@
         </p:nvSpPr>
         <p:spPr>
           <a:xfrm>
-            <a:off x="1792288" y="4800600"/>
-            <a:ext cx="5486400" cy="566738"/>
+            <a:off x="1792288" y="3600450"/>
+            <a:ext cx="5486400" cy="425054"/>
           </a:xfrm>
         </p:spPr>
         <p:txBody>
           <a:bodyPr anchor="b"/>
           <a:lstStyle>
             <a:lvl1pPr algn="l">
-              <a:defRPr sz="2000" b="1"/>
+              <a:defRPr sz="1500" b="1"/>
             </a:lvl1pPr>
           </a:lstStyle>
           <a:p>
             <a:r>
-              <a:rPr lang="en-US" smtClean="0"/>
+              <a:rPr lang="en-US"/>
               <a:t>Click to edit Master title style</a:t>
             </a:r>
-            <a:endParaRPr lang="en-US"/>
           </a:p>
         </p:txBody>
       </p:sp>
@@ -2407,8 +2388,8 @@
         </p:nvSpPr>
         <p:spPr>
           <a:xfrm>
-            <a:off x="1792288" y="612775"/>
-            <a:ext cx="5486400" cy="4114800"/>
+            <a:off x="1792288" y="459581"/>
+            <a:ext cx="5486400" cy="3086100"/>
           </a:xfrm>
         </p:spPr>
         <p:txBody>
@@ -2416,39 +2397,39 @@
           <a:lstStyle>
             <a:lvl1pPr marL="0" indent="0">
               <a:buNone/>
-              <a:defRPr sz="3200"/>
+              <a:defRPr sz="2400"/>
             </a:lvl1pPr>
-            <a:lvl2pPr marL="457200" indent="0">
-              <a:buNone/>
-              <a:defRPr sz="2800"/>
+            <a:lvl2pPr marL="342900" indent="0">
+              <a:buNone/>
+              <a:defRPr sz="2100"/>
             </a:lvl2pPr>
-            <a:lvl3pPr marL="914400" indent="0">
-              <a:buNone/>
-              <a:defRPr sz="2400"/>
+            <a:lvl3pPr marL="685800" indent="0">
+              <a:buNone/>
+              <a:defRPr sz="1800"/>
             </a:lvl3pPr>
-            <a:lvl4pPr marL="1371600" indent="0">
-              <a:buNone/>
-              <a:defRPr sz="2000"/>
+            <a:lvl4pPr marL="1028700" indent="0">
+              <a:buNone/>
+              <a:defRPr sz="1500"/>
             </a:lvl4pPr>
-            <a:lvl5pPr marL="1828800" indent="0">
-              <a:buNone/>
-              <a:defRPr sz="2000"/>
+            <a:lvl5pPr marL="1371600" indent="0">
+              <a:buNone/>
+              <a:defRPr sz="1500"/>
             </a:lvl5pPr>
-            <a:lvl6pPr marL="2286000" indent="0">
-              <a:buNone/>
-              <a:defRPr sz="2000"/>
+            <a:lvl6pPr marL="1714500" indent="0">
+              <a:buNone/>
+              <a:defRPr sz="1500"/>
             </a:lvl6pPr>
-            <a:lvl7pPr marL="2743200" indent="0">
-              <a:buNone/>
-              <a:defRPr sz="2000"/>
+            <a:lvl7pPr marL="2057400" indent="0">
+              <a:buNone/>
+              <a:defRPr sz="1500"/>
             </a:lvl7pPr>
-            <a:lvl8pPr marL="3200400" indent="0">
-              <a:buNone/>
-              <a:defRPr sz="2000"/>
+            <a:lvl8pPr marL="2400300" indent="0">
+              <a:buNone/>
+              <a:defRPr sz="1500"/>
             </a:lvl8pPr>
-            <a:lvl9pPr marL="3657600" indent="0">
-              <a:buNone/>
-              <a:defRPr sz="2000"/>
+            <a:lvl9pPr marL="2743200" indent="0">
+              <a:buNone/>
+              <a:defRPr sz="1500"/>
             </a:lvl9pPr>
           </a:lstStyle>
           <a:p>
@@ -2468,8 +2449,8 @@
         </p:nvSpPr>
         <p:spPr>
           <a:xfrm>
-            <a:off x="1792288" y="5367338"/>
-            <a:ext cx="5486400" cy="804862"/>
+            <a:off x="1792288" y="4025503"/>
+            <a:ext cx="5486400" cy="603647"/>
           </a:xfrm>
         </p:spPr>
         <p:txBody>
@@ -2477,45 +2458,45 @@
           <a:lstStyle>
             <a:lvl1pPr marL="0" indent="0">
               <a:buNone/>
-              <a:defRPr sz="1400"/>
+              <a:defRPr sz="1050"/>
             </a:lvl1pPr>
-            <a:lvl2pPr marL="457200" indent="0">
-              <a:buNone/>
-              <a:defRPr sz="1200"/>
+            <a:lvl2pPr marL="342900" indent="0">
+              <a:buNone/>
+              <a:defRPr sz="900"/>
             </a:lvl2pPr>
-            <a:lvl3pPr marL="914400" indent="0">
-              <a:buNone/>
-              <a:defRPr sz="1000"/>
+            <a:lvl3pPr marL="685800" indent="0">
+              <a:buNone/>
+              <a:defRPr sz="750"/>
             </a:lvl3pPr>
-            <a:lvl4pPr marL="1371600" indent="0">
-              <a:buNone/>
-              <a:defRPr sz="900"/>
+            <a:lvl4pPr marL="1028700" indent="0">
+              <a:buNone/>
+              <a:defRPr sz="675"/>
             </a:lvl4pPr>
-            <a:lvl5pPr marL="1828800" indent="0">
-              <a:buNone/>
-              <a:defRPr sz="900"/>
+            <a:lvl5pPr marL="1371600" indent="0">
+              <a:buNone/>
+              <a:defRPr sz="675"/>
             </a:lvl5pPr>
-            <a:lvl6pPr marL="2286000" indent="0">
-              <a:buNone/>
-              <a:defRPr sz="900"/>
+            <a:lvl6pPr marL="1714500" indent="0">
+              <a:buNone/>
+              <a:defRPr sz="675"/>
             </a:lvl6pPr>
-            <a:lvl7pPr marL="2743200" indent="0">
-              <a:buNone/>
-              <a:defRPr sz="900"/>
+            <a:lvl7pPr marL="2057400" indent="0">
+              <a:buNone/>
+              <a:defRPr sz="675"/>
             </a:lvl7pPr>
-            <a:lvl8pPr marL="3200400" indent="0">
-              <a:buNone/>
-              <a:defRPr sz="900"/>
+            <a:lvl8pPr marL="2400300" indent="0">
+              <a:buNone/>
+              <a:defRPr sz="675"/>
             </a:lvl8pPr>
-            <a:lvl9pPr marL="3657600" indent="0">
-              <a:buNone/>
-              <a:defRPr sz="900"/>
+            <a:lvl9pPr marL="2743200" indent="0">
+              <a:buNone/>
+              <a:defRPr sz="675"/>
             </a:lvl9pPr>
           </a:lstStyle>
           <a:p>
             <a:pPr lvl="0"/>
             <a:r>
-              <a:rPr lang="en-US" smtClean="0"/>
+              <a:rPr lang="en-US"/>
               <a:t>Click to edit Master text styles</a:t>
             </a:r>
           </a:p>
@@ -2538,7 +2519,7 @@
           <a:p>
             <a:fld id="{241EB5C9-1307-BA42-ABA2-0BC069CD8E7F}" type="datetimeFigureOut">
               <a:rPr lang="en-US" smtClean="0"/>
-              <a:t>4/5/2019</a:t>
+              <a:t>1/2/22</a:t>
             </a:fld>
             <a:endParaRPr lang="en-US"/>
           </a:p>
@@ -2600,7 +2581,7 @@
 </file>
 
 <file path=ppt/slideMasters/slideMaster1.xml><?xml version="1.0" encoding="utf-8"?>
-<p:sldMaster xmlns:a="http://schemas.openxmlformats.org/drawingml/2006/main" xmlns:r="http://schemas.openxmlformats.org/officeDocument/2006/relationships" xmlns:p="http://schemas.openxmlformats.org/presentationml/2006/main">
+<p:sldMaster xmlns:a="http://schemas.openxmlformats.org/drawingml/2006/main" xmlns:p="http://schemas.openxmlformats.org/presentationml/2006/main" xmlns:r="http://schemas.openxmlformats.org/officeDocument/2006/relationships">
   <p:cSld>
     <p:bg>
       <p:bgRef idx="1001">
@@ -2633,24 +2614,23 @@
         </p:nvSpPr>
         <p:spPr>
           <a:xfrm>
-            <a:off x="457200" y="274638"/>
-            <a:ext cx="8229600" cy="1143000"/>
+            <a:off x="457200" y="205979"/>
+            <a:ext cx="8229600" cy="857250"/>
           </a:xfrm>
           <a:prstGeom prst="rect">
             <a:avLst/>
           </a:prstGeom>
         </p:spPr>
         <p:txBody>
-          <a:bodyPr vert="horz" lIns="91440" tIns="45720" rIns="91440" bIns="45720" rtlCol="0" anchor="ctr">
+          <a:bodyPr anchor="ctr" bIns="45720" lIns="91440" rIns="91440" rtlCol="0" tIns="45720" vert="horz">
             <a:normAutofit/>
           </a:bodyPr>
           <a:lstStyle/>
           <a:p>
             <a:r>
-              <a:rPr lang="en-US" smtClean="0"/>
+              <a:rPr lang="en-US"/>
               <a:t>Click to edit Master title style</a:t>
             </a:r>
-            <a:endParaRPr lang="en-US"/>
           </a:p>
         </p:txBody>
       </p:sp>
@@ -2661,58 +2641,57 @@
             <a:spLocks noGrp="1"/>
           </p:cNvSpPr>
           <p:nvPr>
-            <p:ph type="body" idx="1"/>
+            <p:ph idx="1" type="body"/>
           </p:nvPr>
         </p:nvSpPr>
         <p:spPr>
           <a:xfrm>
-            <a:off x="457200" y="1600200"/>
-            <a:ext cx="8229600" cy="4525963"/>
+            <a:off x="457200" y="1200151"/>
+            <a:ext cx="8229600" cy="3394472"/>
           </a:xfrm>
           <a:prstGeom prst="rect">
             <a:avLst/>
           </a:prstGeom>
         </p:spPr>
         <p:txBody>
-          <a:bodyPr vert="horz" lIns="91440" tIns="45720" rIns="91440" bIns="45720" rtlCol="0">
+          <a:bodyPr bIns="45720" lIns="91440" rIns="91440" rtlCol="0" tIns="45720" vert="horz">
             <a:normAutofit/>
           </a:bodyPr>
           <a:lstStyle/>
           <a:p>
             <a:pPr lvl="0"/>
             <a:r>
-              <a:rPr lang="en-US" smtClean="0"/>
+              <a:rPr lang="en-US"/>
               <a:t>Click to edit Master text styles</a:t>
             </a:r>
           </a:p>
           <a:p>
             <a:pPr lvl="1"/>
             <a:r>
-              <a:rPr lang="en-US" smtClean="0"/>
+              <a:rPr lang="en-US"/>
               <a:t>Second level</a:t>
             </a:r>
           </a:p>
           <a:p>
             <a:pPr lvl="2"/>
             <a:r>
-              <a:rPr lang="en-US" smtClean="0"/>
+              <a:rPr lang="en-US"/>
               <a:t>Third level</a:t>
             </a:r>
           </a:p>
           <a:p>
             <a:pPr lvl="3"/>
             <a:r>
-              <a:rPr lang="en-US" smtClean="0"/>
+              <a:rPr lang="en-US"/>
               <a:t>Fourth level</a:t>
             </a:r>
           </a:p>
           <a:p>
             <a:pPr lvl="4"/>
             <a:r>
-              <a:rPr lang="en-US" smtClean="0"/>
+              <a:rPr lang="en-US"/>
               <a:t>Fifth level</a:t>
             </a:r>
-            <a:endParaRPr lang="en-US"/>
           </a:p>
         </p:txBody>
       </p:sp>
@@ -2723,23 +2702,23 @@
             <a:spLocks noGrp="1"/>
           </p:cNvSpPr>
           <p:nvPr>
-            <p:ph type="dt" sz="half" idx="2"/>
+            <p:ph idx="2" sz="half" type="dt"/>
           </p:nvPr>
         </p:nvSpPr>
         <p:spPr>
           <a:xfrm>
-            <a:off x="457200" y="6356350"/>
-            <a:ext cx="2133600" cy="365125"/>
+            <a:off x="457200" y="4767263"/>
+            <a:ext cx="2133600" cy="273844"/>
           </a:xfrm>
           <a:prstGeom prst="rect">
             <a:avLst/>
           </a:prstGeom>
         </p:spPr>
         <p:txBody>
-          <a:bodyPr vert="horz" lIns="91440" tIns="45720" rIns="91440" bIns="45720" rtlCol="0" anchor="ctr"/>
+          <a:bodyPr anchor="ctr" bIns="45720" lIns="91440" rIns="91440" rtlCol="0" tIns="45720" vert="horz"/>
           <a:lstStyle>
             <a:lvl1pPr algn="l">
-              <a:defRPr sz="1200">
+              <a:defRPr sz="900">
                 <a:solidFill>
                   <a:schemeClr val="tx1">
                     <a:tint val="75000"/>
@@ -2751,7 +2730,7 @@
           <a:p>
             <a:fld id="{241EB5C9-1307-BA42-ABA2-0BC069CD8E7F}" type="datetimeFigureOut">
               <a:rPr lang="en-US" smtClean="0"/>
-              <a:t>4/5/2019</a:t>
+              <a:t>1/2/22</a:t>
             </a:fld>
             <a:endParaRPr lang="en-US"/>
           </a:p>
@@ -2764,23 +2743,23 @@
             <a:spLocks noGrp="1"/>
           </p:cNvSpPr>
           <p:nvPr>
-            <p:ph type="ftr" sz="quarter" idx="3"/>
+            <p:ph idx="3" sz="quarter" type="ftr"/>
           </p:nvPr>
         </p:nvSpPr>
         <p:spPr>
           <a:xfrm>
-            <a:off x="3124200" y="6356350"/>
-            <a:ext cx="2895600" cy="365125"/>
+            <a:off x="3124200" y="4767263"/>
+            <a:ext cx="2895600" cy="273844"/>
           </a:xfrm>
           <a:prstGeom prst="rect">
             <a:avLst/>
           </a:prstGeom>
         </p:spPr>
         <p:txBody>
-          <a:bodyPr vert="horz" lIns="91440" tIns="45720" rIns="91440" bIns="45720" rtlCol="0" anchor="ctr"/>
+          <a:bodyPr anchor="ctr" bIns="45720" lIns="91440" rIns="91440" rtlCol="0" tIns="45720" vert="horz"/>
           <a:lstStyle>
             <a:lvl1pPr algn="ctr">
-              <a:defRPr sz="1200">
+              <a:defRPr sz="900">
                 <a:solidFill>
                   <a:schemeClr val="tx1">
                     <a:tint val="75000"/>
@@ -2801,23 +2780,23 @@
             <a:spLocks noGrp="1"/>
           </p:cNvSpPr>
           <p:nvPr>
-            <p:ph type="sldNum" sz="quarter" idx="4"/>
+            <p:ph idx="4" sz="quarter" type="sldNum"/>
           </p:nvPr>
         </p:nvSpPr>
         <p:spPr>
           <a:xfrm>
-            <a:off x="6553200" y="6356350"/>
-            <a:ext cx="2133600" cy="365125"/>
+            <a:off x="6553200" y="4767263"/>
+            <a:ext cx="2133600" cy="273844"/>
           </a:xfrm>
           <a:prstGeom prst="rect">
             <a:avLst/>
           </a:prstGeom>
         </p:spPr>
         <p:txBody>
-          <a:bodyPr vert="horz" lIns="91440" tIns="45720" rIns="91440" bIns="45720" rtlCol="0" anchor="ctr"/>
+          <a:bodyPr anchor="ctr" bIns="45720" lIns="91440" rIns="91440" rtlCol="0" tIns="45720" vert="horz"/>
           <a:lstStyle>
             <a:lvl1pPr algn="r">
-              <a:defRPr sz="1200">
+              <a:defRPr sz="900">
                 <a:solidFill>
                   <a:schemeClr val="tx1">
                     <a:tint val="75000"/>
@@ -2842,7 +2821,7 @@
       </p:ext>
     </p:extLst>
   </p:cSld>
-  <p:clrMap bg1="lt1" tx1="dk1" bg2="lt2" tx2="dk2" accent1="accent1" accent2="accent2" accent3="accent3" accent4="accent4" accent5="accent5" accent6="accent6" hlink="hlink" folHlink="folHlink"/>
+  <p:clrMap accent1="accent1" accent2="accent2" accent3="accent3" accent4="accent4" accent5="accent5" accent6="accent6" bg1="lt1" bg2="lt2" folHlink="folHlink" hlink="hlink" tx1="dk1" tx2="dk2"/>
   <p:sldLayoutIdLst>
     <p:sldLayoutId id="2147483649" r:id="rId1"/>
     <p:sldLayoutId id="2147483650" r:id="rId2"/>
@@ -2858,12 +2837,12 @@
   </p:sldLayoutIdLst>
   <p:txStyles>
     <p:titleStyle>
-      <a:lvl1pPr algn="ctr" defTabSz="457200" rtl="0" eaLnBrk="1" latinLnBrk="0" hangingPunct="1">
+      <a:lvl1pPr algn="ctr" defTabSz="342900" eaLnBrk="1" hangingPunct="1" latinLnBrk="0" rtl="0">
         <a:spcBef>
           <a:spcPct val="0"/>
         </a:spcBef>
         <a:buNone/>
-        <a:defRPr sz="4400" kern="1200">
+        <a:defRPr kern="1200" sz="3300">
           <a:solidFill>
             <a:schemeClr val="tx1"/>
           </a:solidFill>
@@ -2874,13 +2853,13 @@
       </a:lvl1pPr>
     </p:titleStyle>
     <p:bodyStyle>
-      <a:lvl1pPr marL="342900" indent="-342900" algn="l" defTabSz="457200" rtl="0" eaLnBrk="1" latinLnBrk="0" hangingPunct="1">
+      <a:lvl1pPr algn="l" defTabSz="342900" eaLnBrk="1" hangingPunct="1" indent="-342900" latinLnBrk="0" marL="342900" rtl="0">
         <a:spcBef>
           <a:spcPct val="20000"/>
         </a:spcBef>
         <a:buFont typeface="Arial"/>
         <a:buChar char="•"/>
-        <a:defRPr sz="3200" kern="1200">
+        <a:defRPr kern="1200" sz="2400">
           <a:solidFill>
             <a:schemeClr val="tx1"/>
           </a:solidFill>
@@ -2889,13 +2868,13 @@
           <a:cs typeface="+mn-cs"/>
         </a:defRPr>
       </a:lvl1pPr>
-      <a:lvl2pPr marL="742950" indent="-285750" algn="l" defTabSz="457200" rtl="0" eaLnBrk="1" latinLnBrk="0" hangingPunct="1">
+      <a:lvl2pPr algn="l" defTabSz="342900" eaLnBrk="1" hangingPunct="1" indent="-342900" latinLnBrk="0" marL="685800" rtl="0">
         <a:spcBef>
           <a:spcPct val="20000"/>
         </a:spcBef>
         <a:buFont typeface="Arial"/>
         <a:buChar char="–"/>
-        <a:defRPr sz="2800" kern="1200">
+        <a:defRPr kern="1200" sz="2100">
           <a:solidFill>
             <a:schemeClr val="tx1"/>
           </a:solidFill>
@@ -2904,13 +2883,13 @@
           <a:cs typeface="+mn-cs"/>
         </a:defRPr>
       </a:lvl2pPr>
-      <a:lvl3pPr marL="1143000" indent="-228600" algn="l" defTabSz="457200" rtl="0" eaLnBrk="1" latinLnBrk="0" hangingPunct="1">
+      <a:lvl3pPr algn="l" defTabSz="342900" eaLnBrk="1" hangingPunct="1" indent="-342900" latinLnBrk="0" marL="1028700" rtl="0">
         <a:spcBef>
           <a:spcPct val="20000"/>
         </a:spcBef>
         <a:buFont typeface="Arial"/>
         <a:buChar char="•"/>
-        <a:defRPr sz="2400" kern="1200">
+        <a:defRPr kern="1200" sz="1800">
           <a:solidFill>
             <a:schemeClr val="tx1"/>
           </a:solidFill>
@@ -2919,13 +2898,13 @@
           <a:cs typeface="+mn-cs"/>
         </a:defRPr>
       </a:lvl3pPr>
-      <a:lvl4pPr marL="1600200" indent="-228600" algn="l" defTabSz="457200" rtl="0" eaLnBrk="1" latinLnBrk="0" hangingPunct="1">
+      <a:lvl4pPr algn="l" defTabSz="342900" eaLnBrk="1" hangingPunct="1" indent="-342900" latinLnBrk="0" marL="1371600" rtl="0">
         <a:spcBef>
           <a:spcPct val="20000"/>
         </a:spcBef>
         <a:buFont typeface="Arial"/>
         <a:buChar char="–"/>
-        <a:defRPr sz="2000" kern="1200">
+        <a:defRPr kern="1200" sz="1500">
           <a:solidFill>
             <a:schemeClr val="tx1"/>
           </a:solidFill>
@@ -2934,13 +2913,13 @@
           <a:cs typeface="+mn-cs"/>
         </a:defRPr>
       </a:lvl4pPr>
-      <a:lvl5pPr marL="2057400" indent="-228600" algn="l" defTabSz="457200" rtl="0" eaLnBrk="1" latinLnBrk="0" hangingPunct="1">
+      <a:lvl5pPr algn="l" defTabSz="342900" eaLnBrk="1" hangingPunct="1" indent="-342900" latinLnBrk="0" marL="1714500" rtl="0">
         <a:spcBef>
           <a:spcPct val="20000"/>
         </a:spcBef>
         <a:buFont typeface="Arial"/>
         <a:buChar char="»"/>
-        <a:defRPr sz="2000" kern="1200">
+        <a:defRPr kern="1200" sz="1500">
           <a:solidFill>
             <a:schemeClr val="tx1"/>
           </a:solidFill>
@@ -2949,13 +2928,13 @@
           <a:cs typeface="+mn-cs"/>
         </a:defRPr>
       </a:lvl5pPr>
-      <a:lvl6pPr marL="2514600" indent="-228600" algn="l" defTabSz="457200" rtl="0" eaLnBrk="1" latinLnBrk="0" hangingPunct="1">
+      <a:lvl6pPr algn="l" defTabSz="342900" eaLnBrk="1" hangingPunct="1" indent="-342900" latinLnBrk="0" marL="2057400" rtl="0">
         <a:spcBef>
           <a:spcPct val="20000"/>
         </a:spcBef>
         <a:buFont typeface="Arial"/>
         <a:buChar char="•"/>
-        <a:defRPr sz="2000" kern="1200">
+        <a:defRPr kern="1200" sz="1500">
           <a:solidFill>
             <a:schemeClr val="tx1"/>
           </a:solidFill>
@@ -2964,13 +2943,13 @@
           <a:cs typeface="+mn-cs"/>
         </a:defRPr>
       </a:lvl6pPr>
-      <a:lvl7pPr marL="2971800" indent="-228600" algn="l" defTabSz="457200" rtl="0" eaLnBrk="1" latinLnBrk="0" hangingPunct="1">
+      <a:lvl7pPr algn="l" defTabSz="342900" eaLnBrk="1" hangingPunct="1" indent="-342900" latinLnBrk="0" marL="2400300" rtl="0">
         <a:spcBef>
           <a:spcPct val="20000"/>
         </a:spcBef>
         <a:buFont typeface="Arial"/>
         <a:buChar char="•"/>
-        <a:defRPr sz="2000" kern="1200">
+        <a:defRPr kern="1200" sz="1500">
           <a:solidFill>
             <a:schemeClr val="tx1"/>
           </a:solidFill>
@@ -2979,13 +2958,13 @@
           <a:cs typeface="+mn-cs"/>
         </a:defRPr>
       </a:lvl7pPr>
-      <a:lvl8pPr marL="3429000" indent="-228600" algn="l" defTabSz="457200" rtl="0" eaLnBrk="1" latinLnBrk="0" hangingPunct="1">
+      <a:lvl8pPr algn="l" defTabSz="342900" eaLnBrk="1" hangingPunct="1" indent="-342900" latinLnBrk="0" marL="2743200" rtl="0">
         <a:spcBef>
           <a:spcPct val="20000"/>
         </a:spcBef>
         <a:buFont typeface="Arial"/>
         <a:buChar char="•"/>
-        <a:defRPr sz="2000" kern="1200">
+        <a:defRPr kern="1200" sz="1500">
           <a:solidFill>
             <a:schemeClr val="tx1"/>
           </a:solidFill>
@@ -2994,13 +2973,13 @@
           <a:cs typeface="+mn-cs"/>
         </a:defRPr>
       </a:lvl8pPr>
-      <a:lvl9pPr marL="3886200" indent="-228600" algn="l" defTabSz="457200" rtl="0" eaLnBrk="1" latinLnBrk="0" hangingPunct="1">
+      <a:lvl9pPr algn="l" defTabSz="342900" eaLnBrk="1" hangingPunct="1" indent="-342900" latinLnBrk="0" marL="3086100" rtl="0">
         <a:spcBef>
           <a:spcPct val="20000"/>
         </a:spcBef>
         <a:buFont typeface="Arial"/>
         <a:buChar char="•"/>
-        <a:defRPr sz="2000" kern="1200">
+        <a:defRPr kern="1200" sz="1500">
           <a:solidFill>
             <a:schemeClr val="tx1"/>
           </a:solidFill>
@@ -3014,8 +2993,8 @@
       <a:defPPr>
         <a:defRPr lang="en-US"/>
       </a:defPPr>
-      <a:lvl1pPr marL="0" algn="l" defTabSz="457200" rtl="0" eaLnBrk="1" latinLnBrk="0" hangingPunct="1">
-        <a:defRPr sz="1800" kern="1200">
+      <a:lvl1pPr algn="l" defTabSz="342900" eaLnBrk="1" hangingPunct="1" latinLnBrk="0" marL="0" rtl="0">
+        <a:defRPr kern="1200" sz="1350">
           <a:solidFill>
             <a:schemeClr val="tx1"/>
           </a:solidFill>
@@ -3024,8 +3003,8 @@
           <a:cs typeface="+mn-cs"/>
         </a:defRPr>
       </a:lvl1pPr>
-      <a:lvl2pPr marL="457200" algn="l" defTabSz="457200" rtl="0" eaLnBrk="1" latinLnBrk="0" hangingPunct="1">
-        <a:defRPr sz="1800" kern="1200">
+      <a:lvl2pPr algn="l" defTabSz="342900" eaLnBrk="1" hangingPunct="1" latinLnBrk="0" marL="342900" rtl="0">
+        <a:defRPr kern="1200" sz="1350">
           <a:solidFill>
             <a:schemeClr val="tx1"/>
           </a:solidFill>
@@ -3034,8 +3013,8 @@
           <a:cs typeface="+mn-cs"/>
         </a:defRPr>
       </a:lvl2pPr>
-      <a:lvl3pPr marL="914400" algn="l" defTabSz="457200" rtl="0" eaLnBrk="1" latinLnBrk="0" hangingPunct="1">
-        <a:defRPr sz="1800" kern="1200">
+      <a:lvl3pPr algn="l" defTabSz="342900" eaLnBrk="1" hangingPunct="1" latinLnBrk="0" marL="685800" rtl="0">
+        <a:defRPr kern="1200" sz="1350">
           <a:solidFill>
             <a:schemeClr val="tx1"/>
           </a:solidFill>
@@ -3044,8 +3023,8 @@
           <a:cs typeface="+mn-cs"/>
         </a:defRPr>
       </a:lvl3pPr>
-      <a:lvl4pPr marL="1371600" algn="l" defTabSz="457200" rtl="0" eaLnBrk="1" latinLnBrk="0" hangingPunct="1">
-        <a:defRPr sz="1800" kern="1200">
+      <a:lvl4pPr algn="l" defTabSz="342900" eaLnBrk="1" hangingPunct="1" latinLnBrk="0" marL="1028700" rtl="0">
+        <a:defRPr kern="1200" sz="1350">
           <a:solidFill>
             <a:schemeClr val="tx1"/>
           </a:solidFill>
@@ -3054,8 +3033,8 @@
           <a:cs typeface="+mn-cs"/>
         </a:defRPr>
       </a:lvl4pPr>
-      <a:lvl5pPr marL="1828800" algn="l" defTabSz="457200" rtl="0" eaLnBrk="1" latinLnBrk="0" hangingPunct="1">
-        <a:defRPr sz="1800" kern="1200">
+      <a:lvl5pPr algn="l" defTabSz="342900" eaLnBrk="1" hangingPunct="1" latinLnBrk="0" marL="1371600" rtl="0">
+        <a:defRPr kern="1200" sz="1350">
           <a:solidFill>
             <a:schemeClr val="tx1"/>
           </a:solidFill>
@@ -3064,8 +3043,8 @@
           <a:cs typeface="+mn-cs"/>
         </a:defRPr>
       </a:lvl5pPr>
-      <a:lvl6pPr marL="2286000" algn="l" defTabSz="457200" rtl="0" eaLnBrk="1" latinLnBrk="0" hangingPunct="1">
-        <a:defRPr sz="1800" kern="1200">
+      <a:lvl6pPr algn="l" defTabSz="342900" eaLnBrk="1" hangingPunct="1" latinLnBrk="0" marL="1714500" rtl="0">
+        <a:defRPr kern="1200" sz="1350">
           <a:solidFill>
             <a:schemeClr val="tx1"/>
           </a:solidFill>
@@ -3074,8 +3053,8 @@
           <a:cs typeface="+mn-cs"/>
         </a:defRPr>
       </a:lvl6pPr>
-      <a:lvl7pPr marL="2743200" algn="l" defTabSz="457200" rtl="0" eaLnBrk="1" latinLnBrk="0" hangingPunct="1">
-        <a:defRPr sz="1800" kern="1200">
+      <a:lvl7pPr algn="l" defTabSz="342900" eaLnBrk="1" hangingPunct="1" latinLnBrk="0" marL="2057400" rtl="0">
+        <a:defRPr kern="1200" sz="1350">
           <a:solidFill>
             <a:schemeClr val="tx1"/>
           </a:solidFill>
@@ -3084,8 +3063,8 @@
           <a:cs typeface="+mn-cs"/>
         </a:defRPr>
       </a:lvl7pPr>
-      <a:lvl8pPr marL="3200400" algn="l" defTabSz="457200" rtl="0" eaLnBrk="1" latinLnBrk="0" hangingPunct="1">
-        <a:defRPr sz="1800" kern="1200">
+      <a:lvl8pPr algn="l" defTabSz="342900" eaLnBrk="1" hangingPunct="1" latinLnBrk="0" marL="2400300" rtl="0">
+        <a:defRPr kern="1200" sz="1350">
           <a:solidFill>
             <a:schemeClr val="tx1"/>
           </a:solidFill>
@@ -3094,8 +3073,8 @@
           <a:cs typeface="+mn-cs"/>
         </a:defRPr>
       </a:lvl8pPr>
-      <a:lvl9pPr marL="3657600" algn="l" defTabSz="457200" rtl="0" eaLnBrk="1" latinLnBrk="0" hangingPunct="1">
-        <a:defRPr sz="1800" kern="1200">
+      <a:lvl9pPr algn="l" defTabSz="342900" eaLnBrk="1" hangingPunct="1" latinLnBrk="0" marL="2743200" rtl="0">
+        <a:defRPr kern="1200" sz="1350">
           <a:solidFill>
             <a:schemeClr val="tx1"/>
           </a:solidFill>
@@ -3138,52 +3117,20 @@
         </p:nvSpPr>
         <p:spPr>
           <a:xfrm>
-            <a:off x="685800" y="2130425"/>
-            <a:ext cx="7772400" cy="1470025"/>
+            <a:off x="685800" y="1597819"/>
+            <a:ext cx="7772400" cy="1102519"/>
           </a:xfrm>
         </p:spPr>
         <p:txBody>
           <a:bodyPr/>
           <a:lstStyle/>
           <a:p>
-            <a:pPr lvl="0" marL="0" indent="0">
+            <a:pPr lvl="0" indent="0" marL="0">
               <a:buNone/>
             </a:pPr>
             <a:r>
               <a:rPr/>
-              <a:t>Monolith</a:t>
-            </a:r>
-            <a:r>
-              <a:rPr/>
-              <a:t> </a:t>
-            </a:r>
-            <a:r>
-              <a:rPr/>
-              <a:t>(analysis</a:t>
-            </a:r>
-            <a:r>
-              <a:rPr/>
-              <a:t> </a:t>
-            </a:r>
-            <a:r>
-              <a:rPr/>
-              <a:t>-</a:t>
-            </a:r>
-            <a:r>
-              <a:rPr/>
-              <a:t> </a:t>
-            </a:r>
-            <a:r>
-              <a:rPr/>
-              <a:t>midterm</a:t>
-            </a:r>
-            <a:r>
-              <a:rPr/>
-              <a:t> </a:t>
-            </a:r>
-            <a:r>
-              <a:rPr/>
-              <a:t>review)</a:t>
+              <a:t>Monolith (analysis - midterm review)</a:t>
             </a:r>
           </a:p>
         </p:txBody>
@@ -3195,20 +3142,20 @@
             <a:spLocks noGrp="1"/>
           </p:cNvSpPr>
           <p:nvPr>
-            <p:ph type="subTitle" idx="1"/>
+            <p:ph idx="1" type="subTitle"/>
           </p:nvPr>
         </p:nvSpPr>
         <p:spPr>
           <a:xfrm>
-            <a:off x="1371600" y="3886200"/>
-            <a:ext cx="6400800" cy="1752600"/>
+            <a:off x="1371600" y="2914650"/>
+            <a:ext cx="6400800" cy="1314450"/>
           </a:xfrm>
         </p:spPr>
         <p:txBody>
           <a:bodyPr/>
           <a:lstStyle/>
           <a:p>
-            <a:pPr lvl="0" marL="0" indent="0">
+            <a:pPr lvl="0" indent="0" marL="0">
               <a:buNone/>
             </a:pPr>
             <a:br/>
@@ -3253,36 +3200,12 @@
           <a:bodyPr/>
           <a:lstStyle/>
           <a:p>
-            <a:pPr lvl="0" marL="0" indent="0">
+            <a:pPr lvl="0" indent="0" marL="0">
               <a:buNone/>
             </a:pPr>
             <a:r>
               <a:rPr/>
-              <a:t>Separate</a:t>
-            </a:r>
-            <a:r>
-              <a:rPr/>
-              <a:t> </a:t>
-            </a:r>
-            <a:r>
-              <a:rPr/>
-              <a:t>Metric</a:t>
-            </a:r>
-            <a:r>
-              <a:rPr/>
-              <a:t> </a:t>
-            </a:r>
-            <a:r>
-              <a:rPr/>
-              <a:t>from</a:t>
-            </a:r>
-            <a:r>
-              <a:rPr/>
-              <a:t> </a:t>
-            </a:r>
-            <a:r>
-              <a:rPr/>
-              <a:t>handling</a:t>
+              <a:t>Separate Metric from handling</a:t>
             </a:r>
           </a:p>
         </p:txBody>
@@ -3451,114 +3374,105 @@
           <a:bodyPr/>
           <a:lstStyle/>
           <a:p>
-            <a:pPr lvl="0" marL="0" indent="0">
+            <a:pPr lvl="0" indent="0" marL="0">
               <a:buNone/>
             </a:pPr>
             <a:r>
               <a:rPr/>
-              <a:t>Always</a:t>
-            </a:r>
-            <a:r>
-              <a:rPr/>
+              <a:t>Always remember to raise</a:t>
+            </a:r>
+          </a:p>
+        </p:txBody>
+      </p:sp>
+      <p:sp>
+        <p:nvSpPr>
+          <p:cNvPr id="3" name="Content Placeholder 2"/>
+          <p:cNvSpPr>
+            <a:spLocks noGrp="1"/>
+          </p:cNvSpPr>
+          <p:nvPr>
+            <p:ph idx="1"/>
+          </p:nvPr>
+        </p:nvSpPr>
+        <p:spPr/>
+        <p:txBody>
+          <a:bodyPr/>
+          <a:lstStyle/>
+          <a:p>
+            <a:pPr lvl="0" indent="0">
+              <a:buNone/>
+            </a:pPr>
+            <a:r>
+              <a:rPr b="1">
+                <a:solidFill>
+                  <a:srgbClr val="007020"/>
+                </a:solidFill>
+                <a:latin typeface="Courier"/>
+              </a:rPr>
+              <a:t>except</a:t>
+            </a:r>
+            <a:r>
+              <a:rPr>
+                <a:latin typeface="Courier"/>
+              </a:rPr>
               <a:t> </a:t>
             </a:r>
             <a:r>
-              <a:rPr/>
-              <a:t>remember</a:t>
-            </a:r>
-            <a:r>
-              <a:rPr/>
+              <a:rPr>
+                <a:solidFill>
+                  <a:srgbClr val="BC7A00"/>
+                </a:solidFill>
+                <a:latin typeface="Courier"/>
+              </a:rPr>
+              <a:t>ValueError</a:t>
+            </a:r>
+            <a:r>
+              <a:rPr>
+                <a:latin typeface="Courier"/>
+              </a:rPr>
               <a:t> </a:t>
             </a:r>
             <a:r>
-              <a:rPr/>
-              <a:t>to</a:t>
-            </a:r>
-            <a:r>
-              <a:rPr/>
-              <a:t> </a:t>
-            </a:r>
-            <a:r>
-              <a:rPr/>
+              <a:rPr b="1">
+                <a:solidFill>
+                  <a:srgbClr val="008000"/>
+                </a:solidFill>
+                <a:latin typeface="Courier"/>
+              </a:rPr>
+              <a:t>as</a:t>
+            </a:r>
+            <a:r>
+              <a:rPr>
+                <a:latin typeface="Courier"/>
+              </a:rPr>
+              <a:t> exc:</a:t>
+            </a:r>
+            <a:br/>
+            <a:r>
+              <a:rPr>
+                <a:latin typeface="Courier"/>
+              </a:rPr>
+              <a:t>    ...</a:t>
+            </a:r>
+            <a:br/>
+            <a:r>
+              <a:rPr>
+                <a:latin typeface="Courier"/>
+              </a:rPr>
+              <a:t>    </a:t>
+            </a:r>
+            <a:r>
+              <a:rPr b="1">
+                <a:solidFill>
+                  <a:srgbClr val="007020"/>
+                </a:solidFill>
+                <a:latin typeface="Courier"/>
+              </a:rPr>
               <a:t>raise</a:t>
             </a:r>
           </a:p>
-        </p:txBody>
-      </p:sp>
-      <p:sp>
-        <p:nvSpPr>
-          <p:cNvPr id="3" name="Content Placeholder 2"/>
-          <p:cNvSpPr>
-            <a:spLocks noGrp="1"/>
-          </p:cNvSpPr>
-          <p:nvPr>
-            <p:ph idx="1"/>
-          </p:nvPr>
-        </p:nvSpPr>
-        <p:spPr/>
-        <p:txBody>
-          <a:bodyPr/>
-          <a:lstStyle/>
-          <a:p>
-            <a:pPr lvl="0" indent="0">
-              <a:buNone/>
-            </a:pPr>
-            <a:r>
-              <a:rPr b="1">
-                <a:solidFill>
-                  <a:srgbClr val="007020"/>
-                </a:solidFill>
-                <a:latin typeface="Courier"/>
-              </a:rPr>
-              <a:t>except</a:t>
-            </a:r>
-            <a:r>
-              <a:rPr>
-                <a:latin typeface="Courier"/>
-              </a:rPr>
-              <a:t> </a:t>
-            </a:r>
-            <a:r>
-              <a:rPr>
-                <a:solidFill>
-                  <a:srgbClr val="BC7A00"/>
-                </a:solidFill>
-                <a:latin typeface="Courier"/>
-              </a:rPr>
-              <a:t>ValueError</a:t>
-            </a:r>
-            <a:r>
-              <a:rPr>
-                <a:latin typeface="Courier"/>
-              </a:rPr>
-              <a:t> as exc:</a:t>
-            </a:r>
-            <a:br/>
-            <a:r>
-              <a:rPr>
-                <a:latin typeface="Courier"/>
-              </a:rPr>
-              <a:t>    ...</a:t>
-            </a:r>
-            <a:br/>
-            <a:r>
-              <a:rPr>
-                <a:latin typeface="Courier"/>
-              </a:rPr>
-              <a:t>    </a:t>
-            </a:r>
-            <a:r>
-              <a:rPr b="1">
-                <a:solidFill>
-                  <a:srgbClr val="007020"/>
-                </a:solidFill>
-                <a:latin typeface="Courier"/>
-              </a:rPr>
-              <a:t>raise</a:t>
-            </a:r>
-          </a:p>
-          <a:p>
-            <a:pPr lvl="1"/>
+          <a:p>
+            <a:pPr lvl="0"/>
             <a:r>
               <a:rPr/>
               <a:t>critical so that the calling app can deal with the exception</a:t>
@@ -3603,7 +3517,7 @@
           <a:bodyPr/>
           <a:lstStyle/>
           <a:p>
-            <a:pPr lvl="0" marL="0" indent="0">
+            <a:pPr lvl="0" indent="0" marL="0">
               <a:buNone/>
             </a:pPr>
             <a:r>
@@ -3628,28 +3542,28 @@
           <a:bodyPr/>
           <a:lstStyle/>
           <a:p>
-            <a:pPr lvl="1"/>
+            <a:pPr lvl="0"/>
             <a:r>
               <a:rPr/>
               <a:t>we use baselines to see if things have changed from when the system was put into production</a:t>
             </a:r>
           </a:p>
           <a:p>
-            <a:pPr lvl="1"/>
+            <a:pPr lvl="0"/>
             <a:r>
               <a:rPr/>
               <a:t>once we have a baseline we can establish thresholds for alerts</a:t>
             </a:r>
           </a:p>
           <a:p>
-            <a:pPr lvl="1"/>
+            <a:pPr lvl="0"/>
             <a:r>
               <a:rPr/>
               <a:t>Alerts are emmitted based on rules in the exporter that gets metrics</a:t>
             </a:r>
           </a:p>
           <a:p>
-            <a:pPr lvl="1"/>
+            <a:pPr lvl="0"/>
             <a:r>
               <a:rPr>
                 <a:latin typeface="Courier"/>
@@ -3700,56 +3614,12 @@
           <a:bodyPr/>
           <a:lstStyle/>
           <a:p>
-            <a:pPr lvl="0" marL="0" indent="0">
+            <a:pPr lvl="0" indent="0" marL="0">
               <a:buNone/>
             </a:pPr>
             <a:r>
               <a:rPr/>
-              <a:t>An</a:t>
-            </a:r>
-            <a:r>
-              <a:rPr/>
-              <a:t> </a:t>
-            </a:r>
-            <a:r>
-              <a:rPr/>
-              <a:t>alert</a:t>
-            </a:r>
-            <a:r>
-              <a:rPr/>
-              <a:t> </a:t>
-            </a:r>
-            <a:r>
-              <a:rPr/>
-              <a:t>is</a:t>
-            </a:r>
-            <a:r>
-              <a:rPr/>
-              <a:t> </a:t>
-            </a:r>
-            <a:r>
-              <a:rPr/>
-              <a:t>defined</a:t>
-            </a:r>
-            <a:r>
-              <a:rPr/>
-              <a:t> </a:t>
-            </a:r>
-            <a:r>
-              <a:rPr/>
-              <a:t>in</a:t>
-            </a:r>
-            <a:r>
-              <a:rPr/>
-              <a:t> </a:t>
-            </a:r>
-            <a:r>
-              <a:rPr/>
-              <a:t>the</a:t>
-            </a:r>
-            <a:r>
-              <a:rPr/>
-              <a:t> </a:t>
+              <a:t>An alert is defined in the </a:t>
             </a:r>
             <a:r>
               <a:rPr>
@@ -4068,20 +3938,12 @@
           <a:bodyPr/>
           <a:lstStyle/>
           <a:p>
-            <a:pPr lvl="0" marL="0" indent="0">
+            <a:pPr lvl="0" indent="0" marL="0">
               <a:buNone/>
             </a:pPr>
             <a:r>
               <a:rPr/>
-              <a:t>Supporting</a:t>
-            </a:r>
-            <a:r>
-              <a:rPr/>
-              <a:t> </a:t>
-            </a:r>
-            <a:r>
-              <a:rPr/>
-              <a:t>Evidence</a:t>
+              <a:t>Supporting Evidence</a:t>
             </a:r>
           </a:p>
         </p:txBody>
@@ -4101,28 +3963,28 @@
           <a:bodyPr/>
           <a:lstStyle/>
           <a:p>
-            <a:pPr lvl="1"/>
+            <a:pPr lvl="0"/>
             <a:r>
               <a:rPr/>
               <a:t>make a proportional response to customer problems</a:t>
             </a:r>
           </a:p>
           <a:p>
-            <a:pPr lvl="1"/>
+            <a:pPr lvl="0"/>
             <a:r>
               <a:rPr/>
               <a:t>fix greatest risk first</a:t>
             </a:r>
           </a:p>
           <a:p>
-            <a:pPr lvl="1"/>
+            <a:pPr lvl="0"/>
             <a:r>
               <a:rPr/>
               <a:t>risk = probability x impact</a:t>
             </a:r>
           </a:p>
           <a:p>
-            <a:pPr lvl="1"/>
+            <a:pPr lvl="0"/>
             <a:r>
               <a:rPr/>
               <a:t>can assess the relative probability of the problem by comparing error metrics</a:t>
@@ -4167,28 +4029,12 @@
           <a:bodyPr/>
           <a:lstStyle/>
           <a:p>
-            <a:pPr lvl="0" marL="0" indent="0">
+            <a:pPr lvl="0" indent="0" marL="0">
               <a:buNone/>
             </a:pPr>
             <a:r>
               <a:rPr/>
-              <a:t>Impact</a:t>
-            </a:r>
-            <a:r>
-              <a:rPr/>
-              <a:t> </a:t>
-            </a:r>
-            <a:r>
-              <a:rPr/>
-              <a:t>is</a:t>
-            </a:r>
-            <a:r>
-              <a:rPr/>
-              <a:t> </a:t>
-            </a:r>
-            <a:r>
-              <a:rPr/>
-              <a:t>trickier</a:t>
+              <a:t>Impact is trickier</a:t>
             </a:r>
           </a:p>
         </p:txBody>
@@ -4208,28 +4054,28 @@
           <a:bodyPr/>
           <a:lstStyle/>
           <a:p>
-            <a:pPr lvl="1"/>
+            <a:pPr lvl="0"/>
             <a:r>
               <a:rPr/>
               <a:t>customer will often have an opinion about how the problem is impacting them</a:t>
             </a:r>
           </a:p>
           <a:p>
-            <a:pPr lvl="1"/>
+            <a:pPr lvl="0"/>
             <a:r>
               <a:rPr/>
               <a:t>ideally we have KPI/metrics that can quantify the impact of a problem</a:t>
             </a:r>
           </a:p>
           <a:p>
-            <a:pPr lvl="1"/>
+            <a:pPr lvl="0"/>
             <a:r>
               <a:rPr/>
               <a:t>in the spirit of devops we should adjust KPIs based on problems we encounter and resolve</a:t>
             </a:r>
           </a:p>
           <a:p>
-            <a:pPr lvl="1"/>
+            <a:pPr lvl="0"/>
             <a:r>
               <a:rPr/>
               <a:t>KPIs must be understandable to the customer so that if the problem recurs we have a way of helping the customer to understand the impact.</a:t>
@@ -4274,7 +4120,7 @@
           <a:bodyPr/>
           <a:lstStyle/>
           <a:p>
-            <a:pPr lvl="0" marL="0" indent="0">
+            <a:pPr lvl="0" indent="0" marL="0">
               <a:buNone/>
             </a:pPr>
             <a:r>
@@ -4299,35 +4145,35 @@
           <a:bodyPr/>
           <a:lstStyle/>
           <a:p>
-            <a:pPr lvl="1"/>
+            <a:pPr lvl="0"/>
             <a:r>
               <a:rPr/>
               <a:t>didn’t get as far with analysis as I had hoped</a:t>
             </a:r>
           </a:p>
           <a:p>
-            <a:pPr lvl="1"/>
+            <a:pPr lvl="0"/>
             <a:r>
               <a:rPr/>
               <a:t>planning on introducing Thanos for analysis as it writes to S3 bucket for inexpensive storage</a:t>
             </a:r>
           </a:p>
           <a:p>
-            <a:pPr lvl="1"/>
+            <a:pPr lvl="0"/>
             <a:r>
               <a:rPr/>
               <a:t>failed this week trying to use terraform with localstack because of a dumb mistake</a:t>
             </a:r>
           </a:p>
           <a:p>
-            <a:pPr lvl="1"/>
+            <a:pPr lvl="0"/>
             <a:r>
               <a:rPr/>
               <a:t>more to come</a:t>
             </a:r>
           </a:p>
           <a:p>
-            <a:pPr lvl="1"/>
+            <a:pPr lvl="0"/>
             <a:r>
               <a:rPr/>
               <a:t>good luck on assignment and midterm</a:t>
@@ -4372,7 +4218,7 @@
           <a:bodyPr/>
           <a:lstStyle/>
           <a:p>
-            <a:pPr lvl="0" marL="0" indent="0">
+            <a:pPr lvl="0" indent="0" marL="0">
               <a:buNone/>
             </a:pPr>
             <a:r>
@@ -4397,7 +4243,7 @@
           <a:bodyPr/>
           <a:lstStyle/>
           <a:p>
-            <a:pPr lvl="1"/>
+            <a:pPr lvl="0"/>
             <a:r>
               <a:rPr/>
               <a:t>Review instrumentation from </a:t>
@@ -4414,21 +4260,21 @@
             </a:r>
           </a:p>
           <a:p>
-            <a:pPr lvl="1"/>
+            <a:pPr lvl="0"/>
             <a:r>
               <a:rPr/>
               <a:t>Review the learning outcomes for the midterm</a:t>
             </a:r>
           </a:p>
           <a:p>
-            <a:pPr lvl="1"/>
+            <a:pPr lvl="0"/>
             <a:r>
               <a:rPr/>
               <a:t>Work period on assignment 1</a:t>
             </a:r>
           </a:p>
           <a:p>
-            <a:pPr lvl="0" marL="0" indent="0">
+            <a:pPr lvl="0" indent="0" marL="0">
               <a:buNone/>
             </a:pPr>
             <a:r>
@@ -4475,20 +4321,12 @@
           <a:bodyPr/>
           <a:lstStyle/>
           <a:p>
-            <a:pPr lvl="0" marL="0" indent="0">
+            <a:pPr lvl="0" indent="0" marL="0">
               <a:buNone/>
             </a:pPr>
             <a:r>
               <a:rPr/>
-              <a:t>Assignment</a:t>
-            </a:r>
-            <a:r>
-              <a:rPr/>
-              <a:t> </a:t>
-            </a:r>
-            <a:r>
-              <a:rPr/>
-              <a:t>1</a:t>
+              <a:t>Assignment 1</a:t>
             </a:r>
           </a:p>
         </p:txBody>
@@ -4508,7 +4346,7 @@
           <a:bodyPr/>
           <a:lstStyle/>
           <a:p>
-            <a:pPr lvl="1"/>
+            <a:pPr lvl="0"/>
             <a:r>
               <a:rPr/>
               <a:t>please compare and contrast </a:t>
@@ -4531,7 +4369,7 @@
             </a:r>
           </a:p>
           <a:p>
-            <a:pPr lvl="1"/>
+            <a:pPr lvl="0"/>
             <a:r>
               <a:rPr/>
               <a:t>the wordpress example uses the </a:t>
@@ -4558,14 +4396,14 @@
             </a:r>
           </a:p>
           <a:p>
-            <a:pPr lvl="1"/>
+            <a:pPr lvl="0"/>
             <a:r>
               <a:rPr/>
               <a:t>the rest of the files are used in the containers</a:t>
             </a:r>
           </a:p>
           <a:p>
-            <a:pPr lvl="1"/>
+            <a:pPr lvl="0"/>
             <a:r>
               <a:rPr/>
               <a:t>start with last week’s lab to get the dependencies for docker-compose and ansible</a:t>
@@ -4610,60 +4448,12 @@
           <a:bodyPr/>
           <a:lstStyle/>
           <a:p>
-            <a:pPr lvl="0" marL="0" indent="0">
+            <a:pPr lvl="0" indent="0" marL="0">
               <a:buNone/>
             </a:pPr>
             <a:r>
               <a:rPr/>
-              <a:t>The</a:t>
-            </a:r>
-            <a:r>
-              <a:rPr/>
-              <a:t> </a:t>
-            </a:r>
-            <a:r>
-              <a:rPr/>
-              <a:t>midterm</a:t>
-            </a:r>
-            <a:r>
-              <a:rPr/>
-              <a:t> </a:t>
-            </a:r>
-            <a:r>
-              <a:rPr/>
-              <a:t>is</a:t>
-            </a:r>
-            <a:r>
-              <a:rPr/>
-              <a:t> </a:t>
-            </a:r>
-            <a:r>
-              <a:rPr/>
-              <a:t>4</a:t>
-            </a:r>
-            <a:r>
-              <a:rPr/>
-              <a:t> </a:t>
-            </a:r>
-            <a:r>
-              <a:rPr/>
-              <a:t>written</a:t>
-            </a:r>
-            <a:r>
-              <a:rPr/>
-              <a:t> </a:t>
-            </a:r>
-            <a:r>
-              <a:rPr/>
-              <a:t>response</a:t>
-            </a:r>
-            <a:r>
-              <a:rPr/>
-              <a:t> </a:t>
-            </a:r>
-            <a:r>
-              <a:rPr/>
-              <a:t>questions</a:t>
+              <a:t>The midterm is 4 written response questions</a:t>
             </a:r>
           </a:p>
         </p:txBody>
@@ -4683,21 +4473,21 @@
           <a:bodyPr/>
           <a:lstStyle/>
           <a:p>
-            <a:pPr lvl="1"/>
+            <a:pPr lvl="0"/>
             <a:r>
               <a:rPr/>
               <a:t>in the quiz tool</a:t>
             </a:r>
           </a:p>
           <a:p>
-            <a:pPr lvl="1"/>
+            <a:pPr lvl="0"/>
             <a:r>
               <a:rPr/>
               <a:t>each question is worth 5 marks</a:t>
             </a:r>
           </a:p>
           <a:p>
-            <a:pPr lvl="1"/>
+            <a:pPr lvl="0"/>
             <a:r>
               <a:rPr/>
               <a:t>each question is based on a situation</a:t>
@@ -4742,28 +4532,12 @@
           <a:bodyPr/>
           <a:lstStyle/>
           <a:p>
-            <a:pPr lvl="0" marL="0" indent="0">
+            <a:pPr lvl="0" indent="0" marL="0">
               <a:buNone/>
             </a:pPr>
             <a:r>
               <a:rPr/>
-              <a:t>Covered</a:t>
-            </a:r>
-            <a:r>
-              <a:rPr/>
-              <a:t> </a:t>
-            </a:r>
-            <a:r>
-              <a:rPr/>
-              <a:t>Learning</a:t>
-            </a:r>
-            <a:r>
-              <a:rPr/>
-              <a:t> </a:t>
-            </a:r>
-            <a:r>
-              <a:rPr/>
-              <a:t>outcomes</a:t>
+              <a:t>Covered Learning outcomes</a:t>
             </a:r>
           </a:p>
         </p:txBody>
@@ -4783,28 +4557,28 @@
           <a:bodyPr/>
           <a:lstStyle/>
           <a:p>
-            <a:pPr lvl="1"/>
+            <a:pPr lvl="0"/>
             <a:r>
               <a:rPr/>
               <a:t>Test monolith and microservice architectures for observability and resolve deficiencies using tracing, metrics and logging.</a:t>
             </a:r>
           </a:p>
           <a:p>
-            <a:pPr lvl="1"/>
+            <a:pPr lvl="0"/>
             <a:r>
               <a:rPr/>
               <a:t>Support development and operations by separating exception tracing from exception handling.</a:t>
             </a:r>
           </a:p>
           <a:p>
-            <a:pPr lvl="1"/>
+            <a:pPr lvl="0"/>
             <a:r>
               <a:rPr/>
               <a:t>Prioritize deviations from metric baselines by sending and responding to alerts</a:t>
             </a:r>
           </a:p>
           <a:p>
-            <a:pPr lvl="1"/>
+            <a:pPr lvl="0"/>
             <a:r>
               <a:rPr/>
               <a:t>Justify issue priority based on evidence from monitoring and logging.</a:t>
@@ -4849,28 +4623,12 @@
           <a:bodyPr/>
           <a:lstStyle/>
           <a:p>
-            <a:pPr lvl="0" marL="0" indent="0">
+            <a:pPr lvl="0" indent="0" marL="0">
               <a:buNone/>
             </a:pPr>
             <a:r>
               <a:rPr/>
-              <a:t>Test</a:t>
-            </a:r>
-            <a:r>
-              <a:rPr/>
-              <a:t> </a:t>
-            </a:r>
-            <a:r>
-              <a:rPr/>
-              <a:t>for</a:t>
-            </a:r>
-            <a:r>
-              <a:rPr/>
-              <a:t> </a:t>
-            </a:r>
-            <a:r>
-              <a:rPr/>
-              <a:t>deficiencies</a:t>
+              <a:t>Test for deficiencies</a:t>
             </a:r>
           </a:p>
         </p:txBody>
@@ -4890,28 +4648,28 @@
           <a:bodyPr/>
           <a:lstStyle/>
           <a:p>
-            <a:pPr lvl="1"/>
+            <a:pPr lvl="0"/>
             <a:r>
               <a:rPr/>
               <a:t>A dev-ops team would ultimately write a failing test that exposes the root cause of a system outage, make the test pass and deploy through continuous integration.</a:t>
             </a:r>
           </a:p>
           <a:p>
-            <a:pPr lvl="1"/>
+            <a:pPr lvl="0"/>
             <a:r>
               <a:rPr/>
               <a:t>Monitoring and logging helps get to the root cause of a problem a customer may be facing</a:t>
             </a:r>
           </a:p>
           <a:p>
-            <a:pPr lvl="1"/>
+            <a:pPr lvl="0"/>
             <a:r>
               <a:rPr/>
               <a:t>In chapter 4 of the book, we looked at different things we can learn from the otel demo</a:t>
             </a:r>
           </a:p>
           <a:p>
-            <a:pPr lvl="1"/>
+            <a:pPr lvl="0"/>
             <a:r>
               <a:rPr/>
               <a:t>correlate what the customer is seeing with metrics … for instance</a:t>
@@ -4956,76 +4714,12 @@
           <a:bodyPr/>
           <a:lstStyle/>
           <a:p>
-            <a:pPr lvl="0" marL="0" indent="0">
+            <a:pPr lvl="0" indent="0" marL="0">
               <a:buNone/>
             </a:pPr>
             <a:r>
               <a:rPr/>
-              <a:t>Relate</a:t>
-            </a:r>
-            <a:r>
-              <a:rPr/>
-              <a:t> </a:t>
-            </a:r>
-            <a:r>
-              <a:rPr/>
-              <a:t>REDS</a:t>
-            </a:r>
-            <a:r>
-              <a:rPr/>
-              <a:t> </a:t>
-            </a:r>
-            <a:r>
-              <a:rPr/>
-              <a:t>metrics</a:t>
-            </a:r>
-            <a:r>
-              <a:rPr/>
-              <a:t> </a:t>
-            </a:r>
-            <a:r>
-              <a:rPr/>
-              <a:t>to</a:t>
-            </a:r>
-            <a:r>
-              <a:rPr/>
-              <a:t> </a:t>
-            </a:r>
-            <a:r>
-              <a:rPr/>
-              <a:t>what</a:t>
-            </a:r>
-            <a:r>
-              <a:rPr/>
-              <a:t> </a:t>
-            </a:r>
-            <a:r>
-              <a:rPr/>
-              <a:t>the</a:t>
-            </a:r>
-            <a:r>
-              <a:rPr/>
-              <a:t> </a:t>
-            </a:r>
-            <a:r>
-              <a:rPr/>
-              <a:t>customer</a:t>
-            </a:r>
-            <a:r>
-              <a:rPr/>
-              <a:t> </a:t>
-            </a:r>
-            <a:r>
-              <a:rPr/>
-              <a:t>is</a:t>
-            </a:r>
-            <a:r>
-              <a:rPr/>
-              <a:t> </a:t>
-            </a:r>
-            <a:r>
-              <a:rPr/>
-              <a:t>seeing</a:t>
+              <a:t>Relate REDS metrics to what the customer is seeing</a:t>
             </a:r>
           </a:p>
         </p:txBody>
@@ -5045,21 +4739,21 @@
           <a:bodyPr/>
           <a:lstStyle/>
           <a:p>
-            <a:pPr lvl="1"/>
+            <a:pPr lvl="0"/>
             <a:r>
               <a:rPr/>
               <a:t>use metric attributes to drill down to the subsystem</a:t>
             </a:r>
           </a:p>
           <a:p>
-            <a:pPr lvl="1"/>
+            <a:pPr lvl="0"/>
             <a:r>
               <a:rPr/>
               <a:t>compare REDS metrics to what the customer is seeing</a:t>
             </a:r>
           </a:p>
           <a:p>
-            <a:pPr lvl="1"/>
+            <a:pPr lvl="0"/>
             <a:r>
               <a:rPr/>
               <a:t>errors for instance will be above the baseline established previously if customers are seeing errors</a:t>
@@ -5104,146 +4798,176 @@
           <a:bodyPr/>
           <a:lstStyle/>
           <a:p>
-            <a:pPr lvl="0" marL="0" indent="0">
+            <a:pPr lvl="0" indent="0" marL="0">
               <a:buNone/>
             </a:pPr>
             <a:r>
               <a:rPr/>
-              <a:t>Separate</a:t>
-            </a:r>
-            <a:r>
-              <a:rPr/>
+              <a:t>Separate tracing from handling</a:t>
+            </a:r>
+          </a:p>
+        </p:txBody>
+      </p:sp>
+      <p:sp>
+        <p:nvSpPr>
+          <p:cNvPr id="3" name="Content Placeholder 2"/>
+          <p:cNvSpPr>
+            <a:spLocks noGrp="1"/>
+          </p:cNvSpPr>
+          <p:nvPr>
+            <p:ph idx="1"/>
+          </p:nvPr>
+        </p:nvSpPr>
+        <p:spPr/>
+        <p:txBody>
+          <a:bodyPr/>
+          <a:lstStyle/>
+          <a:p>
+            <a:pPr lvl="0" indent="0">
+              <a:buNone/>
+            </a:pPr>
+            <a:r>
+              <a:rPr b="1">
+                <a:solidFill>
+                  <a:srgbClr val="008000"/>
+                </a:solidFill>
+                <a:latin typeface="Courier"/>
+              </a:rPr>
+              <a:t>from</a:t>
+            </a:r>
+            <a:r>
+              <a:rPr>
+                <a:latin typeface="Courier"/>
+              </a:rPr>
+              <a:t> opentelemetry </a:t>
+            </a:r>
+            <a:r>
+              <a:rPr b="1">
+                <a:solidFill>
+                  <a:srgbClr val="008000"/>
+                </a:solidFill>
+                <a:latin typeface="Courier"/>
+              </a:rPr>
+              <a:t>import</a:t>
+            </a:r>
+            <a:r>
+              <a:rPr>
+                <a:latin typeface="Courier"/>
+              </a:rPr>
+              <a:t> trace</a:t>
+            </a:r>
+            <a:br/>
+            <a:r>
+              <a:rPr>
+                <a:latin typeface="Courier"/>
+              </a:rPr>
+              <a:t>span </a:t>
+            </a:r>
+            <a:r>
+              <a:rPr>
+                <a:solidFill>
+                  <a:srgbClr val="666666"/>
+                </a:solidFill>
+                <a:latin typeface="Courier"/>
+              </a:rPr>
+              <a:t>=</a:t>
+            </a:r>
+            <a:r>
+              <a:rPr>
+                <a:latin typeface="Courier"/>
+              </a:rPr>
+              <a:t> trace.get_current_span()</a:t>
+            </a:r>
+            <a:br/>
+            <a:r>
+              <a:rPr b="1">
+                <a:solidFill>
+                  <a:srgbClr val="007020"/>
+                </a:solidFill>
+                <a:latin typeface="Courier"/>
+              </a:rPr>
+              <a:t>except</a:t>
+            </a:r>
+            <a:r>
+              <a:rPr>
+                <a:latin typeface="Courier"/>
+              </a:rPr>
               <a:t> </a:t>
             </a:r>
             <a:r>
-              <a:rPr/>
-              <a:t>tracing</a:t>
-            </a:r>
-            <a:r>
-              <a:rPr/>
+              <a:rPr>
+                <a:solidFill>
+                  <a:srgbClr val="BC7A00"/>
+                </a:solidFill>
+                <a:latin typeface="Courier"/>
+              </a:rPr>
+              <a:t>ValueError</a:t>
+            </a:r>
+            <a:r>
+              <a:rPr>
+                <a:latin typeface="Courier"/>
+              </a:rPr>
               <a:t> </a:t>
             </a:r>
             <a:r>
-              <a:rPr/>
-              <a:t>from</a:t>
-            </a:r>
-            <a:r>
-              <a:rPr/>
-              <a:t> </a:t>
-            </a:r>
-            <a:r>
-              <a:rPr/>
-              <a:t>handling</a:t>
-            </a:r>
-          </a:p>
-        </p:txBody>
-      </p:sp>
-      <p:sp>
-        <p:nvSpPr>
-          <p:cNvPr id="3" name="Content Placeholder 2"/>
-          <p:cNvSpPr>
-            <a:spLocks noGrp="1"/>
-          </p:cNvSpPr>
-          <p:nvPr>
-            <p:ph idx="1"/>
-          </p:nvPr>
-        </p:nvSpPr>
-        <p:spPr/>
-        <p:txBody>
-          <a:bodyPr/>
-          <a:lstStyle/>
-          <a:p>
-            <a:pPr lvl="0" indent="0">
-              <a:buNone/>
-            </a:pPr>
-            <a:r>
-              <a:rPr>
-                <a:latin typeface="Courier"/>
-              </a:rPr>
-              <a:t>from opentelemetry import trace</a:t>
+              <a:rPr b="1">
+                <a:solidFill>
+                  <a:srgbClr val="008000"/>
+                </a:solidFill>
+                <a:latin typeface="Courier"/>
+              </a:rPr>
+              <a:t>as</a:t>
+            </a:r>
+            <a:r>
+              <a:rPr>
+                <a:latin typeface="Courier"/>
+              </a:rPr>
+              <a:t> exc:</a:t>
             </a:r>
             <a:br/>
             <a:r>
               <a:rPr>
                 <a:latin typeface="Courier"/>
               </a:rPr>
-              <a:t>span </a:t>
-            </a:r>
-            <a:r>
-              <a:rPr>
-                <a:solidFill>
-                  <a:srgbClr val="666666"/>
-                </a:solidFill>
-                <a:latin typeface="Courier"/>
-              </a:rPr>
-              <a:t>=</a:t>
-            </a:r>
-            <a:r>
-              <a:rPr>
-                <a:latin typeface="Courier"/>
-              </a:rPr>
-              <a:t> trace.get_current_span()</a:t>
+              <a:t>    </a:t>
+            </a:r>
+            <a:r>
+              <a:rPr i="1">
+                <a:solidFill>
+                  <a:srgbClr val="60A0B0"/>
+                </a:solidFill>
+                <a:latin typeface="Courier"/>
+              </a:rPr>
+              <a:t># Record the exception and update the span status.</a:t>
             </a:r>
             <a:br/>
             <a:r>
-              <a:rPr b="1">
-                <a:solidFill>
-                  <a:srgbClr val="007020"/>
-                </a:solidFill>
-                <a:latin typeface="Courier"/>
-              </a:rPr>
-              <a:t>except</a:t>
-            </a:r>
-            <a:r>
-              <a:rPr>
-                <a:latin typeface="Courier"/>
-              </a:rPr>
-              <a:t> </a:t>
-            </a:r>
-            <a:r>
-              <a:rPr>
-                <a:solidFill>
-                  <a:srgbClr val="BC7A00"/>
-                </a:solidFill>
-                <a:latin typeface="Courier"/>
-              </a:rPr>
-              <a:t>ValueError</a:t>
-            </a:r>
-            <a:r>
-              <a:rPr>
-                <a:latin typeface="Courier"/>
-              </a:rPr>
-              <a:t> as exc:</a:t>
+              <a:rPr>
+                <a:latin typeface="Courier"/>
+              </a:rPr>
+              <a:t>    span.record_exception(exc)</a:t>
             </a:r>
             <a:br/>
             <a:r>
               <a:rPr>
                 <a:latin typeface="Courier"/>
               </a:rPr>
-              <a:t>    </a:t>
-            </a:r>
-            <a:r>
-              <a:rPr i="1">
-                <a:solidFill>
-                  <a:srgbClr val="60A0B0"/>
-                </a:solidFill>
-                <a:latin typeface="Courier"/>
-              </a:rPr>
-              <a:t># Record the exception and update the span status.</a:t>
-            </a:r>
-            <a:br/>
-            <a:r>
-              <a:rPr>
-                <a:latin typeface="Courier"/>
-              </a:rPr>
-              <a:t>    span.record_exception(exc)</a:t>
-            </a:r>
-            <a:br/>
-            <a:r>
-              <a:rPr>
-                <a:latin typeface="Courier"/>
-              </a:rPr>
-              <a:t>    span.set_status(trace.Status(trace.StatusCode.ERROR, str(exc)))</a:t>
+              <a:t>    span.set_status(trace.Status(trace.StatusCode.ERROR, </a:t>
+            </a:r>
+            <a:r>
+              <a:rPr>
+                <a:solidFill>
+                  <a:srgbClr val="008000"/>
+                </a:solidFill>
+                <a:latin typeface="Courier"/>
+              </a:rPr>
+              <a:t>str</a:t>
+            </a:r>
+            <a:r>
+              <a:rPr>
+                <a:latin typeface="Courier"/>
+              </a:rPr>
+              <a:t>(exc)))</a:t>
             </a:r>
             <a:br/>
             <a:r>
@@ -5301,183 +5025,192 @@
           <a:bodyPr/>
           <a:lstStyle/>
           <a:p>
-            <a:pPr lvl="0" marL="0" indent="0">
+            <a:pPr lvl="0" indent="0" marL="0">
               <a:buNone/>
             </a:pPr>
             <a:r>
               <a:rPr/>
-              <a:t>Separate</a:t>
-            </a:r>
-            <a:r>
-              <a:rPr/>
+              <a:t>Separate logging from handling</a:t>
+            </a:r>
+          </a:p>
+        </p:txBody>
+      </p:sp>
+      <p:sp>
+        <p:nvSpPr>
+          <p:cNvPr id="3" name="Content Placeholder 2"/>
+          <p:cNvSpPr>
+            <a:spLocks noGrp="1"/>
+          </p:cNvSpPr>
+          <p:nvPr>
+            <p:ph idx="1"/>
+          </p:nvPr>
+        </p:nvSpPr>
+        <p:spPr/>
+        <p:txBody>
+          <a:bodyPr/>
+          <a:lstStyle/>
+          <a:p>
+            <a:pPr lvl="0" indent="0">
+              <a:buNone/>
+            </a:pPr>
+            <a:r>
+              <a:rPr b="1">
+                <a:solidFill>
+                  <a:srgbClr val="008000"/>
+                </a:solidFill>
+                <a:latin typeface="Courier"/>
+              </a:rPr>
+              <a:t>import</a:t>
+            </a:r>
+            <a:r>
+              <a:rPr>
+                <a:latin typeface="Courier"/>
+              </a:rPr>
+              <a:t> traceback</a:t>
+            </a:r>
+            <a:br/>
+            <a:r>
+              <a:rPr b="1">
+                <a:solidFill>
+                  <a:srgbClr val="008000"/>
+                </a:solidFill>
+                <a:latin typeface="Courier"/>
+              </a:rPr>
+              <a:t>import</a:t>
+            </a:r>
+            <a:r>
+              <a:rPr>
+                <a:latin typeface="Courier"/>
+              </a:rPr>
+              <a:t> logging</a:t>
+            </a:r>
+            <a:br/>
+            <a:r>
+              <a:rPr>
+                <a:latin typeface="Courier"/>
+              </a:rPr>
+              <a:t>logging.basicConfig(level</a:t>
+            </a:r>
+            <a:r>
+              <a:rPr>
+                <a:solidFill>
+                  <a:srgbClr val="666666"/>
+                </a:solidFill>
+                <a:latin typeface="Courier"/>
+              </a:rPr>
+              <a:t>=</a:t>
+            </a:r>
+            <a:r>
+              <a:rPr>
+                <a:latin typeface="Courier"/>
+              </a:rPr>
+              <a:t>logging.INFO)</a:t>
+            </a:r>
+            <a:br/>
+            <a:r>
+              <a:rPr>
+                <a:latin typeface="Courier"/>
+              </a:rPr>
+              <a:t>logger </a:t>
+            </a:r>
+            <a:r>
+              <a:rPr>
+                <a:solidFill>
+                  <a:srgbClr val="666666"/>
+                </a:solidFill>
+                <a:latin typeface="Courier"/>
+              </a:rPr>
+              <a:t>=</a:t>
+            </a:r>
+            <a:r>
+              <a:rPr>
+                <a:latin typeface="Courier"/>
+              </a:rPr>
+              <a:t> logging.getLogger(</a:t>
+            </a:r>
+            <a:r>
+              <a:rPr>
+                <a:solidFill>
+                  <a:srgbClr val="19177C"/>
+                </a:solidFill>
+                <a:latin typeface="Courier"/>
+              </a:rPr>
+              <a:t>__name__</a:t>
+            </a:r>
+            <a:r>
+              <a:rPr>
+                <a:latin typeface="Courier"/>
+              </a:rPr>
+              <a:t>)</a:t>
+            </a:r>
+            <a:br/>
+            <a:r>
+              <a:rPr b="1">
+                <a:solidFill>
+                  <a:srgbClr val="007020"/>
+                </a:solidFill>
+                <a:latin typeface="Courier"/>
+              </a:rPr>
+              <a:t>try</a:t>
+            </a:r>
+            <a:r>
+              <a:rPr>
+                <a:latin typeface="Courier"/>
+              </a:rPr>
+              <a:t>:</a:t>
+            </a:r>
+            <a:br/>
+            <a:r>
+              <a:rPr>
+                <a:latin typeface="Courier"/>
+              </a:rPr>
+              <a:t>    do_something_that_might_error()</a:t>
+            </a:r>
+            <a:br/>
+            <a:r>
+              <a:rPr b="1">
+                <a:solidFill>
+                  <a:srgbClr val="007020"/>
+                </a:solidFill>
+                <a:latin typeface="Courier"/>
+              </a:rPr>
+              <a:t>except</a:t>
+            </a:r>
+            <a:r>
+              <a:rPr>
+                <a:latin typeface="Courier"/>
+              </a:rPr>
               <a:t> </a:t>
             </a:r>
             <a:r>
-              <a:rPr/>
-              <a:t>logging</a:t>
-            </a:r>
-            <a:r>
-              <a:rPr/>
+              <a:rPr>
+                <a:solidFill>
+                  <a:srgbClr val="BC7A00"/>
+                </a:solidFill>
+                <a:latin typeface="Courier"/>
+              </a:rPr>
+              <a:t>Exception</a:t>
+            </a:r>
+            <a:r>
+              <a:rPr>
+                <a:latin typeface="Courier"/>
+              </a:rPr>
               <a:t> </a:t>
             </a:r>
             <a:r>
-              <a:rPr/>
-              <a:t>from</a:t>
-            </a:r>
-            <a:r>
-              <a:rPr/>
-              <a:t> </a:t>
-            </a:r>
-            <a:r>
-              <a:rPr/>
-              <a:t>handling</a:t>
-            </a:r>
-          </a:p>
-        </p:txBody>
-      </p:sp>
-      <p:sp>
-        <p:nvSpPr>
-          <p:cNvPr id="3" name="Content Placeholder 2"/>
-          <p:cNvSpPr>
-            <a:spLocks noGrp="1"/>
-          </p:cNvSpPr>
-          <p:nvPr>
-            <p:ph idx="1"/>
-          </p:nvPr>
-        </p:nvSpPr>
-        <p:spPr/>
-        <p:txBody>
-          <a:bodyPr/>
-          <a:lstStyle/>
-          <a:p>
-            <a:pPr lvl="0" indent="0">
-              <a:buNone/>
-            </a:pPr>
-            <a:r>
-              <a:rPr>
-                <a:latin typeface="Courier"/>
-              </a:rPr>
-              <a:t>import traceback</a:t>
-            </a:r>
-            <a:br/>
-            <a:r>
-              <a:rPr>
-                <a:latin typeface="Courier"/>
-              </a:rPr>
-              <a:t>import logging</a:t>
-            </a:r>
-            <a:br/>
-            <a:r>
-              <a:rPr>
-                <a:latin typeface="Courier"/>
-              </a:rPr>
-              <a:t>logging.basicConfig(level</a:t>
-            </a:r>
-            <a:r>
-              <a:rPr>
-                <a:solidFill>
-                  <a:srgbClr val="666666"/>
-                </a:solidFill>
-                <a:latin typeface="Courier"/>
-              </a:rPr>
-              <a:t>=</a:t>
-            </a:r>
-            <a:r>
-              <a:rPr>
-                <a:latin typeface="Courier"/>
-              </a:rPr>
-              <a:t>logging.INFO)</a:t>
-            </a:r>
-            <a:br/>
-            <a:r>
-              <a:rPr>
-                <a:latin typeface="Courier"/>
-              </a:rPr>
-              <a:t>logger </a:t>
-            </a:r>
-            <a:r>
-              <a:rPr>
-                <a:solidFill>
-                  <a:srgbClr val="666666"/>
-                </a:solidFill>
-                <a:latin typeface="Courier"/>
-              </a:rPr>
-              <a:t>=</a:t>
-            </a:r>
-            <a:r>
-              <a:rPr>
-                <a:latin typeface="Courier"/>
-              </a:rPr>
-              <a:t> logging.getLogger(</a:t>
-            </a:r>
-            <a:r>
-              <a:rPr>
-                <a:solidFill>
-                  <a:srgbClr val="19177C"/>
-                </a:solidFill>
-                <a:latin typeface="Courier"/>
-              </a:rPr>
-              <a:t>__name__</a:t>
-            </a:r>
-            <a:r>
-              <a:rPr>
-                <a:latin typeface="Courier"/>
-              </a:rPr>
-              <a:t>)</a:t>
-            </a:r>
-            <a:br/>
-            <a:r>
               <a:rPr b="1">
                 <a:solidFill>
-                  <a:srgbClr val="007020"/>
-                </a:solidFill>
-                <a:latin typeface="Courier"/>
-              </a:rPr>
-              <a:t>try</a:t>
-            </a:r>
-            <a:r>
-              <a:rPr>
-                <a:latin typeface="Courier"/>
-              </a:rPr>
-              <a:t>:</a:t>
-            </a:r>
-            <a:br/>
-            <a:r>
-              <a:rPr>
-                <a:latin typeface="Courier"/>
-              </a:rPr>
-              <a:t>    do_something_that_might_error()</a:t>
-            </a:r>
-            <a:br/>
-            <a:r>
-              <a:rPr b="1">
-                <a:solidFill>
-                  <a:srgbClr val="007020"/>
-                </a:solidFill>
-                <a:latin typeface="Courier"/>
-              </a:rPr>
-              <a:t>except</a:t>
-            </a:r>
-            <a:r>
-              <a:rPr>
-                <a:latin typeface="Courier"/>
-              </a:rPr>
-              <a:t> </a:t>
-            </a:r>
-            <a:r>
-              <a:rPr>
-                <a:solidFill>
-                  <a:srgbClr val="BC7A00"/>
-                </a:solidFill>
-                <a:latin typeface="Courier"/>
-              </a:rPr>
-              <a:t>Exception</a:t>
-            </a:r>
-            <a:r>
-              <a:rPr>
-                <a:latin typeface="Courier"/>
-              </a:rPr>
-              <a:t> as error:</a:t>
+                  <a:srgbClr val="008000"/>
+                </a:solidFill>
+                <a:latin typeface="Courier"/>
+              </a:rPr>
+              <a:t>as</a:t>
+            </a:r>
+            <a:r>
+              <a:rPr>
+                <a:latin typeface="Courier"/>
+              </a:rPr>
+              <a:t> error:</a:t>
             </a:r>
             <a:br/>
             <a:r>
@@ -5828,4 +5561,265 @@
   </a:objectDefaults>
   <a:extraClrSchemeLst/>
 </a:theme>
+</file>
+
+<file path=ppt/theme/theme2.xml><?xml version="1.0" encoding="utf-8"?>
+<a:theme xmlns:a="http://schemas.openxmlformats.org/drawingml/2006/main" name="Office Theme">
+  <a:themeElements>
+    <a:clrScheme name="Office">
+      <a:dk1>
+        <a:sysClr val="windowText" lastClr="000000"/>
+      </a:dk1>
+      <a:lt1>
+        <a:sysClr val="window" lastClr="FFFFFF"/>
+      </a:lt1>
+      <a:dk2>
+        <a:srgbClr val="44546A"/>
+      </a:dk2>
+      <a:lt2>
+        <a:srgbClr val="E7E6E6"/>
+      </a:lt2>
+      <a:accent1>
+        <a:srgbClr val="5B9BD5"/>
+      </a:accent1>
+      <a:accent2>
+        <a:srgbClr val="ED7D31"/>
+      </a:accent2>
+      <a:accent3>
+        <a:srgbClr val="A5A5A5"/>
+      </a:accent3>
+      <a:accent4>
+        <a:srgbClr val="FFC000"/>
+      </a:accent4>
+      <a:accent5>
+        <a:srgbClr val="4472C4"/>
+      </a:accent5>
+      <a:accent6>
+        <a:srgbClr val="70AD47"/>
+      </a:accent6>
+      <a:hlink>
+        <a:srgbClr val="0563C1"/>
+      </a:hlink>
+      <a:folHlink>
+        <a:srgbClr val="954F72"/>
+      </a:folHlink>
+    </a:clrScheme>
+    <a:fontScheme name="Office">
+      <a:majorFont>
+        <a:latin typeface="Calibri Light" panose="020F0302020204030204"/>
+        <a:ea typeface=""/>
+        <a:cs typeface=""/>
+        <a:font script="Jpan" typeface="ＭＳ Ｐゴシック"/>
+        <a:font script="Hang" typeface="맑은 고딕"/>
+        <a:font script="Hans" typeface="宋体"/>
+        <a:font script="Hant" typeface="新細明體"/>
+        <a:font script="Arab" typeface="Times New Roman"/>
+        <a:font script="Hebr" typeface="Times New Roman"/>
+        <a:font script="Thai" typeface="Angsana New"/>
+        <a:font script="Ethi" typeface="Nyala"/>
+        <a:font script="Beng" typeface="Vrinda"/>
+        <a:font script="Gujr" typeface="Shruti"/>
+        <a:font script="Khmr" typeface="MoolBoran"/>
+        <a:font script="Knda" typeface="Tunga"/>
+        <a:font script="Guru" typeface="Raavi"/>
+        <a:font script="Cans" typeface="Euphemia"/>
+        <a:font script="Cher" typeface="Plantagenet Cherokee"/>
+        <a:font script="Yiii" typeface="Microsoft Yi Baiti"/>
+        <a:font script="Tibt" typeface="Microsoft Himalaya"/>
+        <a:font script="Thaa" typeface="MV Boli"/>
+        <a:font script="Deva" typeface="Mangal"/>
+        <a:font script="Telu" typeface="Gautami"/>
+        <a:font script="Taml" typeface="Latha"/>
+        <a:font script="Syrc" typeface="Estrangelo Edessa"/>
+        <a:font script="Orya" typeface="Kalinga"/>
+        <a:font script="Mlym" typeface="Kartika"/>
+        <a:font script="Laoo" typeface="DokChampa"/>
+        <a:font script="Sinh" typeface="Iskoola Pota"/>
+        <a:font script="Mong" typeface="Mongolian Baiti"/>
+        <a:font script="Viet" typeface="Times New Roman"/>
+        <a:font script="Uigh" typeface="Microsoft Uighur"/>
+        <a:font script="Geor" typeface="Sylfaen"/>
+      </a:majorFont>
+      <a:minorFont>
+        <a:latin typeface="Calibri" panose="020F0502020204030204"/>
+        <a:ea typeface=""/>
+        <a:cs typeface=""/>
+        <a:font script="Jpan" typeface="ＭＳ Ｐゴシック"/>
+        <a:font script="Hang" typeface="맑은 고딕"/>
+        <a:font script="Hans" typeface="宋体"/>
+        <a:font script="Hant" typeface="新細明體"/>
+        <a:font script="Arab" typeface="Arial"/>
+        <a:font script="Hebr" typeface="Arial"/>
+        <a:font script="Thai" typeface="Cordia New"/>
+        <a:font script="Ethi" typeface="Nyala"/>
+        <a:font script="Beng" typeface="Vrinda"/>
+        <a:font script="Gujr" typeface="Shruti"/>
+        <a:font script="Khmr" typeface="DaunPenh"/>
+        <a:font script="Knda" typeface="Tunga"/>
+        <a:font script="Guru" typeface="Raavi"/>
+        <a:font script="Cans" typeface="Euphemia"/>
+        <a:font script="Cher" typeface="Plantagenet Cherokee"/>
+        <a:font script="Yiii" typeface="Microsoft Yi Baiti"/>
+        <a:font script="Tibt" typeface="Microsoft Himalaya"/>
+        <a:font script="Thaa" typeface="MV Boli"/>
+        <a:font script="Deva" typeface="Mangal"/>
+        <a:font script="Telu" typeface="Gautami"/>
+        <a:font script="Taml" typeface="Latha"/>
+        <a:font script="Syrc" typeface="Estrangelo Edessa"/>
+        <a:font script="Orya" typeface="Kalinga"/>
+        <a:font script="Mlym" typeface="Kartika"/>
+        <a:font script="Laoo" typeface="DokChampa"/>
+        <a:font script="Sinh" typeface="Iskoola Pota"/>
+        <a:font script="Mong" typeface="Mongolian Baiti"/>
+        <a:font script="Viet" typeface="Arial"/>
+        <a:font script="Uigh" typeface="Microsoft Uighur"/>
+        <a:font script="Geor" typeface="Sylfaen"/>
+      </a:minorFont>
+    </a:fontScheme>
+    <a:fmtScheme name="Office">
+      <a:fillStyleLst>
+        <a:solidFill>
+          <a:schemeClr val="phClr"/>
+        </a:solidFill>
+        <a:gradFill rotWithShape="1">
+          <a:gsLst>
+            <a:gs pos="0">
+              <a:schemeClr val="phClr">
+                <a:lumMod val="110000"/>
+                <a:satMod val="105000"/>
+                <a:tint val="67000"/>
+              </a:schemeClr>
+            </a:gs>
+            <a:gs pos="50000">
+              <a:schemeClr val="phClr">
+                <a:lumMod val="105000"/>
+                <a:satMod val="103000"/>
+                <a:tint val="73000"/>
+              </a:schemeClr>
+            </a:gs>
+            <a:gs pos="100000">
+              <a:schemeClr val="phClr">
+                <a:lumMod val="105000"/>
+                <a:satMod val="109000"/>
+                <a:tint val="81000"/>
+              </a:schemeClr>
+            </a:gs>
+          </a:gsLst>
+          <a:lin ang="5400000" scaled="0"/>
+        </a:gradFill>
+        <a:gradFill rotWithShape="1">
+          <a:gsLst>
+            <a:gs pos="0">
+              <a:schemeClr val="phClr">
+                <a:satMod val="103000"/>
+                <a:lumMod val="102000"/>
+                <a:tint val="94000"/>
+              </a:schemeClr>
+            </a:gs>
+            <a:gs pos="50000">
+              <a:schemeClr val="phClr">
+                <a:satMod val="110000"/>
+                <a:lumMod val="100000"/>
+                <a:shade val="100000"/>
+              </a:schemeClr>
+            </a:gs>
+            <a:gs pos="100000">
+              <a:schemeClr val="phClr">
+                <a:lumMod val="99000"/>
+                <a:satMod val="120000"/>
+                <a:shade val="78000"/>
+              </a:schemeClr>
+            </a:gs>
+          </a:gsLst>
+          <a:lin ang="5400000" scaled="0"/>
+        </a:gradFill>
+      </a:fillStyleLst>
+      <a:lnStyleLst>
+        <a:ln w="6350" cap="flat" cmpd="sng" algn="ctr">
+          <a:solidFill>
+            <a:schemeClr val="phClr"/>
+          </a:solidFill>
+          <a:prstDash val="solid"/>
+          <a:miter lim="800000"/>
+        </a:ln>
+        <a:ln w="12700" cap="flat" cmpd="sng" algn="ctr">
+          <a:solidFill>
+            <a:schemeClr val="phClr"/>
+          </a:solidFill>
+          <a:prstDash val="solid"/>
+          <a:miter lim="800000"/>
+        </a:ln>
+        <a:ln w="19050" cap="flat" cmpd="sng" algn="ctr">
+          <a:solidFill>
+            <a:schemeClr val="phClr"/>
+          </a:solidFill>
+          <a:prstDash val="solid"/>
+          <a:miter lim="800000"/>
+        </a:ln>
+      </a:lnStyleLst>
+      <a:effectStyleLst>
+        <a:effectStyle>
+          <a:effectLst/>
+        </a:effectStyle>
+        <a:effectStyle>
+          <a:effectLst/>
+        </a:effectStyle>
+        <a:effectStyle>
+          <a:effectLst>
+            <a:outerShdw blurRad="57150" dist="19050" dir="5400000" algn="ctr" rotWithShape="0">
+              <a:srgbClr val="000000">
+                <a:alpha val="63000"/>
+              </a:srgbClr>
+            </a:outerShdw>
+          </a:effectLst>
+        </a:effectStyle>
+      </a:effectStyleLst>
+      <a:bgFillStyleLst>
+        <a:solidFill>
+          <a:schemeClr val="phClr"/>
+        </a:solidFill>
+        <a:solidFill>
+          <a:schemeClr val="phClr">
+            <a:tint val="95000"/>
+            <a:satMod val="170000"/>
+          </a:schemeClr>
+        </a:solidFill>
+        <a:gradFill rotWithShape="1">
+          <a:gsLst>
+            <a:gs pos="0">
+              <a:schemeClr val="phClr">
+                <a:tint val="93000"/>
+                <a:satMod val="150000"/>
+                <a:shade val="98000"/>
+                <a:lumMod val="102000"/>
+              </a:schemeClr>
+            </a:gs>
+            <a:gs pos="50000">
+              <a:schemeClr val="phClr">
+                <a:tint val="98000"/>
+                <a:satMod val="130000"/>
+                <a:shade val="90000"/>
+                <a:lumMod val="103000"/>
+              </a:schemeClr>
+            </a:gs>
+            <a:gs pos="100000">
+              <a:schemeClr val="phClr">
+                <a:shade val="63000"/>
+                <a:satMod val="120000"/>
+              </a:schemeClr>
+            </a:gs>
+          </a:gsLst>
+          <a:lin ang="5400000" scaled="0"/>
+        </a:gradFill>
+      </a:bgFillStyleLst>
+    </a:fmtScheme>
+  </a:themeElements>
+  <a:objectDefaults/>
+  <a:extraClrSchemeLst/>
+  <a:extLst>
+    <a:ext uri="{05A4C25C-085E-4340-85A3-A5531E510DB2}">
+      <thm15:themeFamily xmlns:thm15="http://schemas.microsoft.com/office/thememl/2012/main" name="Office Theme" id="{62F939B6-93AF-4DB8-9C6B-D6C7DFDC589F}" vid="{4A3C46E8-61CC-4603-A589-7422A47A8E4A}"/>
+    </a:ext>
+  </a:extLst>
+</a:theme>
 </file>